--- a/slides.pptx
+++ b/slides.pptx
@@ -5,16 +5,24 @@
     <p:sldMasterId id="2147483648" r:id="rId1"/>
   </p:sldMasterIdLst>
   <p:notesMasterIdLst>
-    <p:notesMasterId r:id="rId9"/>
+    <p:notesMasterId r:id="rId17"/>
   </p:notesMasterIdLst>
   <p:sldIdLst>
     <p:sldId id="260" r:id="rId2"/>
     <p:sldId id="261" r:id="rId3"/>
     <p:sldId id="257" r:id="rId4"/>
-    <p:sldId id="262" r:id="rId5"/>
-    <p:sldId id="263" r:id="rId6"/>
-    <p:sldId id="258" r:id="rId7"/>
-    <p:sldId id="259" r:id="rId8"/>
+    <p:sldId id="263" r:id="rId5"/>
+    <p:sldId id="271" r:id="rId6"/>
+    <p:sldId id="262" r:id="rId7"/>
+    <p:sldId id="258" r:id="rId8"/>
+    <p:sldId id="266" r:id="rId9"/>
+    <p:sldId id="264" r:id="rId10"/>
+    <p:sldId id="265" r:id="rId11"/>
+    <p:sldId id="267" r:id="rId12"/>
+    <p:sldId id="270" r:id="rId13"/>
+    <p:sldId id="268" r:id="rId14"/>
+    <p:sldId id="269" r:id="rId15"/>
+    <p:sldId id="259" r:id="rId16"/>
   </p:sldIdLst>
   <p:sldSz cx="12192000" cy="6858000"/>
   <p:notesSz cx="6858000" cy="9144000"/>
@@ -113,6 +121,11 @@
       </a:defRPr>
     </a:lvl9pPr>
   </p:defaultTextStyle>
+  <p:extLst>
+    <p:ext uri="{EFAFB233-063F-42B5-8137-9DF3F51BA10A}">
+      <p15:sldGuideLst xmlns:p15="http://schemas.microsoft.com/office/powerpoint/2012/main"/>
+    </p:ext>
+  </p:extLst>
 </p:presentation>
 </file>
 
@@ -198,7 +211,7 @@
           <a:p>
             <a:fld id="{8E5D3A64-E959-4F90-AD01-F8E1EE1B842A}" type="datetimeFigureOut">
               <a:rPr lang="zh-CN" altLang="en-US" smtClean="0"/>
-              <a:t>2017/6/20</a:t>
+              <a:t>2017/6/28</a:t>
             </a:fld>
             <a:endParaRPr lang="zh-CN" altLang="en-US"/>
           </a:p>
@@ -681,7 +694,7 @@
           <a:p>
             <a:fld id="{A5EBEF2F-8C84-4272-A28C-84516FD5E291}" type="datetimeFigureOut">
               <a:rPr lang="zh-CN" altLang="en-US" smtClean="0"/>
-              <a:t>2017/6/20</a:t>
+              <a:t>2017/6/28</a:t>
             </a:fld>
             <a:endParaRPr lang="zh-CN" altLang="en-US"/>
           </a:p>
@@ -851,7 +864,7 @@
           <a:p>
             <a:fld id="{A5EBEF2F-8C84-4272-A28C-84516FD5E291}" type="datetimeFigureOut">
               <a:rPr lang="zh-CN" altLang="en-US" smtClean="0"/>
-              <a:t>2017/6/20</a:t>
+              <a:t>2017/6/28</a:t>
             </a:fld>
             <a:endParaRPr lang="zh-CN" altLang="en-US"/>
           </a:p>
@@ -1031,7 +1044,7 @@
           <a:p>
             <a:fld id="{A5EBEF2F-8C84-4272-A28C-84516FD5E291}" type="datetimeFigureOut">
               <a:rPr lang="zh-CN" altLang="en-US" smtClean="0"/>
-              <a:t>2017/6/20</a:t>
+              <a:t>2017/6/28</a:t>
             </a:fld>
             <a:endParaRPr lang="zh-CN" altLang="en-US"/>
           </a:p>
@@ -1201,7 +1214,7 @@
           <a:p>
             <a:fld id="{A5EBEF2F-8C84-4272-A28C-84516FD5E291}" type="datetimeFigureOut">
               <a:rPr lang="zh-CN" altLang="en-US" smtClean="0"/>
-              <a:t>2017/6/20</a:t>
+              <a:t>2017/6/28</a:t>
             </a:fld>
             <a:endParaRPr lang="zh-CN" altLang="en-US"/>
           </a:p>
@@ -1447,7 +1460,7 @@
           <a:p>
             <a:fld id="{A5EBEF2F-8C84-4272-A28C-84516FD5E291}" type="datetimeFigureOut">
               <a:rPr lang="zh-CN" altLang="en-US" smtClean="0"/>
-              <a:t>2017/6/20</a:t>
+              <a:t>2017/6/28</a:t>
             </a:fld>
             <a:endParaRPr lang="zh-CN" altLang="en-US"/>
           </a:p>
@@ -1679,7 +1692,7 @@
           <a:p>
             <a:fld id="{A5EBEF2F-8C84-4272-A28C-84516FD5E291}" type="datetimeFigureOut">
               <a:rPr lang="zh-CN" altLang="en-US" smtClean="0"/>
-              <a:t>2017/6/20</a:t>
+              <a:t>2017/6/28</a:t>
             </a:fld>
             <a:endParaRPr lang="zh-CN" altLang="en-US"/>
           </a:p>
@@ -2046,7 +2059,7 @@
           <a:p>
             <a:fld id="{A5EBEF2F-8C84-4272-A28C-84516FD5E291}" type="datetimeFigureOut">
               <a:rPr lang="zh-CN" altLang="en-US" smtClean="0"/>
-              <a:t>2017/6/20</a:t>
+              <a:t>2017/6/28</a:t>
             </a:fld>
             <a:endParaRPr lang="zh-CN" altLang="en-US"/>
           </a:p>
@@ -2164,7 +2177,7 @@
           <a:p>
             <a:fld id="{A5EBEF2F-8C84-4272-A28C-84516FD5E291}" type="datetimeFigureOut">
               <a:rPr lang="zh-CN" altLang="en-US" smtClean="0"/>
-              <a:t>2017/6/20</a:t>
+              <a:t>2017/6/28</a:t>
             </a:fld>
             <a:endParaRPr lang="zh-CN" altLang="en-US"/>
           </a:p>
@@ -2259,7 +2272,7 @@
           <a:p>
             <a:fld id="{A5EBEF2F-8C84-4272-A28C-84516FD5E291}" type="datetimeFigureOut">
               <a:rPr lang="zh-CN" altLang="en-US" smtClean="0"/>
-              <a:t>2017/6/20</a:t>
+              <a:t>2017/6/28</a:t>
             </a:fld>
             <a:endParaRPr lang="zh-CN" altLang="en-US"/>
           </a:p>
@@ -2536,7 +2549,7 @@
           <a:p>
             <a:fld id="{A5EBEF2F-8C84-4272-A28C-84516FD5E291}" type="datetimeFigureOut">
               <a:rPr lang="zh-CN" altLang="en-US" smtClean="0"/>
-              <a:t>2017/6/20</a:t>
+              <a:t>2017/6/28</a:t>
             </a:fld>
             <a:endParaRPr lang="zh-CN" altLang="en-US"/>
           </a:p>
@@ -2789,7 +2802,7 @@
           <a:p>
             <a:fld id="{A5EBEF2F-8C84-4272-A28C-84516FD5E291}" type="datetimeFigureOut">
               <a:rPr lang="zh-CN" altLang="en-US" smtClean="0"/>
-              <a:t>2017/6/20</a:t>
+              <a:t>2017/6/28</a:t>
             </a:fld>
             <a:endParaRPr lang="zh-CN" altLang="en-US"/>
           </a:p>
@@ -3002,7 +3015,7 @@
           <a:p>
             <a:fld id="{A5EBEF2F-8C84-4272-A28C-84516FD5E291}" type="datetimeFigureOut">
               <a:rPr lang="zh-CN" altLang="en-US" smtClean="0"/>
-              <a:t>2017/6/20</a:t>
+              <a:t>2017/6/28</a:t>
             </a:fld>
             <a:endParaRPr lang="zh-CN" altLang="en-US"/>
           </a:p>
@@ -3537,6 +3550,1062 @@
   <p:clrMapOvr>
     <a:masterClrMapping/>
   </p:clrMapOvr>
+  <p:timing>
+    <p:tnLst>
+      <p:par>
+        <p:cTn id="1" dur="indefinite" restart="never" nodeType="tmRoot"/>
+      </p:par>
+    </p:tnLst>
+  </p:timing>
+</p:sld>
+</file>
+
+<file path=ppt/slides/slide10.xml><?xml version="1.0" encoding="utf-8"?>
+<p:sld xmlns:a="http://schemas.openxmlformats.org/drawingml/2006/main" xmlns:r="http://schemas.openxmlformats.org/officeDocument/2006/relationships" xmlns:p="http://schemas.openxmlformats.org/presentationml/2006/main">
+  <p:cSld>
+    <p:spTree>
+      <p:nvGrpSpPr>
+        <p:cNvPr id="1" name=""/>
+        <p:cNvGrpSpPr/>
+        <p:nvPr/>
+      </p:nvGrpSpPr>
+      <p:grpSpPr>
+        <a:xfrm>
+          <a:off x="0" y="0"/>
+          <a:ext cx="0" cy="0"/>
+          <a:chOff x="0" y="0"/>
+          <a:chExt cx="0" cy="0"/>
+        </a:xfrm>
+      </p:grpSpPr>
+      <p:sp>
+        <p:nvSpPr>
+          <p:cNvPr id="2" name="标题 1"/>
+          <p:cNvSpPr>
+            <a:spLocks noGrp="1"/>
+          </p:cNvSpPr>
+          <p:nvPr>
+            <p:ph type="title"/>
+          </p:nvPr>
+        </p:nvSpPr>
+        <p:spPr/>
+        <p:txBody>
+          <a:bodyPr/>
+          <a:lstStyle/>
+          <a:p>
+            <a:r>
+              <a:rPr lang="en-US" altLang="zh-CN" dirty="0" smtClean="0"/>
+              <a:t>Document Representation</a:t>
+            </a:r>
+            <a:endParaRPr lang="zh-CN" altLang="en-US" dirty="0"/>
+          </a:p>
+        </p:txBody>
+      </p:sp>
+      <p:sp>
+        <p:nvSpPr>
+          <p:cNvPr id="3" name="内容占位符 2"/>
+          <p:cNvSpPr>
+            <a:spLocks noGrp="1"/>
+          </p:cNvSpPr>
+          <p:nvPr>
+            <p:ph idx="1"/>
+          </p:nvPr>
+        </p:nvSpPr>
+        <p:spPr>
+          <a:xfrm>
+            <a:off x="904613" y="1690688"/>
+            <a:ext cx="10515600" cy="4351338"/>
+          </a:xfrm>
+        </p:spPr>
+        <p:txBody>
+          <a:bodyPr/>
+          <a:lstStyle/>
+          <a:p>
+            <a:r>
+              <a:rPr lang="en-US" altLang="zh-CN" dirty="0" smtClean="0"/>
+              <a:t>Topic Modeling:</a:t>
+            </a:r>
+          </a:p>
+          <a:p>
+            <a:pPr lvl="1"/>
+            <a:r>
+              <a:rPr lang="en-US" altLang="zh-CN" dirty="0" smtClean="0"/>
+              <a:t>LSI (Latent </a:t>
+            </a:r>
+            <a:r>
+              <a:rPr lang="en-US" altLang="zh-CN" dirty="0"/>
+              <a:t>Semantic </a:t>
+            </a:r>
+            <a:r>
+              <a:rPr lang="en-US" altLang="zh-CN" dirty="0" smtClean="0"/>
+              <a:t>Indexing): Run SVD to BOW or TF-IDF Matrix</a:t>
+            </a:r>
+          </a:p>
+          <a:p>
+            <a:pPr marL="457200" lvl="1" indent="0">
+              <a:buNone/>
+            </a:pPr>
+            <a:endParaRPr lang="en-US" altLang="zh-CN" dirty="0" smtClean="0"/>
+          </a:p>
+          <a:p>
+            <a:pPr lvl="1"/>
+            <a:endParaRPr lang="zh-CN" altLang="en-US" dirty="0"/>
+          </a:p>
+        </p:txBody>
+      </p:sp>
+      <p:pic>
+        <p:nvPicPr>
+          <p:cNvPr id="6" name="Picture 5"/>
+          <p:cNvPicPr>
+            <a:picLocks noChangeAspect="1"/>
+          </p:cNvPicPr>
+          <p:nvPr/>
+        </p:nvPicPr>
+        <p:blipFill>
+          <a:blip r:embed="rId2"/>
+          <a:stretch>
+            <a:fillRect/>
+          </a:stretch>
+        </p:blipFill>
+        <p:spPr>
+          <a:xfrm>
+            <a:off x="190238" y="2897390"/>
+            <a:ext cx="11944350" cy="3076575"/>
+          </a:xfrm>
+          <a:prstGeom prst="rect">
+            <a:avLst/>
+          </a:prstGeom>
+        </p:spPr>
+      </p:pic>
+      <p:sp>
+        <p:nvSpPr>
+          <p:cNvPr id="7" name="TextBox 6"/>
+          <p:cNvSpPr txBox="1"/>
+          <p:nvPr/>
+        </p:nvSpPr>
+        <p:spPr>
+          <a:xfrm>
+            <a:off x="1812022" y="6115574"/>
+            <a:ext cx="659155" cy="369332"/>
+          </a:xfrm>
+          <a:prstGeom prst="rect">
+            <a:avLst/>
+          </a:prstGeom>
+          <a:noFill/>
+        </p:spPr>
+        <p:txBody>
+          <a:bodyPr wrap="none" rtlCol="0">
+            <a:spAutoFit/>
+          </a:bodyPr>
+          <a:lstStyle/>
+          <a:p>
+            <a:r>
+              <a:rPr lang="en-US" dirty="0"/>
+              <a:t>m</a:t>
+            </a:r>
+            <a:r>
+              <a:rPr lang="en-US" dirty="0" smtClean="0"/>
+              <a:t>*n </a:t>
+            </a:r>
+            <a:endParaRPr lang="en-US" dirty="0"/>
+          </a:p>
+        </p:txBody>
+      </p:sp>
+      <p:sp>
+        <p:nvSpPr>
+          <p:cNvPr id="8" name="TextBox 7"/>
+          <p:cNvSpPr txBox="1"/>
+          <p:nvPr/>
+        </p:nvSpPr>
+        <p:spPr>
+          <a:xfrm>
+            <a:off x="5832835" y="6115574"/>
+            <a:ext cx="1240404" cy="646331"/>
+          </a:xfrm>
+          <a:prstGeom prst="rect">
+            <a:avLst/>
+          </a:prstGeom>
+          <a:noFill/>
+        </p:spPr>
+        <p:txBody>
+          <a:bodyPr wrap="none" rtlCol="0">
+            <a:spAutoFit/>
+          </a:bodyPr>
+          <a:lstStyle/>
+          <a:p>
+            <a:pPr algn="ctr"/>
+            <a:r>
+              <a:rPr lang="en-US" dirty="0" smtClean="0"/>
+              <a:t>m*l </a:t>
+            </a:r>
+          </a:p>
+          <a:p>
+            <a:pPr algn="ctr"/>
+            <a:r>
+              <a:rPr lang="en-US" dirty="0" smtClean="0"/>
+              <a:t>Word-topic</a:t>
+            </a:r>
+            <a:endParaRPr lang="en-US" dirty="0"/>
+          </a:p>
+        </p:txBody>
+      </p:sp>
+      <p:sp>
+        <p:nvSpPr>
+          <p:cNvPr id="9" name="TextBox 8"/>
+          <p:cNvSpPr txBox="1"/>
+          <p:nvPr/>
+        </p:nvSpPr>
+        <p:spPr>
+          <a:xfrm>
+            <a:off x="7779080" y="6115574"/>
+            <a:ext cx="1809213" cy="646331"/>
+          </a:xfrm>
+          <a:prstGeom prst="rect">
+            <a:avLst/>
+          </a:prstGeom>
+          <a:noFill/>
+        </p:spPr>
+        <p:txBody>
+          <a:bodyPr wrap="none" rtlCol="0">
+            <a:spAutoFit/>
+          </a:bodyPr>
+          <a:lstStyle/>
+          <a:p>
+            <a:pPr algn="ctr"/>
+            <a:r>
+              <a:rPr lang="en-US" dirty="0" smtClean="0"/>
+              <a:t>l*l </a:t>
+            </a:r>
+          </a:p>
+          <a:p>
+            <a:pPr algn="ctr"/>
+            <a:r>
+              <a:rPr lang="en-US" dirty="0" smtClean="0"/>
+              <a:t>Topic Importance</a:t>
+            </a:r>
+            <a:endParaRPr lang="en-US" dirty="0"/>
+          </a:p>
+        </p:txBody>
+      </p:sp>
+      <p:sp>
+        <p:nvSpPr>
+          <p:cNvPr id="10" name="TextBox 9"/>
+          <p:cNvSpPr txBox="1"/>
+          <p:nvPr/>
+        </p:nvSpPr>
+        <p:spPr>
+          <a:xfrm>
+            <a:off x="10294134" y="6115574"/>
+            <a:ext cx="1156407" cy="646331"/>
+          </a:xfrm>
+          <a:prstGeom prst="rect">
+            <a:avLst/>
+          </a:prstGeom>
+          <a:noFill/>
+        </p:spPr>
+        <p:txBody>
+          <a:bodyPr wrap="none" rtlCol="0">
+            <a:spAutoFit/>
+          </a:bodyPr>
+          <a:lstStyle/>
+          <a:p>
+            <a:pPr algn="ctr"/>
+            <a:r>
+              <a:rPr lang="en-US" dirty="0" smtClean="0"/>
+              <a:t>l*n</a:t>
+            </a:r>
+          </a:p>
+          <a:p>
+            <a:pPr algn="ctr"/>
+            <a:r>
+              <a:rPr lang="en-US" dirty="0" smtClean="0"/>
+              <a:t>Topic-Doc </a:t>
+            </a:r>
+            <a:endParaRPr lang="en-US" dirty="0"/>
+          </a:p>
+        </p:txBody>
+      </p:sp>
+    </p:spTree>
+    <p:extLst>
+      <p:ext uri="{BB962C8B-B14F-4D97-AF65-F5344CB8AC3E}">
+        <p14:creationId xmlns:p14="http://schemas.microsoft.com/office/powerpoint/2010/main" val="2952826252"/>
+      </p:ext>
+    </p:extLst>
+  </p:cSld>
+  <p:clrMapOvr>
+    <a:masterClrMapping/>
+  </p:clrMapOvr>
+  <p:timing>
+    <p:tnLst>
+      <p:par>
+        <p:cTn id="1" dur="indefinite" restart="never" nodeType="tmRoot"/>
+      </p:par>
+    </p:tnLst>
+  </p:timing>
+</p:sld>
+</file>
+
+<file path=ppt/slides/slide11.xml><?xml version="1.0" encoding="utf-8"?>
+<p:sld xmlns:a="http://schemas.openxmlformats.org/drawingml/2006/main" xmlns:r="http://schemas.openxmlformats.org/officeDocument/2006/relationships" xmlns:p="http://schemas.openxmlformats.org/presentationml/2006/main">
+  <p:cSld>
+    <p:spTree>
+      <p:nvGrpSpPr>
+        <p:cNvPr id="1" name=""/>
+        <p:cNvGrpSpPr/>
+        <p:nvPr/>
+      </p:nvGrpSpPr>
+      <p:grpSpPr>
+        <a:xfrm>
+          <a:off x="0" y="0"/>
+          <a:ext cx="0" cy="0"/>
+          <a:chOff x="0" y="0"/>
+          <a:chExt cx="0" cy="0"/>
+        </a:xfrm>
+      </p:grpSpPr>
+      <p:sp>
+        <p:nvSpPr>
+          <p:cNvPr id="2" name="标题 1"/>
+          <p:cNvSpPr>
+            <a:spLocks noGrp="1"/>
+          </p:cNvSpPr>
+          <p:nvPr>
+            <p:ph type="title"/>
+          </p:nvPr>
+        </p:nvSpPr>
+        <p:spPr/>
+        <p:txBody>
+          <a:bodyPr/>
+          <a:lstStyle/>
+          <a:p>
+            <a:r>
+              <a:rPr lang="en-US" altLang="zh-CN" dirty="0" smtClean="0"/>
+              <a:t>Document Representation</a:t>
+            </a:r>
+            <a:endParaRPr lang="zh-CN" altLang="en-US" dirty="0"/>
+          </a:p>
+        </p:txBody>
+      </p:sp>
+      <p:sp>
+        <p:nvSpPr>
+          <p:cNvPr id="3" name="内容占位符 2"/>
+          <p:cNvSpPr>
+            <a:spLocks noGrp="1"/>
+          </p:cNvSpPr>
+          <p:nvPr>
+            <p:ph idx="1"/>
+          </p:nvPr>
+        </p:nvSpPr>
+        <p:spPr>
+          <a:xfrm>
+            <a:off x="904613" y="1690688"/>
+            <a:ext cx="10515600" cy="4351338"/>
+          </a:xfrm>
+        </p:spPr>
+        <p:txBody>
+          <a:bodyPr/>
+          <a:lstStyle/>
+          <a:p>
+            <a:r>
+              <a:rPr lang="en-US" altLang="zh-CN" dirty="0" smtClean="0"/>
+              <a:t>Topic Modeling:</a:t>
+            </a:r>
+          </a:p>
+          <a:p>
+            <a:pPr lvl="1"/>
+            <a:r>
+              <a:rPr lang="en-US" altLang="zh-CN" dirty="0" smtClean="0"/>
+              <a:t>LDA (Latent </a:t>
+            </a:r>
+            <a:r>
+              <a:rPr lang="en-US" altLang="zh-CN" dirty="0" err="1" smtClean="0"/>
+              <a:t>Dirichlet</a:t>
+            </a:r>
+            <a:r>
+              <a:rPr lang="en-US" altLang="zh-CN" dirty="0" smtClean="0"/>
+              <a:t> Allocation): </a:t>
+            </a:r>
+          </a:p>
+          <a:p>
+            <a:pPr lvl="2"/>
+            <a:r>
+              <a:rPr lang="en-US" altLang="zh-CN" dirty="0" smtClean="0"/>
+              <a:t>Input: BOW Matrix</a:t>
+            </a:r>
+          </a:p>
+          <a:p>
+            <a:pPr lvl="2"/>
+            <a:r>
+              <a:rPr lang="en-US" altLang="zh-CN" dirty="0" smtClean="0"/>
+              <a:t>Output: Topic-Word </a:t>
+            </a:r>
+            <a:r>
+              <a:rPr lang="en-US" altLang="zh-CN" dirty="0"/>
+              <a:t>D</a:t>
+            </a:r>
+            <a:r>
+              <a:rPr lang="en-US" altLang="zh-CN" dirty="0" smtClean="0"/>
+              <a:t>istribution, Doc-Topic Distribution</a:t>
+            </a:r>
+          </a:p>
+          <a:p>
+            <a:pPr marL="914400" lvl="2" indent="0">
+              <a:buNone/>
+            </a:pPr>
+            <a:endParaRPr lang="en-US" altLang="zh-CN" dirty="0" smtClean="0"/>
+          </a:p>
+          <a:p>
+            <a:pPr marL="457200" lvl="1" indent="0">
+              <a:buNone/>
+            </a:pPr>
+            <a:endParaRPr lang="en-US" altLang="zh-CN" dirty="0" smtClean="0"/>
+          </a:p>
+          <a:p>
+            <a:pPr lvl="1"/>
+            <a:endParaRPr lang="zh-CN" altLang="en-US" dirty="0"/>
+          </a:p>
+        </p:txBody>
+      </p:sp>
+      <p:pic>
+        <p:nvPicPr>
+          <p:cNvPr id="2050" name="Picture 2" descr="File:Smoothed LDA.png"/>
+          <p:cNvPicPr>
+            <a:picLocks noChangeAspect="1" noChangeArrowheads="1"/>
+          </p:cNvPicPr>
+          <p:nvPr/>
+        </p:nvPicPr>
+        <p:blipFill>
+          <a:blip r:embed="rId2">
+            <a:extLst>
+              <a:ext uri="{28A0092B-C50C-407E-A947-70E740481C1C}">
+                <a14:useLocalDpi xmlns:a14="http://schemas.microsoft.com/office/drawing/2010/main" val="0"/>
+              </a:ext>
+            </a:extLst>
+          </a:blip>
+          <a:srcRect/>
+          <a:stretch>
+            <a:fillRect/>
+          </a:stretch>
+        </p:blipFill>
+        <p:spPr bwMode="auto">
+          <a:xfrm>
+            <a:off x="2689051" y="3717925"/>
+            <a:ext cx="4705350" cy="2324101"/>
+          </a:xfrm>
+          <a:prstGeom prst="rect">
+            <a:avLst/>
+          </a:prstGeom>
+          <a:noFill/>
+          <a:extLst>
+            <a:ext uri="{909E8E84-426E-40DD-AFC4-6F175D3DCCD1}">
+              <a14:hiddenFill xmlns:a14="http://schemas.microsoft.com/office/drawing/2010/main">
+                <a:solidFill>
+                  <a:srgbClr val="FFFFFF"/>
+                </a:solidFill>
+              </a14:hiddenFill>
+            </a:ext>
+          </a:extLst>
+        </p:spPr>
+      </p:pic>
+    </p:spTree>
+    <p:extLst>
+      <p:ext uri="{BB962C8B-B14F-4D97-AF65-F5344CB8AC3E}">
+        <p14:creationId xmlns:p14="http://schemas.microsoft.com/office/powerpoint/2010/main" val="1320685169"/>
+      </p:ext>
+    </p:extLst>
+  </p:cSld>
+  <p:clrMapOvr>
+    <a:masterClrMapping/>
+  </p:clrMapOvr>
+  <p:timing>
+    <p:tnLst>
+      <p:par>
+        <p:cTn id="1" dur="indefinite" restart="never" nodeType="tmRoot"/>
+      </p:par>
+    </p:tnLst>
+  </p:timing>
+</p:sld>
+</file>
+
+<file path=ppt/slides/slide12.xml><?xml version="1.0" encoding="utf-8"?>
+<p:sld xmlns:a="http://schemas.openxmlformats.org/drawingml/2006/main" xmlns:r="http://schemas.openxmlformats.org/officeDocument/2006/relationships" xmlns:p="http://schemas.openxmlformats.org/presentationml/2006/main">
+  <p:cSld>
+    <p:spTree>
+      <p:nvGrpSpPr>
+        <p:cNvPr id="1" name=""/>
+        <p:cNvGrpSpPr/>
+        <p:nvPr/>
+      </p:nvGrpSpPr>
+      <p:grpSpPr>
+        <a:xfrm>
+          <a:off x="0" y="0"/>
+          <a:ext cx="0" cy="0"/>
+          <a:chOff x="0" y="0"/>
+          <a:chExt cx="0" cy="0"/>
+        </a:xfrm>
+      </p:grpSpPr>
+      <p:sp>
+        <p:nvSpPr>
+          <p:cNvPr id="2" name="标题 1"/>
+          <p:cNvSpPr>
+            <a:spLocks noGrp="1"/>
+          </p:cNvSpPr>
+          <p:nvPr>
+            <p:ph type="title"/>
+          </p:nvPr>
+        </p:nvSpPr>
+        <p:spPr/>
+        <p:txBody>
+          <a:bodyPr/>
+          <a:lstStyle/>
+          <a:p>
+            <a:r>
+              <a:rPr lang="en-US" altLang="zh-CN" dirty="0" smtClean="0"/>
+              <a:t>Document Representation</a:t>
+            </a:r>
+            <a:endParaRPr lang="zh-CN" altLang="en-US" dirty="0"/>
+          </a:p>
+        </p:txBody>
+      </p:sp>
+      <p:sp>
+        <p:nvSpPr>
+          <p:cNvPr id="3" name="内容占位符 2"/>
+          <p:cNvSpPr>
+            <a:spLocks noGrp="1"/>
+          </p:cNvSpPr>
+          <p:nvPr>
+            <p:ph idx="1"/>
+          </p:nvPr>
+        </p:nvSpPr>
+        <p:spPr>
+          <a:xfrm>
+            <a:off x="904613" y="1690688"/>
+            <a:ext cx="10515600" cy="4351338"/>
+          </a:xfrm>
+        </p:spPr>
+        <p:txBody>
+          <a:bodyPr/>
+          <a:lstStyle/>
+          <a:p>
+            <a:r>
+              <a:rPr lang="en-US" altLang="zh-CN" dirty="0" smtClean="0"/>
+              <a:t>Topic Modeling:</a:t>
+            </a:r>
+          </a:p>
+          <a:p>
+            <a:pPr lvl="1"/>
+            <a:r>
+              <a:rPr lang="en-US" altLang="zh-CN" dirty="0" smtClean="0"/>
+              <a:t>Restricted </a:t>
+            </a:r>
+            <a:r>
+              <a:rPr lang="en-US" altLang="zh-CN" dirty="0" err="1" smtClean="0"/>
+              <a:t>Bolzman</a:t>
+            </a:r>
+            <a:r>
+              <a:rPr lang="en-US" altLang="zh-CN" dirty="0" smtClean="0"/>
+              <a:t> Machine (RBM) </a:t>
+            </a:r>
+          </a:p>
+          <a:p>
+            <a:pPr lvl="1"/>
+            <a:r>
+              <a:rPr lang="en-US" altLang="zh-CN" dirty="0" smtClean="0"/>
+              <a:t>Input</a:t>
+            </a:r>
+            <a:r>
+              <a:rPr lang="en-US" altLang="zh-CN" dirty="0" smtClean="0"/>
+              <a:t>: BOW Matrix</a:t>
+            </a:r>
+          </a:p>
+          <a:p>
+            <a:pPr marL="914400" lvl="2" indent="0">
+              <a:buNone/>
+            </a:pPr>
+            <a:endParaRPr lang="en-US" altLang="zh-CN" dirty="0" smtClean="0"/>
+          </a:p>
+          <a:p>
+            <a:pPr marL="457200" lvl="1" indent="0">
+              <a:buNone/>
+            </a:pPr>
+            <a:endParaRPr lang="en-US" altLang="zh-CN" dirty="0" smtClean="0"/>
+          </a:p>
+          <a:p>
+            <a:pPr lvl="1"/>
+            <a:endParaRPr lang="zh-CN" altLang="en-US" dirty="0"/>
+          </a:p>
+        </p:txBody>
+      </p:sp>
+      <p:pic>
+        <p:nvPicPr>
+          <p:cNvPr id="1026" name="Picture 2" descr="../_images/rbm_graph.png"/>
+          <p:cNvPicPr>
+            <a:picLocks noChangeAspect="1" noChangeArrowheads="1"/>
+          </p:cNvPicPr>
+          <p:nvPr/>
+        </p:nvPicPr>
+        <p:blipFill>
+          <a:blip r:embed="rId2">
+            <a:extLst>
+              <a:ext uri="{28A0092B-C50C-407E-A947-70E740481C1C}">
+                <a14:useLocalDpi xmlns:a14="http://schemas.microsoft.com/office/drawing/2010/main" val="0"/>
+              </a:ext>
+            </a:extLst>
+          </a:blip>
+          <a:srcRect/>
+          <a:stretch>
+            <a:fillRect/>
+          </a:stretch>
+        </p:blipFill>
+        <p:spPr bwMode="auto">
+          <a:xfrm>
+            <a:off x="568530" y="3736976"/>
+            <a:ext cx="5181600" cy="2305050"/>
+          </a:xfrm>
+          <a:prstGeom prst="rect">
+            <a:avLst/>
+          </a:prstGeom>
+          <a:noFill/>
+          <a:extLst>
+            <a:ext uri="{909E8E84-426E-40DD-AFC4-6F175D3DCCD1}">
+              <a14:hiddenFill xmlns:a14="http://schemas.microsoft.com/office/drawing/2010/main">
+                <a:solidFill>
+                  <a:srgbClr val="FFFFFF"/>
+                </a:solidFill>
+              </a14:hiddenFill>
+            </a:ext>
+          </a:extLst>
+        </p:spPr>
+      </p:pic>
+      <p:sp>
+        <p:nvSpPr>
+          <p:cNvPr id="4" name="Rectangle 3"/>
+          <p:cNvSpPr/>
+          <p:nvPr/>
+        </p:nvSpPr>
+        <p:spPr>
+          <a:xfrm>
+            <a:off x="5891230" y="3730697"/>
+            <a:ext cx="3672800" cy="369332"/>
+          </a:xfrm>
+          <a:prstGeom prst="rect">
+            <a:avLst/>
+          </a:prstGeom>
+        </p:spPr>
+        <p:txBody>
+          <a:bodyPr wrap="none">
+            <a:spAutoFit/>
+          </a:bodyPr>
+          <a:lstStyle/>
+          <a:p>
+            <a:r>
+              <a:rPr lang="en-US" dirty="0">
+                <a:solidFill>
+                  <a:srgbClr val="1D1F22"/>
+                </a:solidFill>
+                <a:latin typeface="Helvetica" panose="020B0604020202020204" pitchFamily="34" charset="0"/>
+              </a:rPr>
+              <a:t>Persistent Contrastive Divergence</a:t>
+            </a:r>
+            <a:endParaRPr lang="en-US" dirty="0"/>
+          </a:p>
+        </p:txBody>
+      </p:sp>
+      <p:pic>
+        <p:nvPicPr>
+          <p:cNvPr id="1032" name="Picture 8" descr="P(v_i=1|\mathbf{h}) = \sigma(\sum_j w_{ij}h_j + b_i) \\&#10;P(h_i=1|\mathbf{v}) = \sigma(\sum_i w_{ij}v_i + c_j)"/>
+          <p:cNvPicPr>
+            <a:picLocks noChangeAspect="1" noChangeArrowheads="1"/>
+          </p:cNvPicPr>
+          <p:nvPr/>
+        </p:nvPicPr>
+        <p:blipFill>
+          <a:blip r:embed="rId3">
+            <a:extLst>
+              <a:ext uri="{28A0092B-C50C-407E-A947-70E740481C1C}">
+                <a14:useLocalDpi xmlns:a14="http://schemas.microsoft.com/office/drawing/2010/main" val="0"/>
+              </a:ext>
+            </a:extLst>
+          </a:blip>
+          <a:srcRect/>
+          <a:stretch>
+            <a:fillRect/>
+          </a:stretch>
+        </p:blipFill>
+        <p:spPr bwMode="auto">
+          <a:xfrm>
+            <a:off x="5995935" y="4465638"/>
+            <a:ext cx="3499347" cy="1276401"/>
+          </a:xfrm>
+          <a:prstGeom prst="rect">
+            <a:avLst/>
+          </a:prstGeom>
+          <a:noFill/>
+          <a:extLst>
+            <a:ext uri="{909E8E84-426E-40DD-AFC4-6F175D3DCCD1}">
+              <a14:hiddenFill xmlns:a14="http://schemas.microsoft.com/office/drawing/2010/main">
+                <a:solidFill>
+                  <a:srgbClr val="FFFFFF"/>
+                </a:solidFill>
+              </a14:hiddenFill>
+            </a:ext>
+          </a:extLst>
+        </p:spPr>
+      </p:pic>
+    </p:spTree>
+    <p:extLst>
+      <p:ext uri="{BB962C8B-B14F-4D97-AF65-F5344CB8AC3E}">
+        <p14:creationId xmlns:p14="http://schemas.microsoft.com/office/powerpoint/2010/main" val="272450092"/>
+      </p:ext>
+    </p:extLst>
+  </p:cSld>
+  <p:clrMapOvr>
+    <a:masterClrMapping/>
+  </p:clrMapOvr>
+  <p:timing>
+    <p:tnLst>
+      <p:par>
+        <p:cTn id="1" dur="indefinite" restart="never" nodeType="tmRoot"/>
+      </p:par>
+    </p:tnLst>
+  </p:timing>
+</p:sld>
+</file>
+
+<file path=ppt/slides/slide13.xml><?xml version="1.0" encoding="utf-8"?>
+<p:sld xmlns:a="http://schemas.openxmlformats.org/drawingml/2006/main" xmlns:r="http://schemas.openxmlformats.org/officeDocument/2006/relationships" xmlns:p="http://schemas.openxmlformats.org/presentationml/2006/main">
+  <p:cSld>
+    <p:spTree>
+      <p:nvGrpSpPr>
+        <p:cNvPr id="1" name=""/>
+        <p:cNvGrpSpPr/>
+        <p:nvPr/>
+      </p:nvGrpSpPr>
+      <p:grpSpPr>
+        <a:xfrm>
+          <a:off x="0" y="0"/>
+          <a:ext cx="0" cy="0"/>
+          <a:chOff x="0" y="0"/>
+          <a:chExt cx="0" cy="0"/>
+        </a:xfrm>
+      </p:grpSpPr>
+      <p:sp>
+        <p:nvSpPr>
+          <p:cNvPr id="2" name="标题 1"/>
+          <p:cNvSpPr>
+            <a:spLocks noGrp="1"/>
+          </p:cNvSpPr>
+          <p:nvPr>
+            <p:ph type="title"/>
+          </p:nvPr>
+        </p:nvSpPr>
+        <p:spPr/>
+        <p:txBody>
+          <a:bodyPr/>
+          <a:lstStyle/>
+          <a:p>
+            <a:r>
+              <a:rPr lang="en-US" altLang="zh-CN" dirty="0" smtClean="0"/>
+              <a:t>Word2Vec I – Embedding Method</a:t>
+            </a:r>
+            <a:endParaRPr lang="zh-CN" altLang="en-US" dirty="0"/>
+          </a:p>
+        </p:txBody>
+      </p:sp>
+      <p:sp>
+        <p:nvSpPr>
+          <p:cNvPr id="4" name="Content Placeholder 3"/>
+          <p:cNvSpPr>
+            <a:spLocks noGrp="1"/>
+          </p:cNvSpPr>
+          <p:nvPr>
+            <p:ph idx="1"/>
+          </p:nvPr>
+        </p:nvSpPr>
+        <p:spPr/>
+        <p:txBody>
+          <a:bodyPr/>
+          <a:lstStyle/>
+          <a:p>
+            <a:r>
+              <a:rPr lang="en-US" dirty="0" smtClean="0"/>
+              <a:t>Word2Vec: </a:t>
+            </a:r>
+          </a:p>
+          <a:p>
+            <a:pPr lvl="1"/>
+            <a:r>
+              <a:rPr lang="en-US" dirty="0" smtClean="0"/>
+              <a:t>unsupervised learning, co-occurrence modeling, mapping a word to a n-dimension vector.</a:t>
+            </a:r>
+          </a:p>
+          <a:p>
+            <a:pPr lvl="1"/>
+            <a:r>
+              <a:rPr lang="en-US" dirty="0" smtClean="0"/>
+              <a:t>CBOW</a:t>
+            </a:r>
+          </a:p>
+          <a:p>
+            <a:pPr marL="0" indent="0">
+              <a:buNone/>
+            </a:pPr>
+            <a:endParaRPr lang="en-US" dirty="0"/>
+          </a:p>
+        </p:txBody>
+      </p:sp>
+    </p:spTree>
+    <p:extLst>
+      <p:ext uri="{BB962C8B-B14F-4D97-AF65-F5344CB8AC3E}">
+        <p14:creationId xmlns:p14="http://schemas.microsoft.com/office/powerpoint/2010/main" val="3090210362"/>
+      </p:ext>
+    </p:extLst>
+  </p:cSld>
+  <p:clrMapOvr>
+    <a:masterClrMapping/>
+  </p:clrMapOvr>
+  <p:timing>
+    <p:tnLst>
+      <p:par>
+        <p:cTn id="1" dur="indefinite" restart="never" nodeType="tmRoot"/>
+      </p:par>
+    </p:tnLst>
+  </p:timing>
+</p:sld>
+</file>
+
+<file path=ppt/slides/slide14.xml><?xml version="1.0" encoding="utf-8"?>
+<p:sld xmlns:a="http://schemas.openxmlformats.org/drawingml/2006/main" xmlns:r="http://schemas.openxmlformats.org/officeDocument/2006/relationships" xmlns:p="http://schemas.openxmlformats.org/presentationml/2006/main">
+  <p:cSld>
+    <p:spTree>
+      <p:nvGrpSpPr>
+        <p:cNvPr id="1" name=""/>
+        <p:cNvGrpSpPr/>
+        <p:nvPr/>
+      </p:nvGrpSpPr>
+      <p:grpSpPr>
+        <a:xfrm>
+          <a:off x="0" y="0"/>
+          <a:ext cx="0" cy="0"/>
+          <a:chOff x="0" y="0"/>
+          <a:chExt cx="0" cy="0"/>
+        </a:xfrm>
+      </p:grpSpPr>
+      <p:sp>
+        <p:nvSpPr>
+          <p:cNvPr id="2" name="标题 1"/>
+          <p:cNvSpPr>
+            <a:spLocks noGrp="1"/>
+          </p:cNvSpPr>
+          <p:nvPr>
+            <p:ph type="title"/>
+          </p:nvPr>
+        </p:nvSpPr>
+        <p:spPr/>
+        <p:txBody>
+          <a:bodyPr/>
+          <a:lstStyle/>
+          <a:p>
+            <a:r>
+              <a:rPr lang="en-US" altLang="zh-CN" dirty="0" smtClean="0"/>
+              <a:t>Word2Vec II – Sequential Modeling</a:t>
+            </a:r>
+            <a:endParaRPr lang="zh-CN" altLang="en-US" dirty="0"/>
+          </a:p>
+        </p:txBody>
+      </p:sp>
+      <p:sp>
+        <p:nvSpPr>
+          <p:cNvPr id="4" name="Content Placeholder 3"/>
+          <p:cNvSpPr>
+            <a:spLocks noGrp="1"/>
+          </p:cNvSpPr>
+          <p:nvPr>
+            <p:ph idx="1"/>
+          </p:nvPr>
+        </p:nvSpPr>
+        <p:spPr/>
+        <p:txBody>
+          <a:bodyPr/>
+          <a:lstStyle/>
+          <a:p>
+            <a:r>
+              <a:rPr lang="en-US" dirty="0" smtClean="0"/>
+              <a:t>Use unsupervised word </a:t>
+            </a:r>
+            <a:r>
+              <a:rPr lang="en-US" dirty="0" err="1" smtClean="0"/>
+              <a:t>vec</a:t>
+            </a:r>
+            <a:r>
+              <a:rPr lang="en-US" dirty="0" smtClean="0"/>
+              <a:t> as input</a:t>
+            </a:r>
+          </a:p>
+          <a:p>
+            <a:r>
+              <a:rPr lang="en-US" dirty="0" smtClean="0"/>
+              <a:t>Apply RNN to model doc sequentially.</a:t>
+            </a:r>
+          </a:p>
+          <a:p>
+            <a:pPr marL="0" indent="0">
+              <a:buNone/>
+            </a:pPr>
+            <a:endParaRPr lang="en-US" dirty="0"/>
+          </a:p>
+        </p:txBody>
+      </p:sp>
+    </p:spTree>
+    <p:extLst>
+      <p:ext uri="{BB962C8B-B14F-4D97-AF65-F5344CB8AC3E}">
+        <p14:creationId xmlns:p14="http://schemas.microsoft.com/office/powerpoint/2010/main" val="2093308537"/>
+      </p:ext>
+    </p:extLst>
+  </p:cSld>
+  <p:clrMapOvr>
+    <a:masterClrMapping/>
+  </p:clrMapOvr>
+  <p:timing>
+    <p:tnLst>
+      <p:par>
+        <p:cTn id="1" dur="indefinite" restart="never" nodeType="tmRoot"/>
+      </p:par>
+    </p:tnLst>
+  </p:timing>
+</p:sld>
+</file>
+
+<file path=ppt/slides/slide15.xml><?xml version="1.0" encoding="utf-8"?>
+<p:sld xmlns:a="http://schemas.openxmlformats.org/drawingml/2006/main" xmlns:r="http://schemas.openxmlformats.org/officeDocument/2006/relationships" xmlns:p="http://schemas.openxmlformats.org/presentationml/2006/main">
+  <p:cSld>
+    <p:spTree>
+      <p:nvGrpSpPr>
+        <p:cNvPr id="1" name=""/>
+        <p:cNvGrpSpPr/>
+        <p:nvPr/>
+      </p:nvGrpSpPr>
+      <p:grpSpPr>
+        <a:xfrm>
+          <a:off x="0" y="0"/>
+          <a:ext cx="0" cy="0"/>
+          <a:chOff x="0" y="0"/>
+          <a:chExt cx="0" cy="0"/>
+        </a:xfrm>
+      </p:grpSpPr>
+      <p:sp>
+        <p:nvSpPr>
+          <p:cNvPr id="2" name="标题 1"/>
+          <p:cNvSpPr>
+            <a:spLocks noGrp="1"/>
+          </p:cNvSpPr>
+          <p:nvPr>
+            <p:ph type="title"/>
+          </p:nvPr>
+        </p:nvSpPr>
+        <p:spPr/>
+        <p:txBody>
+          <a:bodyPr/>
+          <a:lstStyle/>
+          <a:p>
+            <a:r>
+              <a:rPr lang="en-US" altLang="zh-CN" dirty="0" smtClean="0"/>
+              <a:t>Document Classification</a:t>
+            </a:r>
+            <a:endParaRPr lang="zh-CN" altLang="en-US" dirty="0"/>
+          </a:p>
+        </p:txBody>
+      </p:sp>
+      <p:sp>
+        <p:nvSpPr>
+          <p:cNvPr id="3" name="内容占位符 2"/>
+          <p:cNvSpPr>
+            <a:spLocks noGrp="1"/>
+          </p:cNvSpPr>
+          <p:nvPr>
+            <p:ph idx="1"/>
+          </p:nvPr>
+        </p:nvSpPr>
+        <p:spPr/>
+        <p:txBody>
+          <a:bodyPr/>
+          <a:lstStyle/>
+          <a:p>
+            <a:r>
+              <a:rPr lang="en-US" altLang="zh-CN" dirty="0" smtClean="0"/>
+              <a:t>Sentiment Analysis</a:t>
+            </a:r>
+          </a:p>
+          <a:p>
+            <a:pPr lvl="1"/>
+            <a:r>
+              <a:rPr lang="en-US" altLang="zh-CN" dirty="0" smtClean="0"/>
+              <a:t>Input: Document Represented</a:t>
+            </a:r>
+          </a:p>
+          <a:p>
+            <a:pPr lvl="1"/>
+            <a:r>
+              <a:rPr lang="en-US" altLang="zh-CN" dirty="0" smtClean="0"/>
+              <a:t>Output: Label</a:t>
+            </a:r>
+          </a:p>
+          <a:p>
+            <a:pPr lvl="1"/>
+            <a:endParaRPr lang="en-US" altLang="zh-CN" dirty="0"/>
+          </a:p>
+          <a:p>
+            <a:pPr lvl="1"/>
+            <a:r>
+              <a:rPr lang="en-US" altLang="zh-CN" dirty="0" smtClean="0"/>
+              <a:t>Method:</a:t>
+            </a:r>
+          </a:p>
+          <a:p>
+            <a:pPr lvl="2"/>
+            <a:r>
+              <a:rPr lang="en-US" altLang="zh-CN" dirty="0" smtClean="0"/>
+              <a:t>TF-IDF, BOW: Naïve Bayes</a:t>
+            </a:r>
+          </a:p>
+          <a:p>
+            <a:pPr lvl="2"/>
+            <a:r>
+              <a:rPr lang="en-US" altLang="zh-CN" dirty="0" smtClean="0"/>
+              <a:t>LDA: NN, SVM, LR, etc.</a:t>
+            </a:r>
+          </a:p>
+          <a:p>
+            <a:pPr lvl="2"/>
+            <a:r>
+              <a:rPr lang="en-US" altLang="zh-CN" dirty="0" smtClean="0"/>
+              <a:t>Embedding: NN</a:t>
+            </a:r>
+          </a:p>
+          <a:p>
+            <a:endParaRPr lang="en-US" altLang="zh-CN" dirty="0" smtClean="0"/>
+          </a:p>
+          <a:p>
+            <a:pPr lvl="1"/>
+            <a:endParaRPr lang="zh-CN" altLang="en-US" dirty="0"/>
+          </a:p>
+        </p:txBody>
+      </p:sp>
+    </p:spTree>
+    <p:extLst>
+      <p:ext uri="{BB962C8B-B14F-4D97-AF65-F5344CB8AC3E}">
+        <p14:creationId xmlns:p14="http://schemas.microsoft.com/office/powerpoint/2010/main" val="2072933087"/>
+      </p:ext>
+    </p:extLst>
+  </p:cSld>
+  <p:clrMapOvr>
+    <a:masterClrMapping/>
+  </p:clrMapOvr>
+  <p:timing>
+    <p:tnLst>
+      <p:par>
+        <p:cTn id="1" dur="indefinite" restart="never" nodeType="tmRoot"/>
+      </p:par>
+    </p:tnLst>
+  </p:timing>
 </p:sld>
 </file>
 
@@ -3691,6 +4760,13 @@
   <p:clrMapOvr>
     <a:masterClrMapping/>
   </p:clrMapOvr>
+  <p:timing>
+    <p:tnLst>
+      <p:par>
+        <p:cTn id="1" dur="indefinite" restart="never" nodeType="tmRoot"/>
+      </p:par>
+    </p:tnLst>
+  </p:timing>
 </p:sld>
 </file>
 
@@ -3734,56 +4810,690 @@
               </a:rPr>
               <a:t>Text Classification</a:t>
             </a:r>
-            <a:endParaRPr lang="zh-CN" altLang="en-US" dirty="0"/>
-          </a:p>
-        </p:txBody>
-      </p:sp>
-      <p:sp>
-        <p:nvSpPr>
-          <p:cNvPr id="3" name="内容占位符 2"/>
-          <p:cNvSpPr>
-            <a:spLocks noGrp="1"/>
-          </p:cNvSpPr>
-          <p:nvPr>
-            <p:ph idx="1"/>
-          </p:nvPr>
-        </p:nvSpPr>
-        <p:spPr/>
-        <p:txBody>
-          <a:bodyPr/>
-          <a:lstStyle/>
-          <a:p>
-            <a:r>
-              <a:rPr lang="en-US" altLang="zh-CN" dirty="0" smtClean="0"/>
-              <a:t>Document Representation</a:t>
-            </a:r>
-          </a:p>
-          <a:p>
-            <a:pPr lvl="1"/>
-            <a:r>
-              <a:rPr lang="en-US" altLang="zh-CN" dirty="0" smtClean="0"/>
-              <a:t>Basic Processing of NLP</a:t>
-            </a:r>
-          </a:p>
-          <a:p>
-            <a:pPr lvl="1"/>
-            <a:r>
-              <a:rPr lang="en-US" altLang="zh-CN" dirty="0" smtClean="0"/>
-              <a:t>Feature Extraction</a:t>
-            </a:r>
-          </a:p>
-          <a:p>
-            <a:endParaRPr lang="en-US" altLang="zh-CN" dirty="0"/>
-          </a:p>
-          <a:p>
-            <a:r>
-              <a:rPr lang="en-US" altLang="zh-CN" dirty="0" smtClean="0"/>
-              <a:t>Classification</a:t>
-            </a:r>
-          </a:p>
-          <a:p>
-            <a:pPr lvl="1"/>
-            <a:endParaRPr lang="zh-CN" altLang="en-US" dirty="0"/>
+            <a:endParaRPr lang="zh-CN" altLang="en-US" b="1" dirty="0"/>
+          </a:p>
+        </p:txBody>
+      </p:sp>
+      <p:sp>
+        <p:nvSpPr>
+          <p:cNvPr id="5" name="Folded Corner 4"/>
+          <p:cNvSpPr/>
+          <p:nvPr/>
+        </p:nvSpPr>
+        <p:spPr>
+          <a:xfrm>
+            <a:off x="698090" y="1897627"/>
+            <a:ext cx="688258" cy="688258"/>
+          </a:xfrm>
+          <a:prstGeom prst="foldedCorner">
+            <a:avLst/>
+          </a:prstGeom>
+        </p:spPr>
+        <p:style>
+          <a:lnRef idx="2">
+            <a:schemeClr val="dk1"/>
+          </a:lnRef>
+          <a:fillRef idx="1">
+            <a:schemeClr val="lt1"/>
+          </a:fillRef>
+          <a:effectRef idx="0">
+            <a:schemeClr val="dk1"/>
+          </a:effectRef>
+          <a:fontRef idx="minor">
+            <a:schemeClr val="dk1"/>
+          </a:fontRef>
+        </p:style>
+        <p:txBody>
+          <a:bodyPr rtlCol="0" anchor="ctr"/>
+          <a:lstStyle/>
+          <a:p>
+            <a:pPr algn="ctr"/>
+            <a:r>
+              <a:rPr lang="en-US" sz="1400" b="1" dirty="0" smtClean="0"/>
+              <a:t>Doc 1</a:t>
+            </a:r>
+            <a:endParaRPr lang="en-US" sz="1400" b="1" dirty="0"/>
+          </a:p>
+        </p:txBody>
+      </p:sp>
+      <p:sp>
+        <p:nvSpPr>
+          <p:cNvPr id="6" name="Folded Corner 5"/>
+          <p:cNvSpPr/>
+          <p:nvPr/>
+        </p:nvSpPr>
+        <p:spPr>
+          <a:xfrm>
+            <a:off x="698090" y="2792824"/>
+            <a:ext cx="688258" cy="688258"/>
+          </a:xfrm>
+          <a:prstGeom prst="foldedCorner">
+            <a:avLst/>
+          </a:prstGeom>
+        </p:spPr>
+        <p:style>
+          <a:lnRef idx="2">
+            <a:schemeClr val="dk1"/>
+          </a:lnRef>
+          <a:fillRef idx="1">
+            <a:schemeClr val="lt1"/>
+          </a:fillRef>
+          <a:effectRef idx="0">
+            <a:schemeClr val="dk1"/>
+          </a:effectRef>
+          <a:fontRef idx="minor">
+            <a:schemeClr val="dk1"/>
+          </a:fontRef>
+        </p:style>
+        <p:txBody>
+          <a:bodyPr rtlCol="0" anchor="ctr"/>
+          <a:lstStyle/>
+          <a:p>
+            <a:pPr algn="ctr"/>
+            <a:r>
+              <a:rPr lang="en-US" sz="1400" b="1" dirty="0" smtClean="0"/>
+              <a:t>Doc 2</a:t>
+            </a:r>
+            <a:endParaRPr lang="en-US" sz="1400" b="1" dirty="0"/>
+          </a:p>
+        </p:txBody>
+      </p:sp>
+      <p:sp>
+        <p:nvSpPr>
+          <p:cNvPr id="7" name="Folded Corner 6"/>
+          <p:cNvSpPr/>
+          <p:nvPr/>
+        </p:nvSpPr>
+        <p:spPr>
+          <a:xfrm>
+            <a:off x="698090" y="4533134"/>
+            <a:ext cx="688258" cy="688258"/>
+          </a:xfrm>
+          <a:prstGeom prst="foldedCorner">
+            <a:avLst/>
+          </a:prstGeom>
+        </p:spPr>
+        <p:style>
+          <a:lnRef idx="2">
+            <a:schemeClr val="dk1"/>
+          </a:lnRef>
+          <a:fillRef idx="1">
+            <a:schemeClr val="lt1"/>
+          </a:fillRef>
+          <a:effectRef idx="0">
+            <a:schemeClr val="dk1"/>
+          </a:effectRef>
+          <a:fontRef idx="minor">
+            <a:schemeClr val="dk1"/>
+          </a:fontRef>
+        </p:style>
+        <p:txBody>
+          <a:bodyPr rtlCol="0" anchor="ctr"/>
+          <a:lstStyle/>
+          <a:p>
+            <a:pPr algn="ctr"/>
+            <a:r>
+              <a:rPr lang="en-US" sz="1400" b="1" dirty="0" smtClean="0"/>
+              <a:t>Doc n</a:t>
+            </a:r>
+            <a:endParaRPr lang="en-US" sz="1400" b="1" dirty="0"/>
+          </a:p>
+        </p:txBody>
+      </p:sp>
+      <p:sp>
+        <p:nvSpPr>
+          <p:cNvPr id="8" name="TextBox 7"/>
+          <p:cNvSpPr txBox="1"/>
+          <p:nvPr/>
+        </p:nvSpPr>
+        <p:spPr>
+          <a:xfrm>
+            <a:off x="813237" y="3822442"/>
+            <a:ext cx="348172" cy="369332"/>
+          </a:xfrm>
+          <a:prstGeom prst="rect">
+            <a:avLst/>
+          </a:prstGeom>
+          <a:noFill/>
+        </p:spPr>
+        <p:txBody>
+          <a:bodyPr wrap="none" rtlCol="0">
+            <a:spAutoFit/>
+          </a:bodyPr>
+          <a:lstStyle/>
+          <a:p>
+            <a:r>
+              <a:rPr lang="en-US" b="1" dirty="0" smtClean="0"/>
+              <a:t>…</a:t>
+            </a:r>
+            <a:endParaRPr lang="en-US" b="1" dirty="0"/>
+          </a:p>
+        </p:txBody>
+      </p:sp>
+      <p:sp>
+        <p:nvSpPr>
+          <p:cNvPr id="9" name="TextBox 8"/>
+          <p:cNvSpPr txBox="1"/>
+          <p:nvPr/>
+        </p:nvSpPr>
+        <p:spPr>
+          <a:xfrm>
+            <a:off x="698090" y="6088778"/>
+            <a:ext cx="696024" cy="369332"/>
+          </a:xfrm>
+          <a:prstGeom prst="rect">
+            <a:avLst/>
+          </a:prstGeom>
+        </p:spPr>
+        <p:style>
+          <a:lnRef idx="2">
+            <a:schemeClr val="accent3">
+              <a:shade val="50000"/>
+            </a:schemeClr>
+          </a:lnRef>
+          <a:fillRef idx="1">
+            <a:schemeClr val="accent3"/>
+          </a:fillRef>
+          <a:effectRef idx="0">
+            <a:schemeClr val="accent3"/>
+          </a:effectRef>
+          <a:fontRef idx="minor">
+            <a:schemeClr val="lt1"/>
+          </a:fontRef>
+        </p:style>
+        <p:txBody>
+          <a:bodyPr wrap="none" rtlCol="0">
+            <a:spAutoFit/>
+          </a:bodyPr>
+          <a:lstStyle/>
+          <a:p>
+            <a:r>
+              <a:rPr lang="en-US" b="1" dirty="0" smtClean="0"/>
+              <a:t>Input</a:t>
+            </a:r>
+            <a:endParaRPr lang="en-US" b="1" dirty="0"/>
+          </a:p>
+        </p:txBody>
+      </p:sp>
+      <p:sp>
+        <p:nvSpPr>
+          <p:cNvPr id="10" name="TextBox 9"/>
+          <p:cNvSpPr txBox="1"/>
+          <p:nvPr/>
+        </p:nvSpPr>
+        <p:spPr>
+          <a:xfrm>
+            <a:off x="4547419" y="6088778"/>
+            <a:ext cx="2571794" cy="369332"/>
+          </a:xfrm>
+          <a:prstGeom prst="rect">
+            <a:avLst/>
+          </a:prstGeom>
+        </p:spPr>
+        <p:style>
+          <a:lnRef idx="2">
+            <a:schemeClr val="accent3">
+              <a:shade val="50000"/>
+            </a:schemeClr>
+          </a:lnRef>
+          <a:fillRef idx="1">
+            <a:schemeClr val="accent3"/>
+          </a:fillRef>
+          <a:effectRef idx="0">
+            <a:schemeClr val="accent3"/>
+          </a:effectRef>
+          <a:fontRef idx="minor">
+            <a:schemeClr val="lt1"/>
+          </a:fontRef>
+        </p:style>
+        <p:txBody>
+          <a:bodyPr wrap="none" rtlCol="0">
+            <a:spAutoFit/>
+          </a:bodyPr>
+          <a:lstStyle/>
+          <a:p>
+            <a:r>
+              <a:rPr lang="en-US" b="1" dirty="0" smtClean="0"/>
+              <a:t>Text Classification Engine</a:t>
+            </a:r>
+            <a:endParaRPr lang="en-US" b="1" dirty="0"/>
+          </a:p>
+        </p:txBody>
+      </p:sp>
+      <p:sp>
+        <p:nvSpPr>
+          <p:cNvPr id="11" name="TextBox 10"/>
+          <p:cNvSpPr txBox="1"/>
+          <p:nvPr/>
+        </p:nvSpPr>
+        <p:spPr>
+          <a:xfrm>
+            <a:off x="9808769" y="6088778"/>
+            <a:ext cx="870751" cy="369332"/>
+          </a:xfrm>
+          <a:prstGeom prst="rect">
+            <a:avLst/>
+          </a:prstGeom>
+        </p:spPr>
+        <p:style>
+          <a:lnRef idx="2">
+            <a:schemeClr val="accent3">
+              <a:shade val="50000"/>
+            </a:schemeClr>
+          </a:lnRef>
+          <a:fillRef idx="1">
+            <a:schemeClr val="accent3"/>
+          </a:fillRef>
+          <a:effectRef idx="0">
+            <a:schemeClr val="accent3"/>
+          </a:effectRef>
+          <a:fontRef idx="minor">
+            <a:schemeClr val="lt1"/>
+          </a:fontRef>
+        </p:style>
+        <p:txBody>
+          <a:bodyPr wrap="none" rtlCol="0">
+            <a:spAutoFit/>
+          </a:bodyPr>
+          <a:lstStyle/>
+          <a:p>
+            <a:r>
+              <a:rPr lang="en-US" b="1" dirty="0"/>
+              <a:t>O</a:t>
+            </a:r>
+            <a:r>
+              <a:rPr lang="en-US" b="1" dirty="0" smtClean="0"/>
+              <a:t>utput</a:t>
+            </a:r>
+            <a:endParaRPr lang="en-US" b="1" dirty="0"/>
+          </a:p>
+        </p:txBody>
+      </p:sp>
+      <p:sp>
+        <p:nvSpPr>
+          <p:cNvPr id="12" name="Right Brace 11"/>
+          <p:cNvSpPr/>
+          <p:nvPr/>
+        </p:nvSpPr>
+        <p:spPr>
+          <a:xfrm>
+            <a:off x="1720645" y="1897627"/>
+            <a:ext cx="471949" cy="3323765"/>
+          </a:xfrm>
+          <a:prstGeom prst="rightBrace">
+            <a:avLst/>
+          </a:prstGeom>
+        </p:spPr>
+        <p:style>
+          <a:lnRef idx="3">
+            <a:schemeClr val="dk1"/>
+          </a:lnRef>
+          <a:fillRef idx="0">
+            <a:schemeClr val="dk1"/>
+          </a:fillRef>
+          <a:effectRef idx="2">
+            <a:schemeClr val="dk1"/>
+          </a:effectRef>
+          <a:fontRef idx="minor">
+            <a:schemeClr val="tx1"/>
+          </a:fontRef>
+        </p:style>
+        <p:txBody>
+          <a:bodyPr rtlCol="0" anchor="ctr"/>
+          <a:lstStyle/>
+          <a:p>
+            <a:pPr algn="ctr"/>
+            <a:endParaRPr lang="en-US" b="1"/>
+          </a:p>
+        </p:txBody>
+      </p:sp>
+      <p:sp>
+        <p:nvSpPr>
+          <p:cNvPr id="13" name="TextBox 12"/>
+          <p:cNvSpPr txBox="1"/>
+          <p:nvPr/>
+        </p:nvSpPr>
+        <p:spPr>
+          <a:xfrm>
+            <a:off x="8826929" y="1805072"/>
+            <a:ext cx="3287823" cy="3416320"/>
+          </a:xfrm>
+          <a:prstGeom prst="rect">
+            <a:avLst/>
+          </a:prstGeom>
+        </p:spPr>
+        <p:style>
+          <a:lnRef idx="2">
+            <a:schemeClr val="dk1"/>
+          </a:lnRef>
+          <a:fillRef idx="1">
+            <a:schemeClr val="lt1"/>
+          </a:fillRef>
+          <a:effectRef idx="0">
+            <a:schemeClr val="dk1"/>
+          </a:effectRef>
+          <a:fontRef idx="minor">
+            <a:schemeClr val="dk1"/>
+          </a:fontRef>
+        </p:style>
+        <p:txBody>
+          <a:bodyPr wrap="none" rtlCol="0">
+            <a:spAutoFit/>
+          </a:bodyPr>
+          <a:lstStyle/>
+          <a:p>
+            <a:r>
+              <a:rPr lang="en-US" b="1" dirty="0" smtClean="0"/>
+              <a:t>1. Mal-Email Detection</a:t>
+            </a:r>
+          </a:p>
+          <a:p>
+            <a:r>
+              <a:rPr lang="en-US" b="1" dirty="0" smtClean="0"/>
+              <a:t>- Label: 1 mal email; 0 otherwise</a:t>
+            </a:r>
+            <a:endParaRPr lang="en-US" b="1" dirty="0"/>
+          </a:p>
+          <a:p>
+            <a:endParaRPr lang="en-US" b="1" dirty="0" smtClean="0"/>
+          </a:p>
+          <a:p>
+            <a:r>
+              <a:rPr lang="en-US" b="1" dirty="0" smtClean="0"/>
+              <a:t>2. Sentiment Analysis</a:t>
+            </a:r>
+          </a:p>
+          <a:p>
+            <a:r>
+              <a:rPr lang="en-US" b="1" dirty="0" smtClean="0"/>
+              <a:t>- Label: 1 POS; 0 NEG</a:t>
+            </a:r>
+          </a:p>
+          <a:p>
+            <a:endParaRPr lang="en-US" b="1" dirty="0" smtClean="0"/>
+          </a:p>
+          <a:p>
+            <a:r>
+              <a:rPr lang="en-US" b="1" dirty="0" smtClean="0"/>
+              <a:t>3. General Classification</a:t>
+            </a:r>
+          </a:p>
+          <a:p>
+            <a:r>
+              <a:rPr lang="en-US" b="1" dirty="0" smtClean="0"/>
+              <a:t>- News Classification</a:t>
+            </a:r>
+          </a:p>
+          <a:p>
+            <a:endParaRPr lang="en-US" b="1" dirty="0" smtClean="0"/>
+          </a:p>
+          <a:p>
+            <a:r>
+              <a:rPr lang="en-US" b="1" dirty="0"/>
+              <a:t>4</a:t>
+            </a:r>
+            <a:r>
+              <a:rPr lang="en-US" b="1" dirty="0" smtClean="0"/>
+              <a:t>. Multi-classes, multi-labels</a:t>
+            </a:r>
+          </a:p>
+          <a:p>
+            <a:r>
+              <a:rPr lang="en-US" b="1" dirty="0" smtClean="0"/>
+              <a:t>- </a:t>
+            </a:r>
+            <a:r>
+              <a:rPr lang="en-US" b="1" dirty="0" err="1" smtClean="0"/>
+              <a:t>StackOverflow</a:t>
+            </a:r>
+            <a:endParaRPr lang="en-US" b="1" dirty="0" smtClean="0"/>
+          </a:p>
+          <a:p>
+            <a:endParaRPr lang="en-US" b="1" dirty="0" smtClean="0"/>
+          </a:p>
+        </p:txBody>
+      </p:sp>
+      <p:grpSp>
+        <p:nvGrpSpPr>
+          <p:cNvPr id="21" name="Group 20"/>
+          <p:cNvGrpSpPr/>
+          <p:nvPr/>
+        </p:nvGrpSpPr>
+        <p:grpSpPr>
+          <a:xfrm>
+            <a:off x="3091024" y="1805072"/>
+            <a:ext cx="4935794" cy="3530704"/>
+            <a:chOff x="2595716" y="1805072"/>
+            <a:chExt cx="4935794" cy="3530704"/>
+          </a:xfrm>
+        </p:grpSpPr>
+        <p:sp>
+          <p:nvSpPr>
+            <p:cNvPr id="14" name="Rounded Rectangle 13"/>
+            <p:cNvSpPr/>
+            <p:nvPr/>
+          </p:nvSpPr>
+          <p:spPr>
+            <a:xfrm>
+              <a:off x="2595716" y="1805072"/>
+              <a:ext cx="4935794" cy="3416320"/>
+            </a:xfrm>
+            <a:prstGeom prst="roundRect">
+              <a:avLst/>
+            </a:prstGeom>
+          </p:spPr>
+          <p:style>
+            <a:lnRef idx="2">
+              <a:schemeClr val="dk1"/>
+            </a:lnRef>
+            <a:fillRef idx="1">
+              <a:schemeClr val="lt1"/>
+            </a:fillRef>
+            <a:effectRef idx="0">
+              <a:schemeClr val="dk1"/>
+            </a:effectRef>
+            <a:fontRef idx="minor">
+              <a:schemeClr val="dk1"/>
+            </a:fontRef>
+          </p:style>
+          <p:txBody>
+            <a:bodyPr rtlCol="0" anchor="ctr"/>
+            <a:lstStyle/>
+            <a:p>
+              <a:pPr algn="ctr"/>
+              <a:endParaRPr lang="en-US" b="1" dirty="0"/>
+            </a:p>
+          </p:txBody>
+        </p:sp>
+        <p:sp>
+          <p:nvSpPr>
+            <p:cNvPr id="20" name="TextBox 19"/>
+            <p:cNvSpPr txBox="1"/>
+            <p:nvPr/>
+          </p:nvSpPr>
+          <p:spPr>
+            <a:xfrm>
+              <a:off x="3021516" y="1919456"/>
+              <a:ext cx="4262449" cy="3416320"/>
+            </a:xfrm>
+            <a:prstGeom prst="rect">
+              <a:avLst/>
+            </a:prstGeom>
+            <a:noFill/>
+          </p:spPr>
+          <p:txBody>
+            <a:bodyPr wrap="none" rtlCol="0">
+              <a:spAutoFit/>
+            </a:bodyPr>
+            <a:lstStyle/>
+            <a:p>
+              <a:r>
+                <a:rPr lang="en-US" b="1" dirty="0" smtClean="0"/>
+                <a:t>Step 1: </a:t>
+              </a:r>
+              <a:r>
+                <a:rPr lang="en-US" b="1" dirty="0" err="1" smtClean="0"/>
+                <a:t>PreProcess</a:t>
+              </a:r>
+              <a:endParaRPr lang="en-US" b="1" dirty="0" smtClean="0"/>
+            </a:p>
+            <a:p>
+              <a:endParaRPr lang="en-US" b="1" dirty="0"/>
+            </a:p>
+            <a:p>
+              <a:r>
+                <a:rPr lang="en-US" b="1" dirty="0" smtClean="0"/>
+                <a:t>Step 2: Feature Extraction</a:t>
+              </a:r>
+            </a:p>
+            <a:p>
+              <a:pPr marL="285750" indent="-285750">
+                <a:buFontTx/>
+                <a:buChar char="-"/>
+              </a:pPr>
+              <a:r>
+                <a:rPr lang="en-US" b="1" dirty="0" smtClean="0"/>
+                <a:t>TF-IDF</a:t>
+              </a:r>
+            </a:p>
+            <a:p>
+              <a:pPr marL="285750" indent="-285750">
+                <a:buFontTx/>
+                <a:buChar char="-"/>
+              </a:pPr>
+              <a:r>
+                <a:rPr lang="en-US" b="1" dirty="0" smtClean="0"/>
+                <a:t>Topic Model</a:t>
+              </a:r>
+            </a:p>
+            <a:p>
+              <a:pPr marL="285750" indent="-285750">
+                <a:buFontTx/>
+                <a:buChar char="-"/>
+              </a:pPr>
+              <a:r>
+                <a:rPr lang="en-US" b="1" dirty="0" smtClean="0"/>
+                <a:t>Embedding Method</a:t>
+              </a:r>
+            </a:p>
+            <a:p>
+              <a:endParaRPr lang="en-US" b="1" dirty="0"/>
+            </a:p>
+            <a:p>
+              <a:r>
+                <a:rPr lang="en-US" b="1" dirty="0" smtClean="0"/>
+                <a:t>Step 3: Classification</a:t>
+              </a:r>
+            </a:p>
+            <a:p>
+              <a:pPr marL="285750" indent="-285750">
+                <a:buFontTx/>
+                <a:buChar char="-"/>
+              </a:pPr>
+              <a:r>
+                <a:rPr lang="en-US" b="1" dirty="0" smtClean="0"/>
+                <a:t>Traditional Classifiers: Naïve Bayes, NN</a:t>
+              </a:r>
+            </a:p>
+            <a:p>
+              <a:pPr marL="285750" indent="-285750">
+                <a:buFontTx/>
+                <a:buChar char="-"/>
+              </a:pPr>
+              <a:r>
+                <a:rPr lang="en-US" b="1" dirty="0" smtClean="0"/>
+                <a:t>Multi-classes, multi-labels Classification</a:t>
+              </a:r>
+            </a:p>
+            <a:p>
+              <a:pPr marL="285750" indent="-285750">
+                <a:buFontTx/>
+                <a:buChar char="-"/>
+              </a:pPr>
+              <a:r>
+                <a:rPr lang="en-US" b="1" dirty="0" smtClean="0"/>
+                <a:t>Transfer Learning Method</a:t>
+              </a:r>
+            </a:p>
+            <a:p>
+              <a:endParaRPr lang="en-US" b="1" dirty="0"/>
+            </a:p>
+          </p:txBody>
+        </p:sp>
+      </p:grpSp>
+      <p:sp>
+        <p:nvSpPr>
+          <p:cNvPr id="22" name="Right Arrow 21"/>
+          <p:cNvSpPr/>
+          <p:nvPr/>
+        </p:nvSpPr>
+        <p:spPr>
+          <a:xfrm>
+            <a:off x="2418735" y="3323303"/>
+            <a:ext cx="422788" cy="499139"/>
+          </a:xfrm>
+          <a:prstGeom prst="rightArrow">
+            <a:avLst/>
+          </a:prstGeom>
+        </p:spPr>
+        <p:style>
+          <a:lnRef idx="2">
+            <a:schemeClr val="dk1"/>
+          </a:lnRef>
+          <a:fillRef idx="1">
+            <a:schemeClr val="lt1"/>
+          </a:fillRef>
+          <a:effectRef idx="0">
+            <a:schemeClr val="dk1"/>
+          </a:effectRef>
+          <a:fontRef idx="minor">
+            <a:schemeClr val="dk1"/>
+          </a:fontRef>
+        </p:style>
+        <p:txBody>
+          <a:bodyPr rtlCol="0" anchor="ctr"/>
+          <a:lstStyle/>
+          <a:p>
+            <a:pPr algn="ctr"/>
+            <a:endParaRPr lang="en-US" b="1"/>
+          </a:p>
+        </p:txBody>
+      </p:sp>
+      <p:sp>
+        <p:nvSpPr>
+          <p:cNvPr id="23" name="Right Arrow 22"/>
+          <p:cNvSpPr/>
+          <p:nvPr/>
+        </p:nvSpPr>
+        <p:spPr>
+          <a:xfrm>
+            <a:off x="8276319" y="3263662"/>
+            <a:ext cx="422788" cy="499139"/>
+          </a:xfrm>
+          <a:prstGeom prst="rightArrow">
+            <a:avLst/>
+          </a:prstGeom>
+        </p:spPr>
+        <p:style>
+          <a:lnRef idx="2">
+            <a:schemeClr val="dk1"/>
+          </a:lnRef>
+          <a:fillRef idx="1">
+            <a:schemeClr val="lt1"/>
+          </a:fillRef>
+          <a:effectRef idx="0">
+            <a:schemeClr val="dk1"/>
+          </a:effectRef>
+          <a:fontRef idx="minor">
+            <a:schemeClr val="dk1"/>
+          </a:fontRef>
+        </p:style>
+        <p:txBody>
+          <a:bodyPr rtlCol="0" anchor="ctr"/>
+          <a:lstStyle/>
+          <a:p>
+            <a:pPr algn="ctr"/>
+            <a:endParaRPr lang="en-US" b="1"/>
           </a:p>
         </p:txBody>
       </p:sp>
@@ -3797,6 +5507,13 @@
   <p:clrMapOvr>
     <a:masterClrMapping/>
   </p:clrMapOvr>
+  <p:timing>
+    <p:tnLst>
+      <p:par>
+        <p:cTn id="1" dur="indefinite" restart="never" nodeType="tmRoot"/>
+      </p:par>
+    </p:tnLst>
+  </p:timing>
 </p:sld>
 </file>
 
@@ -3833,153 +5550,823 @@
           <a:lstStyle/>
           <a:p>
             <a:r>
-              <a:rPr lang="en-US" altLang="zh-CN" dirty="0" smtClean="0"/>
-              <a:t>Basic Knowledge</a:t>
-            </a:r>
-            <a:endParaRPr lang="zh-CN" altLang="en-US" dirty="0"/>
-          </a:p>
-        </p:txBody>
-      </p:sp>
-      <p:sp>
-        <p:nvSpPr>
-          <p:cNvPr id="3" name="内容占位符 2"/>
-          <p:cNvSpPr>
-            <a:spLocks noGrp="1"/>
-          </p:cNvSpPr>
-          <p:nvPr>
-            <p:ph idx="1"/>
-          </p:nvPr>
-        </p:nvSpPr>
-        <p:spPr/>
-        <p:txBody>
-          <a:bodyPr>
-            <a:normAutofit lnSpcReduction="10000"/>
-          </a:bodyPr>
-          <a:lstStyle/>
-          <a:p>
-            <a:r>
-              <a:rPr lang="en-US" altLang="zh-CN" dirty="0" smtClean="0"/>
-              <a:t>Before doing your NLP jobs, you can do following things:</a:t>
-            </a:r>
-          </a:p>
-          <a:p>
-            <a:pPr lvl="1"/>
-            <a:r>
-              <a:rPr lang="en-US" altLang="zh-CN" dirty="0" smtClean="0"/>
-              <a:t>Tokenize </a:t>
-            </a:r>
-          </a:p>
-          <a:p>
-            <a:pPr lvl="2"/>
-            <a:r>
-              <a:rPr lang="en-US" altLang="zh-CN" dirty="0" smtClean="0"/>
-              <a:t>Especially </a:t>
-            </a:r>
-            <a:r>
-              <a:rPr lang="en-US" altLang="zh-CN" dirty="0" smtClean="0"/>
-              <a:t>coping with Chinese</a:t>
-            </a:r>
-          </a:p>
-          <a:p>
-            <a:pPr lvl="1"/>
-            <a:r>
-              <a:rPr lang="en-US" altLang="zh-CN" dirty="0" smtClean="0"/>
-              <a:t>N-gram (usually 2-gram is enough)</a:t>
-            </a:r>
-          </a:p>
-          <a:p>
-            <a:pPr lvl="2"/>
-            <a:r>
-              <a:rPr lang="en-US" altLang="zh-CN" dirty="0" smtClean="0"/>
-              <a:t>Statistic-based </a:t>
-            </a:r>
-            <a:r>
-              <a:rPr lang="en-US" altLang="zh-CN" smtClean="0"/>
-              <a:t>or Dictionary-based</a:t>
-            </a:r>
-            <a:endParaRPr lang="en-US" altLang="zh-CN" dirty="0" smtClean="0"/>
-          </a:p>
-          <a:p>
-            <a:pPr lvl="2"/>
-            <a:r>
-              <a:rPr lang="en-US" altLang="zh-CN" dirty="0" smtClean="0"/>
-              <a:t>Especially for English</a:t>
-            </a:r>
-          </a:p>
-          <a:p>
-            <a:pPr lvl="2"/>
-            <a:r>
-              <a:rPr lang="en-US" altLang="zh-CN" dirty="0" smtClean="0"/>
-              <a:t>or dealing with domain specific language.</a:t>
-            </a:r>
-          </a:p>
-          <a:p>
-            <a:pPr lvl="1"/>
-            <a:r>
-              <a:rPr lang="en-US" altLang="zh-CN" dirty="0" smtClean="0"/>
-              <a:t>Stemming/ Lemmatization</a:t>
-            </a:r>
-            <a:endParaRPr lang="en-US" altLang="zh-CN" dirty="0" smtClean="0"/>
-          </a:p>
-          <a:p>
-            <a:pPr lvl="1"/>
-            <a:r>
-              <a:rPr lang="en-US" altLang="zh-CN" dirty="0" smtClean="0"/>
-              <a:t>POS tagging</a:t>
-            </a:r>
-          </a:p>
-          <a:p>
-            <a:pPr lvl="1"/>
-            <a:r>
-              <a:rPr lang="en-US" altLang="zh-CN" dirty="0" err="1" smtClean="0"/>
-              <a:t>Stopword</a:t>
-            </a:r>
-            <a:r>
-              <a:rPr lang="en-US" altLang="zh-CN" dirty="0" smtClean="0"/>
-              <a:t> Filtering</a:t>
-            </a:r>
-          </a:p>
-          <a:p>
-            <a:pPr lvl="1"/>
-            <a:r>
-              <a:rPr lang="en-US" altLang="zh-CN" dirty="0" smtClean="0"/>
-              <a:t>Parsing</a:t>
-            </a:r>
-          </a:p>
-          <a:p>
-            <a:r>
-              <a:rPr lang="en-US" altLang="zh-CN" dirty="0" smtClean="0"/>
-              <a:t>Tool: </a:t>
-            </a:r>
-            <a:r>
-              <a:rPr lang="en-US" altLang="zh-CN" dirty="0" err="1" smtClean="0"/>
-              <a:t>nltk</a:t>
-            </a:r>
-            <a:r>
-              <a:rPr lang="en-US" altLang="zh-CN" dirty="0" smtClean="0"/>
-              <a:t> (python), </a:t>
-            </a:r>
-            <a:r>
-              <a:rPr lang="en-US" altLang="zh-CN" dirty="0" err="1" smtClean="0"/>
-              <a:t>standfordNLP</a:t>
-            </a:r>
-            <a:r>
-              <a:rPr lang="en-US" altLang="zh-CN" dirty="0" smtClean="0"/>
-              <a:t> (JAVA)</a:t>
-            </a:r>
-          </a:p>
-        </p:txBody>
-      </p:sp>
+              <a:rPr lang="en-US" altLang="zh-CN" dirty="0"/>
+              <a:t>Basic Knowledge: Language Model (Sequential Modeling)</a:t>
+            </a:r>
+          </a:p>
+        </p:txBody>
+      </p:sp>
+      <mc:AlternateContent xmlns:mc="http://schemas.openxmlformats.org/markup-compatibility/2006" xmlns:a14="http://schemas.microsoft.com/office/drawing/2010/main">
+        <mc:Choice Requires="a14">
+          <p:sp>
+            <p:nvSpPr>
+              <p:cNvPr id="3" name="内容占位符 2"/>
+              <p:cNvSpPr>
+                <a:spLocks noGrp="1"/>
+              </p:cNvSpPr>
+              <p:nvPr>
+                <p:ph idx="1"/>
+              </p:nvPr>
+            </p:nvSpPr>
+            <p:spPr/>
+            <p:txBody>
+              <a:bodyPr/>
+              <a:lstStyle/>
+              <a:p>
+                <a:pPr lvl="1"/>
+                <a:r>
+                  <a:rPr lang="en-US" altLang="zh-CN" dirty="0" smtClean="0"/>
+                  <a:t>For a sentence </a:t>
+                </a:r>
+              </a:p>
+              <a:p>
+                <a:pPr marL="0" indent="0">
+                  <a:buNone/>
+                </a:pPr>
+                <a14:m>
+                  <m:oMathPara xmlns:m="http://schemas.openxmlformats.org/officeDocument/2006/math">
+                    <m:oMathParaPr>
+                      <m:jc m:val="centerGroup"/>
+                    </m:oMathParaPr>
+                    <m:oMath xmlns:m="http://schemas.openxmlformats.org/officeDocument/2006/math">
+                      <m:r>
+                        <a:rPr lang="en-US" altLang="zh-CN" b="0" i="1" smtClean="0">
+                          <a:latin typeface="Cambria Math" panose="02040503050406030204" pitchFamily="18" charset="0"/>
+                        </a:rPr>
+                        <m:t>𝑝</m:t>
+                      </m:r>
+                      <m:d>
+                        <m:dPr>
+                          <m:ctrlPr>
+                            <a:rPr lang="en-US" altLang="zh-CN" b="0" i="1" smtClean="0">
+                              <a:latin typeface="Cambria Math" panose="02040503050406030204" pitchFamily="18" charset="0"/>
+                            </a:rPr>
+                          </m:ctrlPr>
+                        </m:dPr>
+                        <m:e>
+                          <m:r>
+                            <a:rPr lang="en-US" altLang="zh-CN" b="0" i="1" smtClean="0">
+                              <a:latin typeface="Cambria Math" panose="02040503050406030204" pitchFamily="18" charset="0"/>
+                            </a:rPr>
+                            <m:t>𝑠</m:t>
+                          </m:r>
+                        </m:e>
+                      </m:d>
+                      <m:r>
+                        <a:rPr lang="en-US" altLang="zh-CN" b="0" i="1" smtClean="0">
+                          <a:latin typeface="Cambria Math" panose="02040503050406030204" pitchFamily="18" charset="0"/>
+                        </a:rPr>
+                        <m:t>=</m:t>
+                      </m:r>
+                      <m:r>
+                        <a:rPr lang="en-US" altLang="zh-CN" b="0" i="1" smtClean="0">
+                          <a:latin typeface="Cambria Math" panose="02040503050406030204" pitchFamily="18" charset="0"/>
+                        </a:rPr>
+                        <m:t>𝑝</m:t>
+                      </m:r>
+                      <m:d>
+                        <m:dPr>
+                          <m:ctrlPr>
+                            <a:rPr lang="en-US" altLang="zh-CN" b="0" i="1" smtClean="0">
+                              <a:latin typeface="Cambria Math" panose="02040503050406030204" pitchFamily="18" charset="0"/>
+                            </a:rPr>
+                          </m:ctrlPr>
+                        </m:dPr>
+                        <m:e>
+                          <m:sSub>
+                            <m:sSubPr>
+                              <m:ctrlPr>
+                                <a:rPr lang="en-US" altLang="zh-CN" b="0" i="1" smtClean="0">
+                                  <a:latin typeface="Cambria Math" panose="02040503050406030204" pitchFamily="18" charset="0"/>
+                                </a:rPr>
+                              </m:ctrlPr>
+                            </m:sSubPr>
+                            <m:e>
+                              <m:r>
+                                <a:rPr lang="en-US" altLang="zh-CN" b="0" i="1" smtClean="0">
+                                  <a:latin typeface="Cambria Math" panose="02040503050406030204" pitchFamily="18" charset="0"/>
+                                </a:rPr>
+                                <m:t>𝑤</m:t>
+                              </m:r>
+                            </m:e>
+                            <m:sub>
+                              <m:r>
+                                <a:rPr lang="en-US" altLang="zh-CN" b="0" i="1" smtClean="0">
+                                  <a:latin typeface="Cambria Math" panose="02040503050406030204" pitchFamily="18" charset="0"/>
+                                </a:rPr>
+                                <m:t>1</m:t>
+                              </m:r>
+                            </m:sub>
+                          </m:sSub>
+                          <m:r>
+                            <a:rPr lang="en-US" altLang="zh-CN" b="0" i="1" smtClean="0">
+                              <a:latin typeface="Cambria Math" panose="02040503050406030204" pitchFamily="18" charset="0"/>
+                            </a:rPr>
+                            <m:t>, </m:t>
+                          </m:r>
+                          <m:sSub>
+                            <m:sSubPr>
+                              <m:ctrlPr>
+                                <a:rPr lang="en-US" altLang="zh-CN" b="0" i="1" smtClean="0">
+                                  <a:latin typeface="Cambria Math" panose="02040503050406030204" pitchFamily="18" charset="0"/>
+                                </a:rPr>
+                              </m:ctrlPr>
+                            </m:sSubPr>
+                            <m:e>
+                              <m:r>
+                                <a:rPr lang="en-US" altLang="zh-CN" b="0" i="1" smtClean="0">
+                                  <a:latin typeface="Cambria Math" panose="02040503050406030204" pitchFamily="18" charset="0"/>
+                                </a:rPr>
+                                <m:t>𝑤</m:t>
+                              </m:r>
+                            </m:e>
+                            <m:sub>
+                              <m:r>
+                                <a:rPr lang="en-US" altLang="zh-CN" b="0" i="1" smtClean="0">
+                                  <a:latin typeface="Cambria Math" panose="02040503050406030204" pitchFamily="18" charset="0"/>
+                                </a:rPr>
+                                <m:t>2</m:t>
+                              </m:r>
+                            </m:sub>
+                          </m:sSub>
+                          <m:r>
+                            <a:rPr lang="en-US" altLang="zh-CN" b="0" i="1" smtClean="0">
+                              <a:latin typeface="Cambria Math" panose="02040503050406030204" pitchFamily="18" charset="0"/>
+                            </a:rPr>
+                            <m:t>, …,</m:t>
+                          </m:r>
+                          <m:sSub>
+                            <m:sSubPr>
+                              <m:ctrlPr>
+                                <a:rPr lang="en-US" altLang="zh-CN" b="0" i="1" smtClean="0">
+                                  <a:latin typeface="Cambria Math" panose="02040503050406030204" pitchFamily="18" charset="0"/>
+                                </a:rPr>
+                              </m:ctrlPr>
+                            </m:sSubPr>
+                            <m:e>
+                              <m:r>
+                                <a:rPr lang="en-US" altLang="zh-CN" b="0" i="1" smtClean="0">
+                                  <a:latin typeface="Cambria Math" panose="02040503050406030204" pitchFamily="18" charset="0"/>
+                                </a:rPr>
+                                <m:t>𝑤</m:t>
+                              </m:r>
+                            </m:e>
+                            <m:sub>
+                              <m:r>
+                                <a:rPr lang="en-US" altLang="zh-CN" b="0" i="1" smtClean="0">
+                                  <a:latin typeface="Cambria Math" panose="02040503050406030204" pitchFamily="18" charset="0"/>
+                                </a:rPr>
+                                <m:t>𝑚</m:t>
+                              </m:r>
+                            </m:sub>
+                          </m:sSub>
+                        </m:e>
+                      </m:d>
+                      <m:r>
+                        <a:rPr lang="en-US" altLang="zh-CN" b="0" i="1" smtClean="0">
+                          <a:latin typeface="Cambria Math" panose="02040503050406030204" pitchFamily="18" charset="0"/>
+                        </a:rPr>
+                        <m:t>=</m:t>
+                      </m:r>
+                      <m:r>
+                        <a:rPr lang="en-US" altLang="zh-CN" b="0" i="1" smtClean="0">
+                          <a:latin typeface="Cambria Math" panose="02040503050406030204" pitchFamily="18" charset="0"/>
+                        </a:rPr>
+                        <m:t>𝑝</m:t>
+                      </m:r>
+                      <m:d>
+                        <m:dPr>
+                          <m:ctrlPr>
+                            <a:rPr lang="en-US" altLang="zh-CN" b="0" i="1" smtClean="0">
+                              <a:latin typeface="Cambria Math" panose="02040503050406030204" pitchFamily="18" charset="0"/>
+                            </a:rPr>
+                          </m:ctrlPr>
+                        </m:dPr>
+                        <m:e>
+                          <m:sSub>
+                            <m:sSubPr>
+                              <m:ctrlPr>
+                                <a:rPr lang="en-US" altLang="zh-CN" b="0" i="1" smtClean="0">
+                                  <a:latin typeface="Cambria Math" panose="02040503050406030204" pitchFamily="18" charset="0"/>
+                                </a:rPr>
+                              </m:ctrlPr>
+                            </m:sSubPr>
+                            <m:e>
+                              <m:r>
+                                <a:rPr lang="en-US" altLang="zh-CN" b="0" i="1" smtClean="0">
+                                  <a:latin typeface="Cambria Math" panose="02040503050406030204" pitchFamily="18" charset="0"/>
+                                </a:rPr>
+                                <m:t>𝑤</m:t>
+                              </m:r>
+                            </m:e>
+                            <m:sub>
+                              <m:r>
+                                <a:rPr lang="en-US" altLang="zh-CN" b="0" i="1" smtClean="0">
+                                  <a:latin typeface="Cambria Math" panose="02040503050406030204" pitchFamily="18" charset="0"/>
+                                </a:rPr>
+                                <m:t>1</m:t>
+                              </m:r>
+                            </m:sub>
+                          </m:sSub>
+                        </m:e>
+                      </m:d>
+                      <m:r>
+                        <a:rPr lang="en-US" altLang="zh-CN" b="0" i="1" smtClean="0">
+                          <a:latin typeface="Cambria Math" panose="02040503050406030204" pitchFamily="18" charset="0"/>
+                        </a:rPr>
+                        <m:t>∗</m:t>
+                      </m:r>
+                      <m:r>
+                        <a:rPr lang="en-US" altLang="zh-CN" b="0" i="1" smtClean="0">
+                          <a:latin typeface="Cambria Math" panose="02040503050406030204" pitchFamily="18" charset="0"/>
+                        </a:rPr>
+                        <m:t>𝑝</m:t>
+                      </m:r>
+                      <m:d>
+                        <m:dPr>
+                          <m:ctrlPr>
+                            <a:rPr lang="en-US" altLang="zh-CN" b="0" i="1" smtClean="0">
+                              <a:latin typeface="Cambria Math" panose="02040503050406030204" pitchFamily="18" charset="0"/>
+                            </a:rPr>
+                          </m:ctrlPr>
+                        </m:dPr>
+                        <m:e>
+                          <m:sSub>
+                            <m:sSubPr>
+                              <m:ctrlPr>
+                                <a:rPr lang="en-US" altLang="zh-CN" b="0" i="1" smtClean="0">
+                                  <a:latin typeface="Cambria Math" panose="02040503050406030204" pitchFamily="18" charset="0"/>
+                                </a:rPr>
+                              </m:ctrlPr>
+                            </m:sSubPr>
+                            <m:e>
+                              <m:r>
+                                <a:rPr lang="en-US" altLang="zh-CN" b="0" i="1" smtClean="0">
+                                  <a:latin typeface="Cambria Math" panose="02040503050406030204" pitchFamily="18" charset="0"/>
+                                </a:rPr>
+                                <m:t>𝑤</m:t>
+                              </m:r>
+                            </m:e>
+                            <m:sub>
+                              <m:r>
+                                <a:rPr lang="en-US" altLang="zh-CN" b="0" i="1" smtClean="0">
+                                  <a:latin typeface="Cambria Math" panose="02040503050406030204" pitchFamily="18" charset="0"/>
+                                </a:rPr>
+                                <m:t>2</m:t>
+                              </m:r>
+                            </m:sub>
+                          </m:sSub>
+                        </m:e>
+                        <m:e>
+                          <m:sSub>
+                            <m:sSubPr>
+                              <m:ctrlPr>
+                                <a:rPr lang="en-US" altLang="zh-CN" b="0" i="1" smtClean="0">
+                                  <a:latin typeface="Cambria Math" panose="02040503050406030204" pitchFamily="18" charset="0"/>
+                                </a:rPr>
+                              </m:ctrlPr>
+                            </m:sSubPr>
+                            <m:e>
+                              <m:r>
+                                <a:rPr lang="en-US" altLang="zh-CN" b="0" i="1" smtClean="0">
+                                  <a:latin typeface="Cambria Math" panose="02040503050406030204" pitchFamily="18" charset="0"/>
+                                </a:rPr>
+                                <m:t>𝑤</m:t>
+                              </m:r>
+                            </m:e>
+                            <m:sub>
+                              <m:r>
+                                <a:rPr lang="en-US" altLang="zh-CN" b="0" i="1" smtClean="0">
+                                  <a:latin typeface="Cambria Math" panose="02040503050406030204" pitchFamily="18" charset="0"/>
+                                </a:rPr>
+                                <m:t>1</m:t>
+                              </m:r>
+                            </m:sub>
+                          </m:sSub>
+                        </m:e>
+                      </m:d>
+                      <m:r>
+                        <a:rPr lang="en-US" altLang="zh-CN" b="0" i="1" smtClean="0">
+                          <a:latin typeface="Cambria Math" panose="02040503050406030204" pitchFamily="18" charset="0"/>
+                        </a:rPr>
+                        <m:t>∗</m:t>
+                      </m:r>
+                      <m:r>
+                        <a:rPr lang="en-US" altLang="zh-CN" b="0" i="1" smtClean="0">
+                          <a:latin typeface="Cambria Math" panose="02040503050406030204" pitchFamily="18" charset="0"/>
+                        </a:rPr>
+                        <m:t>𝑝</m:t>
+                      </m:r>
+                      <m:d>
+                        <m:dPr>
+                          <m:ctrlPr>
+                            <a:rPr lang="en-US" altLang="zh-CN" b="0" i="1" smtClean="0">
+                              <a:latin typeface="Cambria Math" panose="02040503050406030204" pitchFamily="18" charset="0"/>
+                            </a:rPr>
+                          </m:ctrlPr>
+                        </m:dPr>
+                        <m:e>
+                          <m:sSub>
+                            <m:sSubPr>
+                              <m:ctrlPr>
+                                <a:rPr lang="en-US" altLang="zh-CN" b="0" i="1" smtClean="0">
+                                  <a:latin typeface="Cambria Math" panose="02040503050406030204" pitchFamily="18" charset="0"/>
+                                </a:rPr>
+                              </m:ctrlPr>
+                            </m:sSubPr>
+                            <m:e>
+                              <m:r>
+                                <a:rPr lang="en-US" altLang="zh-CN" b="0" i="1" smtClean="0">
+                                  <a:latin typeface="Cambria Math" panose="02040503050406030204" pitchFamily="18" charset="0"/>
+                                </a:rPr>
+                                <m:t>𝑤</m:t>
+                              </m:r>
+                            </m:e>
+                            <m:sub>
+                              <m:r>
+                                <a:rPr lang="en-US" altLang="zh-CN" b="0" i="1" smtClean="0">
+                                  <a:latin typeface="Cambria Math" panose="02040503050406030204" pitchFamily="18" charset="0"/>
+                                </a:rPr>
+                                <m:t>3</m:t>
+                              </m:r>
+                            </m:sub>
+                          </m:sSub>
+                        </m:e>
+                        <m:e>
+                          <m:sSub>
+                            <m:sSubPr>
+                              <m:ctrlPr>
+                                <a:rPr lang="en-US" altLang="zh-CN" b="0" i="1" smtClean="0">
+                                  <a:latin typeface="Cambria Math" panose="02040503050406030204" pitchFamily="18" charset="0"/>
+                                </a:rPr>
+                              </m:ctrlPr>
+                            </m:sSubPr>
+                            <m:e>
+                              <m:r>
+                                <a:rPr lang="en-US" altLang="zh-CN" b="0" i="1" smtClean="0">
+                                  <a:latin typeface="Cambria Math" panose="02040503050406030204" pitchFamily="18" charset="0"/>
+                                </a:rPr>
+                                <m:t>𝑤</m:t>
+                              </m:r>
+                            </m:e>
+                            <m:sub>
+                              <m:r>
+                                <a:rPr lang="en-US" altLang="zh-CN" b="0" i="1" smtClean="0">
+                                  <a:latin typeface="Cambria Math" panose="02040503050406030204" pitchFamily="18" charset="0"/>
+                                </a:rPr>
+                                <m:t>2</m:t>
+                              </m:r>
+                            </m:sub>
+                          </m:sSub>
+                          <m:r>
+                            <a:rPr lang="en-US" altLang="zh-CN" b="0" i="1" smtClean="0">
+                              <a:latin typeface="Cambria Math" panose="02040503050406030204" pitchFamily="18" charset="0"/>
+                            </a:rPr>
+                            <m:t>,</m:t>
+                          </m:r>
+                          <m:sSub>
+                            <m:sSubPr>
+                              <m:ctrlPr>
+                                <a:rPr lang="en-US" altLang="zh-CN" b="0" i="1" smtClean="0">
+                                  <a:latin typeface="Cambria Math" panose="02040503050406030204" pitchFamily="18" charset="0"/>
+                                </a:rPr>
+                              </m:ctrlPr>
+                            </m:sSubPr>
+                            <m:e>
+                              <m:r>
+                                <a:rPr lang="en-US" altLang="zh-CN" b="0" i="1" smtClean="0">
+                                  <a:latin typeface="Cambria Math" panose="02040503050406030204" pitchFamily="18" charset="0"/>
+                                </a:rPr>
+                                <m:t>𝑤</m:t>
+                              </m:r>
+                            </m:e>
+                            <m:sub>
+                              <m:r>
+                                <a:rPr lang="en-US" altLang="zh-CN" b="0" i="1" smtClean="0">
+                                  <a:latin typeface="Cambria Math" panose="02040503050406030204" pitchFamily="18" charset="0"/>
+                                </a:rPr>
+                                <m:t>1</m:t>
+                              </m:r>
+                            </m:sub>
+                          </m:sSub>
+                        </m:e>
+                      </m:d>
+                      <m:r>
+                        <a:rPr lang="en-US" altLang="zh-CN" b="0" i="1" smtClean="0">
+                          <a:latin typeface="Cambria Math" panose="02040503050406030204" pitchFamily="18" charset="0"/>
+                        </a:rPr>
+                        <m:t>∗ …∗</m:t>
+                      </m:r>
+                      <m:r>
+                        <a:rPr lang="en-US" altLang="zh-CN" i="1">
+                          <a:latin typeface="Cambria Math" panose="02040503050406030204" pitchFamily="18" charset="0"/>
+                        </a:rPr>
+                        <m:t>𝑝</m:t>
+                      </m:r>
+                      <m:d>
+                        <m:dPr>
+                          <m:ctrlPr>
+                            <a:rPr lang="en-US" altLang="zh-CN" i="1">
+                              <a:latin typeface="Cambria Math" panose="02040503050406030204" pitchFamily="18" charset="0"/>
+                            </a:rPr>
+                          </m:ctrlPr>
+                        </m:dPr>
+                        <m:e>
+                          <m:sSub>
+                            <m:sSubPr>
+                              <m:ctrlPr>
+                                <a:rPr lang="en-US" altLang="zh-CN" i="1">
+                                  <a:latin typeface="Cambria Math" panose="02040503050406030204" pitchFamily="18" charset="0"/>
+                                </a:rPr>
+                              </m:ctrlPr>
+                            </m:sSubPr>
+                            <m:e>
+                              <m:r>
+                                <a:rPr lang="en-US" altLang="zh-CN" i="1">
+                                  <a:latin typeface="Cambria Math" panose="02040503050406030204" pitchFamily="18" charset="0"/>
+                                </a:rPr>
+                                <m:t>𝑤</m:t>
+                              </m:r>
+                            </m:e>
+                            <m:sub>
+                              <m:r>
+                                <a:rPr lang="en-US" altLang="zh-CN" b="0" i="1" smtClean="0">
+                                  <a:latin typeface="Cambria Math" panose="02040503050406030204" pitchFamily="18" charset="0"/>
+                                </a:rPr>
+                                <m:t>𝑚</m:t>
+                              </m:r>
+                            </m:sub>
+                          </m:sSub>
+                        </m:e>
+                        <m:e>
+                          <m:sSub>
+                            <m:sSubPr>
+                              <m:ctrlPr>
+                                <a:rPr lang="en-US" altLang="zh-CN" i="1">
+                                  <a:latin typeface="Cambria Math" panose="02040503050406030204" pitchFamily="18" charset="0"/>
+                                </a:rPr>
+                              </m:ctrlPr>
+                            </m:sSubPr>
+                            <m:e>
+                              <m:r>
+                                <a:rPr lang="en-US" altLang="zh-CN" i="1">
+                                  <a:latin typeface="Cambria Math" panose="02040503050406030204" pitchFamily="18" charset="0"/>
+                                </a:rPr>
+                                <m:t>𝑤</m:t>
+                              </m:r>
+                            </m:e>
+                            <m:sub>
+                              <m:r>
+                                <a:rPr lang="en-US" altLang="zh-CN" b="0" i="1" smtClean="0">
+                                  <a:latin typeface="Cambria Math" panose="02040503050406030204" pitchFamily="18" charset="0"/>
+                                </a:rPr>
+                                <m:t>𝑚</m:t>
+                              </m:r>
+                              <m:r>
+                                <a:rPr lang="en-US" altLang="zh-CN" b="0" i="1" smtClean="0">
+                                  <a:latin typeface="Cambria Math" panose="02040503050406030204" pitchFamily="18" charset="0"/>
+                                </a:rPr>
+                                <m:t>−1</m:t>
+                              </m:r>
+                            </m:sub>
+                          </m:sSub>
+                          <m:r>
+                            <a:rPr lang="en-US" altLang="zh-CN" i="1">
+                              <a:latin typeface="Cambria Math" panose="02040503050406030204" pitchFamily="18" charset="0"/>
+                            </a:rPr>
+                            <m:t>,</m:t>
+                          </m:r>
+                          <m:r>
+                            <a:rPr lang="en-US" altLang="zh-CN" b="0" i="1" smtClean="0">
+                              <a:latin typeface="Cambria Math" panose="02040503050406030204" pitchFamily="18" charset="0"/>
+                            </a:rPr>
+                            <m:t>…,</m:t>
+                          </m:r>
+                          <m:sSub>
+                            <m:sSubPr>
+                              <m:ctrlPr>
+                                <a:rPr lang="en-US" altLang="zh-CN" i="1">
+                                  <a:latin typeface="Cambria Math" panose="02040503050406030204" pitchFamily="18" charset="0"/>
+                                </a:rPr>
+                              </m:ctrlPr>
+                            </m:sSubPr>
+                            <m:e>
+                              <m:r>
+                                <a:rPr lang="en-US" altLang="zh-CN" i="1">
+                                  <a:latin typeface="Cambria Math" panose="02040503050406030204" pitchFamily="18" charset="0"/>
+                                </a:rPr>
+                                <m:t>𝑤</m:t>
+                              </m:r>
+                            </m:e>
+                            <m:sub>
+                              <m:r>
+                                <a:rPr lang="en-US" altLang="zh-CN" i="1">
+                                  <a:latin typeface="Cambria Math" panose="02040503050406030204" pitchFamily="18" charset="0"/>
+                                </a:rPr>
+                                <m:t>1</m:t>
+                              </m:r>
+                            </m:sub>
+                          </m:sSub>
+                        </m:e>
+                      </m:d>
+                    </m:oMath>
+                  </m:oMathPara>
+                </a14:m>
+                <a:endParaRPr lang="en-US" altLang="zh-CN" b="0" dirty="0" smtClean="0"/>
+              </a:p>
+              <a:p>
+                <a:pPr lvl="1"/>
+                <a:endParaRPr lang="en-US" altLang="zh-CN" dirty="0"/>
+              </a:p>
+              <a:p>
+                <a:pPr lvl="1"/>
+                <a:r>
+                  <a:rPr lang="en-US" altLang="zh-CN" dirty="0" smtClean="0"/>
+                  <a:t>1-gram model: Markov Assumption:</a:t>
+                </a:r>
+              </a:p>
+              <a:p>
+                <a:pPr marL="457200" lvl="1" indent="0">
+                  <a:buNone/>
+                </a:pPr>
+                <a14:m>
+                  <m:oMathPara xmlns:m="http://schemas.openxmlformats.org/officeDocument/2006/math">
+                    <m:oMathParaPr>
+                      <m:jc m:val="centerGroup"/>
+                    </m:oMathParaPr>
+                    <m:oMath xmlns:m="http://schemas.openxmlformats.org/officeDocument/2006/math">
+                      <m:r>
+                        <a:rPr lang="en-US" altLang="zh-CN" i="1">
+                          <a:latin typeface="Cambria Math" panose="02040503050406030204" pitchFamily="18" charset="0"/>
+                        </a:rPr>
+                        <m:t>𝑝</m:t>
+                      </m:r>
+                      <m:d>
+                        <m:dPr>
+                          <m:ctrlPr>
+                            <a:rPr lang="en-US" altLang="zh-CN" i="1">
+                              <a:latin typeface="Cambria Math" panose="02040503050406030204" pitchFamily="18" charset="0"/>
+                            </a:rPr>
+                          </m:ctrlPr>
+                        </m:dPr>
+                        <m:e>
+                          <m:r>
+                            <a:rPr lang="en-US" altLang="zh-CN" i="1">
+                              <a:latin typeface="Cambria Math" panose="02040503050406030204" pitchFamily="18" charset="0"/>
+                            </a:rPr>
+                            <m:t>𝑠</m:t>
+                          </m:r>
+                        </m:e>
+                      </m:d>
+                      <m:r>
+                        <a:rPr lang="en-US" altLang="zh-CN" i="1">
+                          <a:latin typeface="Cambria Math" panose="02040503050406030204" pitchFamily="18" charset="0"/>
+                        </a:rPr>
+                        <m:t>=</m:t>
+                      </m:r>
+                      <m:r>
+                        <a:rPr lang="en-US" altLang="zh-CN" i="1">
+                          <a:latin typeface="Cambria Math" panose="02040503050406030204" pitchFamily="18" charset="0"/>
+                        </a:rPr>
+                        <m:t>𝑝</m:t>
+                      </m:r>
+                      <m:d>
+                        <m:dPr>
+                          <m:ctrlPr>
+                            <a:rPr lang="en-US" altLang="zh-CN" i="1">
+                              <a:latin typeface="Cambria Math" panose="02040503050406030204" pitchFamily="18" charset="0"/>
+                            </a:rPr>
+                          </m:ctrlPr>
+                        </m:dPr>
+                        <m:e>
+                          <m:sSub>
+                            <m:sSubPr>
+                              <m:ctrlPr>
+                                <a:rPr lang="en-US" altLang="zh-CN" i="1">
+                                  <a:latin typeface="Cambria Math" panose="02040503050406030204" pitchFamily="18" charset="0"/>
+                                </a:rPr>
+                              </m:ctrlPr>
+                            </m:sSubPr>
+                            <m:e>
+                              <m:r>
+                                <a:rPr lang="en-US" altLang="zh-CN" i="1">
+                                  <a:latin typeface="Cambria Math" panose="02040503050406030204" pitchFamily="18" charset="0"/>
+                                </a:rPr>
+                                <m:t>𝑤</m:t>
+                              </m:r>
+                            </m:e>
+                            <m:sub>
+                              <m:r>
+                                <a:rPr lang="en-US" altLang="zh-CN" i="1">
+                                  <a:latin typeface="Cambria Math" panose="02040503050406030204" pitchFamily="18" charset="0"/>
+                                </a:rPr>
+                                <m:t>1</m:t>
+                              </m:r>
+                            </m:sub>
+                          </m:sSub>
+                        </m:e>
+                      </m:d>
+                      <m:r>
+                        <a:rPr lang="en-US" altLang="zh-CN" i="1">
+                          <a:latin typeface="Cambria Math" panose="02040503050406030204" pitchFamily="18" charset="0"/>
+                        </a:rPr>
+                        <m:t>∗</m:t>
+                      </m:r>
+                      <m:nary>
+                        <m:naryPr>
+                          <m:chr m:val="∏"/>
+                          <m:ctrlPr>
+                            <a:rPr lang="en-US" altLang="zh-CN" i="1">
+                              <a:latin typeface="Cambria Math" panose="02040503050406030204" pitchFamily="18" charset="0"/>
+                            </a:rPr>
+                          </m:ctrlPr>
+                        </m:naryPr>
+                        <m:sub>
+                          <m:r>
+                            <m:rPr>
+                              <m:brk m:alnAt="23"/>
+                            </m:rPr>
+                            <a:rPr lang="en-US" altLang="zh-CN" i="1">
+                              <a:latin typeface="Cambria Math" panose="02040503050406030204" pitchFamily="18" charset="0"/>
+                            </a:rPr>
+                            <m:t>𝑖</m:t>
+                          </m:r>
+                          <m:r>
+                            <a:rPr lang="en-US" altLang="zh-CN" i="1">
+                              <a:latin typeface="Cambria Math" panose="02040503050406030204" pitchFamily="18" charset="0"/>
+                            </a:rPr>
+                            <m:t>=1</m:t>
+                          </m:r>
+                        </m:sub>
+                        <m:sup>
+                          <m:r>
+                            <a:rPr lang="en-US" altLang="zh-CN" i="1">
+                              <a:latin typeface="Cambria Math" panose="02040503050406030204" pitchFamily="18" charset="0"/>
+                            </a:rPr>
+                            <m:t>𝑚</m:t>
+                          </m:r>
+                          <m:r>
+                            <a:rPr lang="en-US" altLang="zh-CN" i="1">
+                              <a:latin typeface="Cambria Math" panose="02040503050406030204" pitchFamily="18" charset="0"/>
+                            </a:rPr>
+                            <m:t>−1</m:t>
+                          </m:r>
+                        </m:sup>
+                        <m:e>
+                          <m:r>
+                            <a:rPr lang="en-US" altLang="zh-CN" i="1">
+                              <a:latin typeface="Cambria Math" panose="02040503050406030204" pitchFamily="18" charset="0"/>
+                            </a:rPr>
+                            <m:t>𝑝</m:t>
+                          </m:r>
+                          <m:r>
+                            <a:rPr lang="en-US" altLang="zh-CN" i="1">
+                              <a:latin typeface="Cambria Math" panose="02040503050406030204" pitchFamily="18" charset="0"/>
+                            </a:rPr>
+                            <m:t>(</m:t>
+                          </m:r>
+                          <m:sSub>
+                            <m:sSubPr>
+                              <m:ctrlPr>
+                                <a:rPr lang="en-US" altLang="zh-CN" i="1">
+                                  <a:latin typeface="Cambria Math" panose="02040503050406030204" pitchFamily="18" charset="0"/>
+                                </a:rPr>
+                              </m:ctrlPr>
+                            </m:sSubPr>
+                            <m:e>
+                              <m:r>
+                                <a:rPr lang="en-US" altLang="zh-CN" i="1">
+                                  <a:latin typeface="Cambria Math" panose="02040503050406030204" pitchFamily="18" charset="0"/>
+                                </a:rPr>
+                                <m:t>𝑤</m:t>
+                              </m:r>
+                            </m:e>
+                            <m:sub>
+                              <m:r>
+                                <a:rPr lang="en-US" altLang="zh-CN" i="1">
+                                  <a:latin typeface="Cambria Math" panose="02040503050406030204" pitchFamily="18" charset="0"/>
+                                </a:rPr>
+                                <m:t>𝑖</m:t>
+                              </m:r>
+                              <m:r>
+                                <a:rPr lang="en-US" altLang="zh-CN" i="1">
+                                  <a:latin typeface="Cambria Math" panose="02040503050406030204" pitchFamily="18" charset="0"/>
+                                </a:rPr>
+                                <m:t>+1</m:t>
+                              </m:r>
+                            </m:sub>
+                          </m:sSub>
+                          <m:r>
+                            <a:rPr lang="en-US" altLang="zh-CN" i="1">
+                              <a:latin typeface="Cambria Math" panose="02040503050406030204" pitchFamily="18" charset="0"/>
+                            </a:rPr>
+                            <m:t>|</m:t>
+                          </m:r>
+                          <m:sSub>
+                            <m:sSubPr>
+                              <m:ctrlPr>
+                                <a:rPr lang="en-US" altLang="zh-CN" i="1">
+                                  <a:latin typeface="Cambria Math" panose="02040503050406030204" pitchFamily="18" charset="0"/>
+                                </a:rPr>
+                              </m:ctrlPr>
+                            </m:sSubPr>
+                            <m:e>
+                              <m:r>
+                                <a:rPr lang="en-US" altLang="zh-CN" i="1">
+                                  <a:latin typeface="Cambria Math" panose="02040503050406030204" pitchFamily="18" charset="0"/>
+                                </a:rPr>
+                                <m:t>𝑤</m:t>
+                              </m:r>
+                            </m:e>
+                            <m:sub>
+                              <m:r>
+                                <a:rPr lang="en-US" altLang="zh-CN" i="1">
+                                  <a:latin typeface="Cambria Math" panose="02040503050406030204" pitchFamily="18" charset="0"/>
+                                </a:rPr>
+                                <m:t>𝑖</m:t>
+                              </m:r>
+                            </m:sub>
+                          </m:sSub>
+                          <m:r>
+                            <a:rPr lang="en-US" altLang="zh-CN" i="1">
+                              <a:latin typeface="Cambria Math" panose="02040503050406030204" pitchFamily="18" charset="0"/>
+                            </a:rPr>
+                            <m:t>)</m:t>
+                          </m:r>
+                        </m:e>
+                      </m:nary>
+                    </m:oMath>
+                  </m:oMathPara>
+                </a14:m>
+                <a:endParaRPr lang="en-US" altLang="zh-CN" dirty="0"/>
+              </a:p>
+              <a:p>
+                <a:pPr lvl="1"/>
+                <a:r>
+                  <a:rPr lang="en-US" altLang="zh-CN" dirty="0" smtClean="0"/>
+                  <a:t>N-gram model</a:t>
+                </a:r>
+              </a:p>
+              <a:p>
+                <a:pPr marL="0" indent="0">
+                  <a:buNone/>
+                </a:pPr>
+                <a:endParaRPr lang="en-US" altLang="zh-CN" dirty="0" smtClean="0"/>
+              </a:p>
+            </p:txBody>
+          </p:sp>
+        </mc:Choice>
+        <mc:Fallback xmlns="">
+          <p:sp>
+            <p:nvSpPr>
+              <p:cNvPr id="3" name="内容占位符 2"/>
+              <p:cNvSpPr>
+                <a:spLocks noGrp="1" noRot="1" noChangeAspect="1" noMove="1" noResize="1" noEditPoints="1" noAdjustHandles="1" noChangeArrowheads="1" noChangeShapeType="1" noTextEdit="1"/>
+              </p:cNvSpPr>
+              <p:nvPr>
+                <p:ph idx="1"/>
+              </p:nvPr>
+            </p:nvSpPr>
+            <p:spPr>
+              <a:blipFill>
+                <a:blip r:embed="rId2"/>
+                <a:stretch>
+                  <a:fillRect t="-1961"/>
+                </a:stretch>
+              </a:blipFill>
+            </p:spPr>
+            <p:txBody>
+              <a:bodyPr/>
+              <a:lstStyle/>
+              <a:p>
+                <a:r>
+                  <a:rPr lang="en-US">
+                    <a:noFill/>
+                  </a:rPr>
+                  <a:t> </a:t>
+                </a:r>
+              </a:p>
+            </p:txBody>
+          </p:sp>
+        </mc:Fallback>
+      </mc:AlternateContent>
     </p:spTree>
     <p:extLst>
       <p:ext uri="{BB962C8B-B14F-4D97-AF65-F5344CB8AC3E}">
-        <p14:creationId xmlns:p14="http://schemas.microsoft.com/office/powerpoint/2010/main" val="1896468824"/>
+        <p14:creationId xmlns:p14="http://schemas.microsoft.com/office/powerpoint/2010/main" val="3914327000"/>
       </p:ext>
     </p:extLst>
   </p:cSld>
   <p:clrMapOvr>
     <a:masterClrMapping/>
   </p:clrMapOvr>
+  <p:timing>
+    <p:tnLst>
+      <p:par>
+        <p:cTn id="1" dur="indefinite" restart="never" nodeType="tmRoot"/>
+      </p:par>
+    </p:tnLst>
+  </p:timing>
 </p:sld>
 </file>
 
@@ -4017,7 +6404,7 @@
           <a:p>
             <a:r>
               <a:rPr lang="en-US" altLang="zh-CN" dirty="0" smtClean="0"/>
-              <a:t>Basic Processing of NLP</a:t>
+              <a:t>Basic Knowledge</a:t>
             </a:r>
             <a:endParaRPr lang="zh-CN" altLang="en-US" dirty="0"/>
           </a:p>
@@ -4035,27 +6422,132 @@
         </p:nvSpPr>
         <p:spPr/>
         <p:txBody>
-          <a:bodyPr/>
+          <a:bodyPr>
+            <a:normAutofit lnSpcReduction="10000"/>
+          </a:bodyPr>
           <a:lstStyle/>
           <a:p>
             <a:r>
               <a:rPr lang="en-US" altLang="zh-CN" dirty="0" smtClean="0"/>
-              <a:t>Basic Knowledge:</a:t>
+              <a:t>Before doing your NLP jobs, you can do following things:</a:t>
+            </a:r>
+          </a:p>
+          <a:p>
+            <a:pPr lvl="1"/>
+            <a:r>
+              <a:rPr lang="en-US" altLang="zh-CN" dirty="0" smtClean="0"/>
+              <a:t>Tokenize </a:t>
+            </a:r>
+          </a:p>
+          <a:p>
+            <a:pPr lvl="2"/>
+            <a:r>
+              <a:rPr lang="en-US" altLang="zh-CN" dirty="0" smtClean="0"/>
+              <a:t>Especially coping with Chinese</a:t>
+            </a:r>
+          </a:p>
+          <a:p>
+            <a:pPr lvl="1"/>
+            <a:r>
+              <a:rPr lang="en-US" altLang="zh-CN" dirty="0" smtClean="0"/>
+              <a:t>N-gram (usually 2-gram is enough)</a:t>
+            </a:r>
+          </a:p>
+          <a:p>
+            <a:pPr lvl="2"/>
+            <a:r>
+              <a:rPr lang="en-US" altLang="zh-CN" dirty="0" smtClean="0"/>
+              <a:t>Statistic-based or Dictionary-based</a:t>
+            </a:r>
+          </a:p>
+          <a:p>
+            <a:pPr lvl="2"/>
+            <a:r>
+              <a:rPr lang="en-US" altLang="zh-CN" dirty="0" smtClean="0"/>
+              <a:t>Especially for English or dealing with domain specific language.</a:t>
+            </a:r>
+          </a:p>
+          <a:p>
+            <a:pPr lvl="1"/>
+            <a:r>
+              <a:rPr lang="en-US" altLang="zh-CN" dirty="0" smtClean="0"/>
+              <a:t>Stemming/ Lemmatization</a:t>
+            </a:r>
+          </a:p>
+          <a:p>
+            <a:pPr lvl="1"/>
+            <a:r>
+              <a:rPr lang="en-US" altLang="zh-CN" dirty="0" smtClean="0"/>
+              <a:t>POS tagging</a:t>
+            </a:r>
+          </a:p>
+          <a:p>
+            <a:pPr lvl="1"/>
+            <a:r>
+              <a:rPr lang="en-US" altLang="zh-CN" dirty="0" err="1" smtClean="0"/>
+              <a:t>Stopword</a:t>
+            </a:r>
+            <a:r>
+              <a:rPr lang="en-US" altLang="zh-CN" dirty="0" smtClean="0"/>
+              <a:t> Filtering</a:t>
+            </a:r>
+          </a:p>
+          <a:p>
+            <a:pPr lvl="1"/>
+            <a:endParaRPr lang="en-US" altLang="zh-CN" dirty="0" smtClean="0"/>
+          </a:p>
+          <a:p>
+            <a:r>
+              <a:rPr lang="en-US" altLang="zh-CN" dirty="0" smtClean="0"/>
+              <a:t>Tool: </a:t>
+            </a:r>
+            <a:r>
+              <a:rPr lang="en-US" altLang="zh-CN" dirty="0" err="1" smtClean="0"/>
+              <a:t>nltk</a:t>
             </a:r>
             <a:r>
               <a:rPr lang="en-US" altLang="zh-CN" dirty="0"/>
-              <a:t> </a:t>
+              <a:t>, </a:t>
+            </a:r>
+            <a:r>
+              <a:rPr lang="en-US" altLang="zh-CN" dirty="0" err="1" smtClean="0"/>
+              <a:t>TextBlob</a:t>
             </a:r>
             <a:r>
               <a:rPr lang="en-US" altLang="zh-CN" dirty="0" smtClean="0"/>
-              <a:t>Language Model</a:t>
-            </a:r>
-          </a:p>
-          <a:p>
-            <a:pPr lvl="1"/>
+              <a:t>, </a:t>
+            </a:r>
+            <a:r>
+              <a:rPr lang="en-US" altLang="zh-CN" smtClean="0"/>
+              <a:t>spaCy </a:t>
+            </a:r>
             <a:r>
               <a:rPr lang="en-US" altLang="zh-CN" dirty="0" smtClean="0"/>
-              <a:t>How to model? – sequential modeling</a:t>
+              <a:t>(python), </a:t>
+            </a:r>
+            <a:r>
+              <a:rPr lang="en-US" altLang="zh-CN" dirty="0" err="1" smtClean="0"/>
+              <a:t>standfordNLP</a:t>
+            </a:r>
+            <a:r>
+              <a:rPr lang="en-US" altLang="zh-CN" dirty="0" smtClean="0"/>
+              <a:t> (JAVA), </a:t>
+            </a:r>
+            <a:r>
+              <a:rPr lang="en-US" altLang="zh-CN" dirty="0" err="1" smtClean="0"/>
+              <a:t>jieba</a:t>
+            </a:r>
+            <a:r>
+              <a:rPr lang="en-US" altLang="zh-CN" dirty="0" smtClean="0"/>
+              <a:t>, </a:t>
+            </a:r>
+            <a:r>
+              <a:rPr lang="en-US" dirty="0"/>
+              <a:t>LTP</a:t>
+            </a:r>
+            <a:r>
+              <a:rPr lang="en-US" altLang="zh-CN" dirty="0" smtClean="0"/>
+              <a:t>(Chinese, Python)</a:t>
             </a:r>
           </a:p>
         </p:txBody>
@@ -4063,13 +6555,20 @@
     </p:spTree>
     <p:extLst>
       <p:ext uri="{BB962C8B-B14F-4D97-AF65-F5344CB8AC3E}">
-        <p14:creationId xmlns:p14="http://schemas.microsoft.com/office/powerpoint/2010/main" val="3914327000"/>
+        <p14:creationId xmlns:p14="http://schemas.microsoft.com/office/powerpoint/2010/main" val="870269401"/>
       </p:ext>
     </p:extLst>
   </p:cSld>
   <p:clrMapOvr>
     <a:masterClrMapping/>
   </p:clrMapOvr>
+  <p:timing>
+    <p:tnLst>
+      <p:par>
+        <p:cTn id="1" dur="indefinite" restart="never" nodeType="tmRoot"/>
+      </p:par>
+    </p:tnLst>
+  </p:timing>
 </p:sld>
 </file>
 
@@ -4106,8 +6605,12 @@
           <a:lstStyle/>
           <a:p>
             <a:r>
+              <a:rPr lang="en-US" altLang="zh-CN" dirty="0"/>
+              <a:t>Document Representation - </a:t>
+            </a:r>
+            <a:r>
               <a:rPr lang="en-US" altLang="zh-CN" dirty="0" smtClean="0"/>
-              <a:t>Document Representation</a:t>
+              <a:t>Supervised</a:t>
             </a:r>
             <a:endParaRPr lang="zh-CN" altLang="en-US" dirty="0"/>
           </a:p>
@@ -4125,67 +6628,65 @@
         </p:nvSpPr>
         <p:spPr/>
         <p:txBody>
-          <a:bodyPr/>
+          <a:bodyPr>
+            <a:normAutofit/>
+          </a:bodyPr>
           <a:lstStyle/>
           <a:p>
             <a:r>
               <a:rPr lang="en-US" altLang="zh-CN" dirty="0" smtClean="0"/>
-              <a:t>TF-IDF</a:t>
+              <a:t>Chi-squared</a:t>
             </a:r>
           </a:p>
           <a:p>
             <a:pPr lvl="1"/>
             <a:r>
+              <a:rPr lang="en-US" altLang="zh-CN" dirty="0"/>
+              <a:t>[</a:t>
+            </a:r>
+            <a:r>
               <a:rPr lang="en-US" altLang="zh-CN" dirty="0" smtClean="0"/>
-              <a:t>Importance modeling</a:t>
+              <a:t>X-E(X)]/E(X)</a:t>
             </a:r>
           </a:p>
           <a:p>
             <a:r>
               <a:rPr lang="en-US" altLang="zh-CN" dirty="0" smtClean="0"/>
-              <a:t>Topic Modeling</a:t>
-            </a:r>
-          </a:p>
-          <a:p>
-            <a:pPr lvl="1"/>
+              <a:t>Mutual Information</a:t>
+            </a:r>
+          </a:p>
+          <a:p>
             <a:r>
               <a:rPr lang="en-US" altLang="zh-CN" dirty="0" smtClean="0"/>
-              <a:t>Co-occurrence modeling</a:t>
+              <a:t>IV</a:t>
             </a:r>
           </a:p>
           <a:p>
             <a:r>
               <a:rPr lang="en-US" altLang="zh-CN" dirty="0" smtClean="0"/>
-              <a:t>Word2Vec Modeling</a:t>
-            </a:r>
-          </a:p>
-          <a:p>
-            <a:pPr lvl="1"/>
-            <a:r>
-              <a:rPr lang="en-US" altLang="zh-CN" dirty="0" smtClean="0"/>
-              <a:t>Co-occurrence modeling</a:t>
-            </a:r>
-          </a:p>
-          <a:p>
-            <a:pPr lvl="1"/>
+              <a:t>Etc.</a:t>
+            </a:r>
             <a:endParaRPr lang="en-US" altLang="zh-CN" dirty="0" smtClean="0"/>
-          </a:p>
-          <a:p>
-            <a:pPr lvl="1"/>
-            <a:endParaRPr lang="zh-CN" altLang="en-US" dirty="0"/>
           </a:p>
         </p:txBody>
       </p:sp>
     </p:spTree>
     <p:extLst>
       <p:ext uri="{BB962C8B-B14F-4D97-AF65-F5344CB8AC3E}">
-        <p14:creationId xmlns:p14="http://schemas.microsoft.com/office/powerpoint/2010/main" val="2647895453"/>
+        <p14:creationId xmlns:p14="http://schemas.microsoft.com/office/powerpoint/2010/main" val="1896468824"/>
       </p:ext>
     </p:extLst>
   </p:cSld>
   <p:clrMapOvr>
     <a:masterClrMapping/>
   </p:clrMapOvr>
+  <p:timing>
+    <p:tnLst>
+      <p:par>
+        <p:cTn id="1" dur="indefinite" restart="never" nodeType="tmRoot"/>
+      </p:par>
+    </p:tnLst>
+  </p:timing>
 </p:sld>
 </file>
 
@@ -4223,7 +6724,11 @@
           <a:p>
             <a:r>
               <a:rPr lang="en-US" altLang="zh-CN" dirty="0" smtClean="0"/>
-              <a:t>Document Classification</a:t>
+              <a:t>Document </a:t>
+            </a:r>
+            <a:r>
+              <a:rPr lang="en-US" altLang="zh-CN" dirty="0" smtClean="0"/>
+              <a:t>Representation - Unsupervised</a:t>
             </a:r>
             <a:endParaRPr lang="zh-CN" altLang="en-US" dirty="0"/>
           </a:p>
@@ -4239,35 +6744,1615 @@
             <p:ph idx="1"/>
           </p:nvPr>
         </p:nvSpPr>
-        <p:spPr/>
-        <p:txBody>
-          <a:bodyPr/>
+        <p:spPr>
+          <a:xfrm>
+            <a:off x="1676400" y="1825625"/>
+            <a:ext cx="10515600" cy="4351338"/>
+          </a:xfrm>
+        </p:spPr>
+        <p:txBody>
+          <a:bodyPr>
+            <a:normAutofit lnSpcReduction="10000"/>
+          </a:bodyPr>
           <a:lstStyle/>
           <a:p>
             <a:r>
               <a:rPr lang="en-US" altLang="zh-CN" dirty="0" smtClean="0"/>
-              <a:t>Sentiment Analysis</a:t>
-            </a:r>
-          </a:p>
-          <a:p>
+              <a:t>BOW, TF-IDF</a:t>
+            </a:r>
+          </a:p>
+          <a:p>
+            <a:pPr lvl="1"/>
+            <a:r>
+              <a:rPr lang="en-US" altLang="zh-CN" dirty="0" smtClean="0"/>
+              <a:t>Importance </a:t>
+            </a:r>
+            <a:r>
+              <a:rPr lang="en-US" altLang="zh-CN" dirty="0" smtClean="0"/>
+              <a:t>modeling</a:t>
+            </a:r>
+          </a:p>
+          <a:p>
+            <a:r>
+              <a:rPr lang="en-US" altLang="zh-CN" dirty="0" smtClean="0"/>
+              <a:t>Random Project</a:t>
+            </a:r>
+            <a:endParaRPr lang="en-US" altLang="zh-CN" dirty="0" smtClean="0"/>
+          </a:p>
+          <a:p>
+            <a:r>
+              <a:rPr lang="en-US" altLang="zh-CN" dirty="0" smtClean="0"/>
+              <a:t>Topic Modeling</a:t>
+            </a:r>
+          </a:p>
+          <a:p>
+            <a:pPr lvl="1"/>
+            <a:r>
+              <a:rPr lang="en-US" altLang="zh-CN" dirty="0" smtClean="0"/>
+              <a:t>Co-occurrence </a:t>
+            </a:r>
+            <a:r>
+              <a:rPr lang="en-US" altLang="zh-CN" dirty="0"/>
+              <a:t>modeling + Importance </a:t>
+            </a:r>
+            <a:r>
+              <a:rPr lang="en-US" altLang="zh-CN" dirty="0" smtClean="0"/>
+              <a:t>modeling</a:t>
+            </a:r>
+          </a:p>
+          <a:p>
+            <a:r>
+              <a:rPr lang="en-US" altLang="zh-CN" dirty="0" smtClean="0"/>
+              <a:t>Word2Vec Modeling</a:t>
+            </a:r>
+          </a:p>
+          <a:p>
+            <a:pPr lvl="1"/>
+            <a:r>
+              <a:rPr lang="en-US" altLang="zh-CN" dirty="0" smtClean="0"/>
+              <a:t>Sequential Modeling + Co-occurrence modeling </a:t>
+            </a:r>
+            <a:r>
+              <a:rPr lang="en-US" altLang="zh-CN" dirty="0"/>
+              <a:t>+ Importance </a:t>
+            </a:r>
+            <a:r>
+              <a:rPr lang="en-US" altLang="zh-CN" dirty="0" smtClean="0"/>
+              <a:t>modeling</a:t>
+            </a:r>
+          </a:p>
+          <a:p>
+            <a:pPr lvl="1"/>
+            <a:endParaRPr lang="en-US" altLang="zh-CN" dirty="0"/>
+          </a:p>
+          <a:p>
+            <a:pPr lvl="1"/>
+            <a:endParaRPr lang="en-US" altLang="zh-CN" dirty="0" smtClean="0"/>
+          </a:p>
+          <a:p>
+            <a:r>
+              <a:rPr lang="en-US" altLang="zh-CN" dirty="0" err="1" smtClean="0"/>
+              <a:t>Gensim</a:t>
+            </a:r>
+            <a:r>
+              <a:rPr lang="en-US" altLang="zh-CN" dirty="0" smtClean="0"/>
+              <a:t> (python)</a:t>
+            </a:r>
+            <a:endParaRPr lang="en-US" altLang="zh-CN" dirty="0"/>
+          </a:p>
+          <a:p>
+            <a:pPr lvl="1"/>
+            <a:endParaRPr lang="en-US" altLang="zh-CN" dirty="0" smtClean="0"/>
+          </a:p>
+          <a:p>
+            <a:pPr lvl="1"/>
             <a:endParaRPr lang="en-US" altLang="zh-CN" dirty="0" smtClean="0"/>
           </a:p>
           <a:p>
             <a:pPr lvl="1"/>
             <a:endParaRPr lang="zh-CN" altLang="en-US" dirty="0"/>
+          </a:p>
+        </p:txBody>
+      </p:sp>
+      <p:sp>
+        <p:nvSpPr>
+          <p:cNvPr id="4" name="Down Arrow 3"/>
+          <p:cNvSpPr/>
+          <p:nvPr/>
+        </p:nvSpPr>
+        <p:spPr>
+          <a:xfrm>
+            <a:off x="831669" y="1912690"/>
+            <a:ext cx="469783" cy="2340528"/>
+          </a:xfrm>
+          <a:prstGeom prst="downArrow">
+            <a:avLst/>
+          </a:prstGeom>
+        </p:spPr>
+        <p:style>
+          <a:lnRef idx="2">
+            <a:schemeClr val="dk1"/>
+          </a:lnRef>
+          <a:fillRef idx="1">
+            <a:schemeClr val="lt1"/>
+          </a:fillRef>
+          <a:effectRef idx="0">
+            <a:schemeClr val="dk1"/>
+          </a:effectRef>
+          <a:fontRef idx="minor">
+            <a:schemeClr val="dk1"/>
+          </a:fontRef>
+        </p:style>
+        <p:txBody>
+          <a:bodyPr rtlCol="0" anchor="ctr"/>
+          <a:lstStyle/>
+          <a:p>
+            <a:pPr algn="ctr"/>
+            <a:endParaRPr lang="en-US"/>
+          </a:p>
+        </p:txBody>
+      </p:sp>
+      <p:sp>
+        <p:nvSpPr>
+          <p:cNvPr id="5" name="TextBox 4"/>
+          <p:cNvSpPr txBox="1"/>
+          <p:nvPr/>
+        </p:nvSpPr>
+        <p:spPr>
+          <a:xfrm>
+            <a:off x="480970" y="1825625"/>
+            <a:ext cx="255198" cy="369332"/>
+          </a:xfrm>
+          <a:prstGeom prst="rect">
+            <a:avLst/>
+          </a:prstGeom>
+          <a:noFill/>
+        </p:spPr>
+        <p:txBody>
+          <a:bodyPr wrap="none" rtlCol="0">
+            <a:spAutoFit/>
+          </a:bodyPr>
+          <a:lstStyle/>
+          <a:p>
+            <a:r>
+              <a:rPr lang="en-US" dirty="0" smtClean="0"/>
+              <a:t>-</a:t>
+            </a:r>
+            <a:endParaRPr lang="en-US" dirty="0"/>
+          </a:p>
+        </p:txBody>
+      </p:sp>
+      <p:sp>
+        <p:nvSpPr>
+          <p:cNvPr id="6" name="TextBox 5"/>
+          <p:cNvSpPr txBox="1"/>
+          <p:nvPr/>
+        </p:nvSpPr>
+        <p:spPr>
+          <a:xfrm>
+            <a:off x="431399" y="3816628"/>
+            <a:ext cx="300082" cy="369332"/>
+          </a:xfrm>
+          <a:prstGeom prst="rect">
+            <a:avLst/>
+          </a:prstGeom>
+          <a:noFill/>
+        </p:spPr>
+        <p:txBody>
+          <a:bodyPr wrap="none" rtlCol="0">
+            <a:spAutoFit/>
+          </a:bodyPr>
+          <a:lstStyle/>
+          <a:p>
+            <a:r>
+              <a:rPr lang="en-US" dirty="0"/>
+              <a:t>+</a:t>
+            </a:r>
+          </a:p>
+        </p:txBody>
+      </p:sp>
+      <p:sp>
+        <p:nvSpPr>
+          <p:cNvPr id="7" name="TextBox 6"/>
+          <p:cNvSpPr txBox="1"/>
+          <p:nvPr/>
+        </p:nvSpPr>
+        <p:spPr>
+          <a:xfrm>
+            <a:off x="16386" y="2713622"/>
+            <a:ext cx="963277" cy="369332"/>
+          </a:xfrm>
+          <a:prstGeom prst="rect">
+            <a:avLst/>
+          </a:prstGeom>
+          <a:noFill/>
+        </p:spPr>
+        <p:txBody>
+          <a:bodyPr wrap="none" rtlCol="0">
+            <a:spAutoFit/>
+          </a:bodyPr>
+          <a:lstStyle/>
+          <a:p>
+            <a:r>
+              <a:rPr lang="en-US" dirty="0" smtClean="0"/>
+              <a:t>Abstract</a:t>
+            </a:r>
+            <a:endParaRPr lang="en-US" dirty="0"/>
           </a:p>
         </p:txBody>
       </p:sp>
     </p:spTree>
     <p:extLst>
       <p:ext uri="{BB962C8B-B14F-4D97-AF65-F5344CB8AC3E}">
-        <p14:creationId xmlns:p14="http://schemas.microsoft.com/office/powerpoint/2010/main" val="2072933087"/>
+        <p14:creationId xmlns:p14="http://schemas.microsoft.com/office/powerpoint/2010/main" val="2647895453"/>
       </p:ext>
     </p:extLst>
   </p:cSld>
   <p:clrMapOvr>
     <a:masterClrMapping/>
   </p:clrMapOvr>
+  <p:timing>
+    <p:tnLst>
+      <p:par>
+        <p:cTn id="1" dur="indefinite" restart="never" nodeType="tmRoot"/>
+      </p:par>
+    </p:tnLst>
+  </p:timing>
+</p:sld>
+</file>
+
+<file path=ppt/slides/slide8.xml><?xml version="1.0" encoding="utf-8"?>
+<p:sld xmlns:a="http://schemas.openxmlformats.org/drawingml/2006/main" xmlns:r="http://schemas.openxmlformats.org/officeDocument/2006/relationships" xmlns:p="http://schemas.openxmlformats.org/presentationml/2006/main">
+  <p:cSld>
+    <p:spTree>
+      <p:nvGrpSpPr>
+        <p:cNvPr id="1" name=""/>
+        <p:cNvGrpSpPr/>
+        <p:nvPr/>
+      </p:nvGrpSpPr>
+      <p:grpSpPr>
+        <a:xfrm>
+          <a:off x="0" y="0"/>
+          <a:ext cx="0" cy="0"/>
+          <a:chOff x="0" y="0"/>
+          <a:chExt cx="0" cy="0"/>
+        </a:xfrm>
+      </p:grpSpPr>
+      <p:sp>
+        <p:nvSpPr>
+          <p:cNvPr id="2" name="标题 1"/>
+          <p:cNvSpPr>
+            <a:spLocks noGrp="1"/>
+          </p:cNvSpPr>
+          <p:nvPr>
+            <p:ph type="title"/>
+          </p:nvPr>
+        </p:nvSpPr>
+        <p:spPr/>
+        <p:txBody>
+          <a:bodyPr/>
+          <a:lstStyle/>
+          <a:p>
+            <a:r>
+              <a:rPr lang="en-US" altLang="zh-CN" dirty="0" smtClean="0"/>
+              <a:t>Document Representation</a:t>
+            </a:r>
+            <a:endParaRPr lang="zh-CN" altLang="en-US" dirty="0"/>
+          </a:p>
+        </p:txBody>
+      </p:sp>
+      <mc:AlternateContent xmlns:mc="http://schemas.openxmlformats.org/markup-compatibility/2006" xmlns:a14="http://schemas.microsoft.com/office/drawing/2010/main">
+        <mc:Choice Requires="a14">
+          <p:sp>
+            <p:nvSpPr>
+              <p:cNvPr id="3" name="内容占位符 2"/>
+              <p:cNvSpPr>
+                <a:spLocks noGrp="1"/>
+              </p:cNvSpPr>
+              <p:nvPr>
+                <p:ph idx="1"/>
+              </p:nvPr>
+            </p:nvSpPr>
+            <p:spPr>
+              <a:xfrm>
+                <a:off x="904613" y="1690688"/>
+                <a:ext cx="10515600" cy="4351338"/>
+              </a:xfrm>
+            </p:spPr>
+            <p:txBody>
+              <a:bodyPr>
+                <a:normAutofit/>
+              </a:bodyPr>
+              <a:lstStyle/>
+              <a:p>
+                <a:r>
+                  <a:rPr lang="en-US" altLang="zh-CN" dirty="0" smtClean="0"/>
+                  <a:t>BOW (Bag-of-Words)</a:t>
+                </a:r>
+              </a:p>
+              <a:p>
+                <a:pPr lvl="1"/>
+                <a:r>
+                  <a:rPr lang="en-US" altLang="zh-CN" dirty="0" smtClean="0"/>
+                  <a:t>Input: </a:t>
+                </a:r>
+                <a14:m>
+                  <m:oMath xmlns:m="http://schemas.openxmlformats.org/officeDocument/2006/math">
+                    <m:r>
+                      <a:rPr lang="en-US" altLang="zh-CN" b="0" i="1" smtClean="0">
+                        <a:latin typeface="Cambria Math" panose="02040503050406030204" pitchFamily="18" charset="0"/>
+                      </a:rPr>
+                      <m:t>𝐶𝑜𝑟𝑝𝑢𝑠</m:t>
+                    </m:r>
+                    <m:r>
+                      <a:rPr lang="en-US" altLang="zh-CN" b="0" i="1" smtClean="0">
+                        <a:latin typeface="Cambria Math" panose="02040503050406030204" pitchFamily="18" charset="0"/>
+                      </a:rPr>
+                      <m:t>=</m:t>
+                    </m:r>
+                    <m:d>
+                      <m:dPr>
+                        <m:begChr m:val="{"/>
+                        <m:endChr m:val="}"/>
+                        <m:ctrlPr>
+                          <a:rPr lang="en-US" altLang="zh-CN" b="0" i="1" smtClean="0">
+                            <a:latin typeface="Cambria Math" panose="02040503050406030204" pitchFamily="18" charset="0"/>
+                          </a:rPr>
+                        </m:ctrlPr>
+                      </m:dPr>
+                      <m:e>
+                        <m:r>
+                          <a:rPr lang="en-US" altLang="zh-CN" b="0" i="1" smtClean="0">
+                            <a:latin typeface="Cambria Math" panose="02040503050406030204" pitchFamily="18" charset="0"/>
+                          </a:rPr>
+                          <m:t>𝑑𝑜</m:t>
+                        </m:r>
+                        <m:sSub>
+                          <m:sSubPr>
+                            <m:ctrlPr>
+                              <a:rPr lang="en-US" altLang="zh-CN" b="0" i="1" smtClean="0">
+                                <a:latin typeface="Cambria Math" panose="02040503050406030204" pitchFamily="18" charset="0"/>
+                              </a:rPr>
+                            </m:ctrlPr>
+                          </m:sSubPr>
+                          <m:e>
+                            <m:r>
+                              <a:rPr lang="en-US" altLang="zh-CN" b="0" i="1" smtClean="0">
+                                <a:latin typeface="Cambria Math" panose="02040503050406030204" pitchFamily="18" charset="0"/>
+                              </a:rPr>
+                              <m:t>𝑐</m:t>
+                            </m:r>
+                          </m:e>
+                          <m:sub>
+                            <m:r>
+                              <a:rPr lang="en-US" altLang="zh-CN" b="0" i="1" smtClean="0">
+                                <a:latin typeface="Cambria Math" panose="02040503050406030204" pitchFamily="18" charset="0"/>
+                              </a:rPr>
+                              <m:t>1</m:t>
+                            </m:r>
+                          </m:sub>
+                        </m:sSub>
+                        <m:r>
+                          <a:rPr lang="en-US" altLang="zh-CN" b="0" i="1" smtClean="0">
+                            <a:latin typeface="Cambria Math" panose="02040503050406030204" pitchFamily="18" charset="0"/>
+                          </a:rPr>
+                          <m:t>,</m:t>
+                        </m:r>
+                        <m:r>
+                          <a:rPr lang="en-US" altLang="zh-CN" b="0" i="1" smtClean="0">
+                            <a:latin typeface="Cambria Math" panose="02040503050406030204" pitchFamily="18" charset="0"/>
+                          </a:rPr>
+                          <m:t>𝑑𝑜</m:t>
+                        </m:r>
+                        <m:sSub>
+                          <m:sSubPr>
+                            <m:ctrlPr>
+                              <a:rPr lang="en-US" altLang="zh-CN" b="0" i="1" smtClean="0">
+                                <a:latin typeface="Cambria Math" panose="02040503050406030204" pitchFamily="18" charset="0"/>
+                              </a:rPr>
+                            </m:ctrlPr>
+                          </m:sSubPr>
+                          <m:e>
+                            <m:r>
+                              <a:rPr lang="en-US" altLang="zh-CN" b="0" i="1" smtClean="0">
+                                <a:latin typeface="Cambria Math" panose="02040503050406030204" pitchFamily="18" charset="0"/>
+                              </a:rPr>
+                              <m:t>𝑐</m:t>
+                            </m:r>
+                          </m:e>
+                          <m:sub>
+                            <m:r>
+                              <a:rPr lang="en-US" altLang="zh-CN" b="0" i="1" smtClean="0">
+                                <a:latin typeface="Cambria Math" panose="02040503050406030204" pitchFamily="18" charset="0"/>
+                              </a:rPr>
+                              <m:t>2</m:t>
+                            </m:r>
+                          </m:sub>
+                        </m:sSub>
+                        <m:r>
+                          <a:rPr lang="en-US" altLang="zh-CN" b="0" i="1" smtClean="0">
+                            <a:latin typeface="Cambria Math" panose="02040503050406030204" pitchFamily="18" charset="0"/>
+                          </a:rPr>
+                          <m:t>, …, </m:t>
+                        </m:r>
+                        <m:r>
+                          <a:rPr lang="en-US" altLang="zh-CN" b="0" i="1" smtClean="0">
+                            <a:latin typeface="Cambria Math" panose="02040503050406030204" pitchFamily="18" charset="0"/>
+                          </a:rPr>
+                          <m:t>𝑑𝑜</m:t>
+                        </m:r>
+                        <m:sSub>
+                          <m:sSubPr>
+                            <m:ctrlPr>
+                              <a:rPr lang="en-US" altLang="zh-CN" b="0" i="1" smtClean="0">
+                                <a:latin typeface="Cambria Math" panose="02040503050406030204" pitchFamily="18" charset="0"/>
+                              </a:rPr>
+                            </m:ctrlPr>
+                          </m:sSubPr>
+                          <m:e>
+                            <m:r>
+                              <a:rPr lang="en-US" altLang="zh-CN" b="0" i="1" smtClean="0">
+                                <a:latin typeface="Cambria Math" panose="02040503050406030204" pitchFamily="18" charset="0"/>
+                              </a:rPr>
+                              <m:t>𝑐</m:t>
+                            </m:r>
+                          </m:e>
+                          <m:sub>
+                            <m:r>
+                              <a:rPr lang="en-US" altLang="zh-CN" b="0" i="1" smtClean="0">
+                                <a:latin typeface="Cambria Math" panose="02040503050406030204" pitchFamily="18" charset="0"/>
+                              </a:rPr>
+                              <m:t>𝑛</m:t>
+                            </m:r>
+                          </m:sub>
+                        </m:sSub>
+                      </m:e>
+                    </m:d>
+                  </m:oMath>
+                </a14:m>
+                <a:endParaRPr lang="en-US" altLang="zh-CN" b="0" dirty="0" smtClean="0"/>
+              </a:p>
+              <a:p>
+                <a:pPr lvl="1"/>
+                <a:r>
+                  <a:rPr lang="en-US" altLang="zh-CN" dirty="0" smtClean="0"/>
+                  <a:t>Output: BOW Matrix </a:t>
+                </a:r>
+                <a14:m>
+                  <m:oMath xmlns:m="http://schemas.openxmlformats.org/officeDocument/2006/math">
+                    <m:r>
+                      <a:rPr lang="en-US" altLang="zh-CN" i="1" smtClean="0">
+                        <a:latin typeface="Cambria Math" panose="02040503050406030204" pitchFamily="18" charset="0"/>
+                        <a:ea typeface="Cambria Math" panose="02040503050406030204" pitchFamily="18" charset="0"/>
+                      </a:rPr>
+                      <m:t>∈</m:t>
+                    </m:r>
+                    <m:sSup>
+                      <m:sSupPr>
+                        <m:ctrlPr>
+                          <a:rPr lang="en-US" altLang="zh-CN" i="1" smtClean="0">
+                            <a:latin typeface="Cambria Math" panose="02040503050406030204" pitchFamily="18" charset="0"/>
+                            <a:ea typeface="Cambria Math" panose="02040503050406030204" pitchFamily="18" charset="0"/>
+                          </a:rPr>
+                        </m:ctrlPr>
+                      </m:sSupPr>
+                      <m:e>
+                        <m:r>
+                          <a:rPr lang="en-US" altLang="zh-CN" b="0" i="1" smtClean="0">
+                            <a:latin typeface="Cambria Math" panose="02040503050406030204" pitchFamily="18" charset="0"/>
+                            <a:ea typeface="Cambria Math" panose="02040503050406030204" pitchFamily="18" charset="0"/>
+                          </a:rPr>
+                          <m:t>𝑅</m:t>
+                        </m:r>
+                      </m:e>
+                      <m:sup>
+                        <m:r>
+                          <a:rPr lang="en-US" altLang="zh-CN" b="0" i="1" smtClean="0">
+                            <a:latin typeface="Cambria Math" panose="02040503050406030204" pitchFamily="18" charset="0"/>
+                            <a:ea typeface="Cambria Math" panose="02040503050406030204" pitchFamily="18" charset="0"/>
+                          </a:rPr>
+                          <m:t>𝑛</m:t>
+                        </m:r>
+                        <m:r>
+                          <a:rPr lang="en-US" altLang="zh-CN" b="0" i="1" smtClean="0">
+                            <a:latin typeface="Cambria Math" panose="02040503050406030204" pitchFamily="18" charset="0"/>
+                            <a:ea typeface="Cambria Math" panose="02040503050406030204" pitchFamily="18" charset="0"/>
+                          </a:rPr>
+                          <m:t>∗</m:t>
+                        </m:r>
+                        <m:r>
+                          <a:rPr lang="en-US" altLang="zh-CN" b="0" i="1" smtClean="0">
+                            <a:latin typeface="Cambria Math" panose="02040503050406030204" pitchFamily="18" charset="0"/>
+                            <a:ea typeface="Cambria Math" panose="02040503050406030204" pitchFamily="18" charset="0"/>
+                          </a:rPr>
+                          <m:t>𝑚</m:t>
+                        </m:r>
+                      </m:sup>
+                    </m:sSup>
+                  </m:oMath>
+                </a14:m>
+                <a:r>
+                  <a:rPr lang="en-US" altLang="zh-CN" dirty="0" smtClean="0"/>
+                  <a:t>, where </a:t>
+                </a:r>
+                <a:r>
+                  <a:rPr lang="en-US" altLang="zh-CN" i="1" dirty="0" smtClean="0"/>
+                  <a:t>m</a:t>
+                </a:r>
+                <a:r>
+                  <a:rPr lang="en-US" altLang="zh-CN" dirty="0" smtClean="0"/>
+                  <a:t> is # of words in Corpus.</a:t>
+                </a:r>
+              </a:p>
+              <a:p>
+                <a:pPr lvl="1"/>
+                <a:r>
+                  <a:rPr lang="en-US" altLang="zh-CN" dirty="0" smtClean="0"/>
+                  <a:t>For </a:t>
+                </a:r>
+                <a:r>
+                  <a:rPr lang="en-US" altLang="zh-CN" b="1" i="1" dirty="0" smtClean="0"/>
+                  <a:t>doc</a:t>
+                </a:r>
+                <a:r>
+                  <a:rPr lang="en-US" altLang="zh-CN" dirty="0" smtClean="0"/>
+                  <a:t> in Corpus:</a:t>
+                </a:r>
+              </a:p>
+              <a:p>
+                <a:pPr lvl="2"/>
+                <a:r>
+                  <a:rPr lang="en-US" altLang="zh-CN" dirty="0" smtClean="0"/>
+                  <a:t>For </a:t>
+                </a:r>
+                <a:r>
+                  <a:rPr lang="en-US" altLang="zh-CN" b="1" i="1" dirty="0" smtClean="0"/>
+                  <a:t>w</a:t>
+                </a:r>
+                <a:r>
+                  <a:rPr lang="en-US" altLang="zh-CN" dirty="0" smtClean="0"/>
+                  <a:t> in </a:t>
+                </a:r>
+                <a:r>
+                  <a:rPr lang="en-US" altLang="zh-CN" b="1" i="1" dirty="0" smtClean="0"/>
+                  <a:t>doc</a:t>
+                </a:r>
+                <a:r>
+                  <a:rPr lang="en-US" altLang="zh-CN" dirty="0" smtClean="0"/>
+                  <a:t>:</a:t>
+                </a:r>
+              </a:p>
+              <a:p>
+                <a:pPr lvl="3"/>
+                <a14:m>
+                  <m:oMath xmlns:m="http://schemas.openxmlformats.org/officeDocument/2006/math">
+                    <m:r>
+                      <a:rPr lang="en-US" altLang="zh-CN" b="0" i="1" smtClean="0">
+                        <a:latin typeface="Cambria Math" panose="02040503050406030204" pitchFamily="18" charset="0"/>
+                      </a:rPr>
+                      <m:t>𝐵𝑂</m:t>
+                    </m:r>
+                    <m:sSub>
+                      <m:sSubPr>
+                        <m:ctrlPr>
+                          <a:rPr lang="en-US" altLang="zh-CN" b="0" i="1" smtClean="0">
+                            <a:latin typeface="Cambria Math" panose="02040503050406030204" pitchFamily="18" charset="0"/>
+                          </a:rPr>
+                        </m:ctrlPr>
+                      </m:sSubPr>
+                      <m:e>
+                        <m:r>
+                          <a:rPr lang="en-US" altLang="zh-CN" b="0" i="1" smtClean="0">
+                            <a:latin typeface="Cambria Math" panose="02040503050406030204" pitchFamily="18" charset="0"/>
+                          </a:rPr>
+                          <m:t>𝑊</m:t>
+                        </m:r>
+                      </m:e>
+                      <m:sub>
+                        <m:r>
+                          <a:rPr lang="en-US" altLang="zh-CN" b="0" i="1" smtClean="0">
+                            <a:latin typeface="Cambria Math" panose="02040503050406030204" pitchFamily="18" charset="0"/>
+                          </a:rPr>
+                          <m:t>𝑑𝑜𝑐</m:t>
+                        </m:r>
+                        <m:r>
+                          <a:rPr lang="en-US" altLang="zh-CN" b="0" i="1" smtClean="0">
+                            <a:latin typeface="Cambria Math" panose="02040503050406030204" pitchFamily="18" charset="0"/>
+                          </a:rPr>
+                          <m:t>,</m:t>
+                        </m:r>
+                        <m:r>
+                          <a:rPr lang="en-US" altLang="zh-CN" b="0" i="1" smtClean="0">
+                            <a:latin typeface="Cambria Math" panose="02040503050406030204" pitchFamily="18" charset="0"/>
+                          </a:rPr>
+                          <m:t>𝑤</m:t>
+                        </m:r>
+                      </m:sub>
+                    </m:sSub>
+                    <m:r>
+                      <a:rPr lang="en-US" altLang="zh-CN" i="1">
+                        <a:latin typeface="Cambria Math" panose="02040503050406030204" pitchFamily="18" charset="0"/>
+                      </a:rPr>
+                      <m:t>=</m:t>
+                    </m:r>
+                    <m:r>
+                      <a:rPr lang="en-US" altLang="zh-CN" b="0" i="1" smtClean="0">
+                        <a:latin typeface="Cambria Math" panose="02040503050406030204" pitchFamily="18" charset="0"/>
+                      </a:rPr>
+                      <m:t>1</m:t>
+                    </m:r>
+                  </m:oMath>
+                </a14:m>
+                <a:endParaRPr lang="en-US" altLang="zh-CN" dirty="0" smtClean="0"/>
+              </a:p>
+              <a:p>
+                <a:pPr lvl="3"/>
+                <a:endParaRPr lang="en-US" altLang="zh-CN" dirty="0" smtClean="0"/>
+              </a:p>
+              <a:p>
+                <a:r>
+                  <a:rPr lang="en-US" altLang="zh-CN" dirty="0" smtClean="0"/>
+                  <a:t>We can see the output is very sparse!</a:t>
+                </a:r>
+                <a:endParaRPr lang="zh-CN" altLang="en-US" dirty="0"/>
+              </a:p>
+            </p:txBody>
+          </p:sp>
+        </mc:Choice>
+        <mc:Fallback xmlns="">
+          <p:sp>
+            <p:nvSpPr>
+              <p:cNvPr id="3" name="内容占位符 2"/>
+              <p:cNvSpPr>
+                <a:spLocks noGrp="1" noRot="1" noChangeAspect="1" noMove="1" noResize="1" noEditPoints="1" noAdjustHandles="1" noChangeArrowheads="1" noChangeShapeType="1" noTextEdit="1"/>
+              </p:cNvSpPr>
+              <p:nvPr>
+                <p:ph idx="1"/>
+              </p:nvPr>
+            </p:nvSpPr>
+            <p:spPr>
+              <a:xfrm>
+                <a:off x="904613" y="1690688"/>
+                <a:ext cx="10515600" cy="4351338"/>
+              </a:xfrm>
+              <a:blipFill>
+                <a:blip r:embed="rId2"/>
+                <a:stretch>
+                  <a:fillRect l="-1043" t="-2241"/>
+                </a:stretch>
+              </a:blipFill>
+            </p:spPr>
+            <p:txBody>
+              <a:bodyPr/>
+              <a:lstStyle/>
+              <a:p>
+                <a:r>
+                  <a:rPr lang="en-US">
+                    <a:noFill/>
+                  </a:rPr>
+                  <a:t> </a:t>
+                </a:r>
+              </a:p>
+            </p:txBody>
+          </p:sp>
+        </mc:Fallback>
+      </mc:AlternateContent>
+    </p:spTree>
+    <p:extLst>
+      <p:ext uri="{BB962C8B-B14F-4D97-AF65-F5344CB8AC3E}">
+        <p14:creationId xmlns:p14="http://schemas.microsoft.com/office/powerpoint/2010/main" val="301232728"/>
+      </p:ext>
+    </p:extLst>
+  </p:cSld>
+  <p:clrMapOvr>
+    <a:masterClrMapping/>
+  </p:clrMapOvr>
+  <p:timing>
+    <p:tnLst>
+      <p:par>
+        <p:cTn id="1" dur="indefinite" restart="never" nodeType="tmRoot"/>
+      </p:par>
+    </p:tnLst>
+  </p:timing>
+</p:sld>
+</file>
+
+<file path=ppt/slides/slide9.xml><?xml version="1.0" encoding="utf-8"?>
+<p:sld xmlns:a="http://schemas.openxmlformats.org/drawingml/2006/main" xmlns:r="http://schemas.openxmlformats.org/officeDocument/2006/relationships" xmlns:p="http://schemas.openxmlformats.org/presentationml/2006/main">
+  <p:cSld>
+    <p:spTree>
+      <p:nvGrpSpPr>
+        <p:cNvPr id="1" name=""/>
+        <p:cNvGrpSpPr/>
+        <p:nvPr/>
+      </p:nvGrpSpPr>
+      <p:grpSpPr>
+        <a:xfrm>
+          <a:off x="0" y="0"/>
+          <a:ext cx="0" cy="0"/>
+          <a:chOff x="0" y="0"/>
+          <a:chExt cx="0" cy="0"/>
+        </a:xfrm>
+      </p:grpSpPr>
+      <p:sp>
+        <p:nvSpPr>
+          <p:cNvPr id="2" name="标题 1"/>
+          <p:cNvSpPr>
+            <a:spLocks noGrp="1"/>
+          </p:cNvSpPr>
+          <p:nvPr>
+            <p:ph type="title"/>
+          </p:nvPr>
+        </p:nvSpPr>
+        <p:spPr/>
+        <p:txBody>
+          <a:bodyPr/>
+          <a:lstStyle/>
+          <a:p>
+            <a:r>
+              <a:rPr lang="en-US" altLang="zh-CN" dirty="0" smtClean="0"/>
+              <a:t>Document Representation</a:t>
+            </a:r>
+            <a:endParaRPr lang="zh-CN" altLang="en-US" dirty="0"/>
+          </a:p>
+        </p:txBody>
+      </p:sp>
+      <mc:AlternateContent xmlns:mc="http://schemas.openxmlformats.org/markup-compatibility/2006" xmlns:a14="http://schemas.microsoft.com/office/drawing/2010/main">
+        <mc:Choice Requires="a14">
+          <p:sp>
+            <p:nvSpPr>
+              <p:cNvPr id="3" name="内容占位符 2"/>
+              <p:cNvSpPr>
+                <a:spLocks noGrp="1"/>
+              </p:cNvSpPr>
+              <p:nvPr>
+                <p:ph idx="1"/>
+              </p:nvPr>
+            </p:nvSpPr>
+            <p:spPr>
+              <a:xfrm>
+                <a:off x="904613" y="1690688"/>
+                <a:ext cx="10515600" cy="4351338"/>
+              </a:xfrm>
+            </p:spPr>
+            <p:txBody>
+              <a:bodyPr>
+                <a:normAutofit/>
+              </a:bodyPr>
+              <a:lstStyle/>
+              <a:p>
+                <a:r>
+                  <a:rPr lang="en-US" altLang="zh-CN" dirty="0" smtClean="0"/>
+                  <a:t>TF-IDF</a:t>
+                </a:r>
+              </a:p>
+              <a:p>
+                <a:pPr lvl="1"/>
+                <a:r>
+                  <a:rPr lang="en-US" altLang="zh-CN" dirty="0" smtClean="0"/>
+                  <a:t>Input: </a:t>
+                </a:r>
+                <a14:m>
+                  <m:oMath xmlns:m="http://schemas.openxmlformats.org/officeDocument/2006/math">
+                    <m:r>
+                      <a:rPr lang="en-US" altLang="zh-CN" b="0" i="1" smtClean="0">
+                        <a:latin typeface="Cambria Math" panose="02040503050406030204" pitchFamily="18" charset="0"/>
+                      </a:rPr>
+                      <m:t>𝐶𝑜𝑟𝑝𝑢𝑠</m:t>
+                    </m:r>
+                    <m:r>
+                      <a:rPr lang="en-US" altLang="zh-CN" b="0" i="1" smtClean="0">
+                        <a:latin typeface="Cambria Math" panose="02040503050406030204" pitchFamily="18" charset="0"/>
+                      </a:rPr>
+                      <m:t>=</m:t>
+                    </m:r>
+                    <m:d>
+                      <m:dPr>
+                        <m:begChr m:val="{"/>
+                        <m:endChr m:val="}"/>
+                        <m:ctrlPr>
+                          <a:rPr lang="en-US" altLang="zh-CN" b="0" i="1" smtClean="0">
+                            <a:latin typeface="Cambria Math" panose="02040503050406030204" pitchFamily="18" charset="0"/>
+                          </a:rPr>
+                        </m:ctrlPr>
+                      </m:dPr>
+                      <m:e>
+                        <m:r>
+                          <a:rPr lang="en-US" altLang="zh-CN" b="0" i="1" smtClean="0">
+                            <a:latin typeface="Cambria Math" panose="02040503050406030204" pitchFamily="18" charset="0"/>
+                          </a:rPr>
+                          <m:t>𝑑𝑜</m:t>
+                        </m:r>
+                        <m:sSub>
+                          <m:sSubPr>
+                            <m:ctrlPr>
+                              <a:rPr lang="en-US" altLang="zh-CN" b="0" i="1" smtClean="0">
+                                <a:latin typeface="Cambria Math" panose="02040503050406030204" pitchFamily="18" charset="0"/>
+                              </a:rPr>
+                            </m:ctrlPr>
+                          </m:sSubPr>
+                          <m:e>
+                            <m:r>
+                              <a:rPr lang="en-US" altLang="zh-CN" b="0" i="1" smtClean="0">
+                                <a:latin typeface="Cambria Math" panose="02040503050406030204" pitchFamily="18" charset="0"/>
+                              </a:rPr>
+                              <m:t>𝑐</m:t>
+                            </m:r>
+                          </m:e>
+                          <m:sub>
+                            <m:r>
+                              <a:rPr lang="en-US" altLang="zh-CN" b="0" i="1" smtClean="0">
+                                <a:latin typeface="Cambria Math" panose="02040503050406030204" pitchFamily="18" charset="0"/>
+                              </a:rPr>
+                              <m:t>1</m:t>
+                            </m:r>
+                          </m:sub>
+                        </m:sSub>
+                        <m:r>
+                          <a:rPr lang="en-US" altLang="zh-CN" b="0" i="1" smtClean="0">
+                            <a:latin typeface="Cambria Math" panose="02040503050406030204" pitchFamily="18" charset="0"/>
+                          </a:rPr>
+                          <m:t>,</m:t>
+                        </m:r>
+                        <m:r>
+                          <a:rPr lang="en-US" altLang="zh-CN" b="0" i="1" smtClean="0">
+                            <a:latin typeface="Cambria Math" panose="02040503050406030204" pitchFamily="18" charset="0"/>
+                          </a:rPr>
+                          <m:t>𝑑𝑜</m:t>
+                        </m:r>
+                        <m:sSub>
+                          <m:sSubPr>
+                            <m:ctrlPr>
+                              <a:rPr lang="en-US" altLang="zh-CN" b="0" i="1" smtClean="0">
+                                <a:latin typeface="Cambria Math" panose="02040503050406030204" pitchFamily="18" charset="0"/>
+                              </a:rPr>
+                            </m:ctrlPr>
+                          </m:sSubPr>
+                          <m:e>
+                            <m:r>
+                              <a:rPr lang="en-US" altLang="zh-CN" b="0" i="1" smtClean="0">
+                                <a:latin typeface="Cambria Math" panose="02040503050406030204" pitchFamily="18" charset="0"/>
+                              </a:rPr>
+                              <m:t>𝑐</m:t>
+                            </m:r>
+                          </m:e>
+                          <m:sub>
+                            <m:r>
+                              <a:rPr lang="en-US" altLang="zh-CN" b="0" i="1" smtClean="0">
+                                <a:latin typeface="Cambria Math" panose="02040503050406030204" pitchFamily="18" charset="0"/>
+                              </a:rPr>
+                              <m:t>2</m:t>
+                            </m:r>
+                          </m:sub>
+                        </m:sSub>
+                        <m:r>
+                          <a:rPr lang="en-US" altLang="zh-CN" b="0" i="1" smtClean="0">
+                            <a:latin typeface="Cambria Math" panose="02040503050406030204" pitchFamily="18" charset="0"/>
+                          </a:rPr>
+                          <m:t>, …, </m:t>
+                        </m:r>
+                        <m:r>
+                          <a:rPr lang="en-US" altLang="zh-CN" b="0" i="1" smtClean="0">
+                            <a:latin typeface="Cambria Math" panose="02040503050406030204" pitchFamily="18" charset="0"/>
+                          </a:rPr>
+                          <m:t>𝑑𝑜</m:t>
+                        </m:r>
+                        <m:sSub>
+                          <m:sSubPr>
+                            <m:ctrlPr>
+                              <a:rPr lang="en-US" altLang="zh-CN" b="0" i="1" smtClean="0">
+                                <a:latin typeface="Cambria Math" panose="02040503050406030204" pitchFamily="18" charset="0"/>
+                              </a:rPr>
+                            </m:ctrlPr>
+                          </m:sSubPr>
+                          <m:e>
+                            <m:r>
+                              <a:rPr lang="en-US" altLang="zh-CN" b="0" i="1" smtClean="0">
+                                <a:latin typeface="Cambria Math" panose="02040503050406030204" pitchFamily="18" charset="0"/>
+                              </a:rPr>
+                              <m:t>𝑐</m:t>
+                            </m:r>
+                          </m:e>
+                          <m:sub>
+                            <m:r>
+                              <a:rPr lang="en-US" altLang="zh-CN" b="0" i="1" smtClean="0">
+                                <a:latin typeface="Cambria Math" panose="02040503050406030204" pitchFamily="18" charset="0"/>
+                              </a:rPr>
+                              <m:t>𝑛</m:t>
+                            </m:r>
+                          </m:sub>
+                        </m:sSub>
+                      </m:e>
+                    </m:d>
+                  </m:oMath>
+                </a14:m>
+                <a:endParaRPr lang="en-US" altLang="zh-CN" b="0" dirty="0" smtClean="0"/>
+              </a:p>
+              <a:p>
+                <a:pPr lvl="1"/>
+                <a:r>
+                  <a:rPr lang="en-US" altLang="zh-CN" dirty="0" smtClean="0"/>
+                  <a:t>Output: TF-IDF Matrix </a:t>
+                </a:r>
+                <a14:m>
+                  <m:oMath xmlns:m="http://schemas.openxmlformats.org/officeDocument/2006/math">
+                    <m:r>
+                      <a:rPr lang="en-US" altLang="zh-CN" i="1" smtClean="0">
+                        <a:latin typeface="Cambria Math" panose="02040503050406030204" pitchFamily="18" charset="0"/>
+                        <a:ea typeface="Cambria Math" panose="02040503050406030204" pitchFamily="18" charset="0"/>
+                      </a:rPr>
+                      <m:t>∈</m:t>
+                    </m:r>
+                    <m:sSup>
+                      <m:sSupPr>
+                        <m:ctrlPr>
+                          <a:rPr lang="en-US" altLang="zh-CN" i="1" smtClean="0">
+                            <a:latin typeface="Cambria Math" panose="02040503050406030204" pitchFamily="18" charset="0"/>
+                            <a:ea typeface="Cambria Math" panose="02040503050406030204" pitchFamily="18" charset="0"/>
+                          </a:rPr>
+                        </m:ctrlPr>
+                      </m:sSupPr>
+                      <m:e>
+                        <m:r>
+                          <a:rPr lang="en-US" altLang="zh-CN" b="0" i="1" smtClean="0">
+                            <a:latin typeface="Cambria Math" panose="02040503050406030204" pitchFamily="18" charset="0"/>
+                            <a:ea typeface="Cambria Math" panose="02040503050406030204" pitchFamily="18" charset="0"/>
+                          </a:rPr>
+                          <m:t>𝑅</m:t>
+                        </m:r>
+                      </m:e>
+                      <m:sup>
+                        <m:r>
+                          <a:rPr lang="en-US" altLang="zh-CN" b="0" i="1" smtClean="0">
+                            <a:latin typeface="Cambria Math" panose="02040503050406030204" pitchFamily="18" charset="0"/>
+                            <a:ea typeface="Cambria Math" panose="02040503050406030204" pitchFamily="18" charset="0"/>
+                          </a:rPr>
+                          <m:t>𝑛</m:t>
+                        </m:r>
+                        <m:r>
+                          <a:rPr lang="en-US" altLang="zh-CN" b="0" i="1" smtClean="0">
+                            <a:latin typeface="Cambria Math" panose="02040503050406030204" pitchFamily="18" charset="0"/>
+                            <a:ea typeface="Cambria Math" panose="02040503050406030204" pitchFamily="18" charset="0"/>
+                          </a:rPr>
+                          <m:t>∗</m:t>
+                        </m:r>
+                        <m:r>
+                          <a:rPr lang="en-US" altLang="zh-CN" b="0" i="1" smtClean="0">
+                            <a:latin typeface="Cambria Math" panose="02040503050406030204" pitchFamily="18" charset="0"/>
+                            <a:ea typeface="Cambria Math" panose="02040503050406030204" pitchFamily="18" charset="0"/>
+                          </a:rPr>
+                          <m:t>𝑚</m:t>
+                        </m:r>
+                      </m:sup>
+                    </m:sSup>
+                  </m:oMath>
+                </a14:m>
+                <a:r>
+                  <a:rPr lang="en-US" altLang="zh-CN" dirty="0" smtClean="0"/>
+                  <a:t>, where </a:t>
+                </a:r>
+                <a:r>
+                  <a:rPr lang="en-US" altLang="zh-CN" i="1" dirty="0" smtClean="0"/>
+                  <a:t>m</a:t>
+                </a:r>
+                <a:r>
+                  <a:rPr lang="en-US" altLang="zh-CN" dirty="0" smtClean="0"/>
+                  <a:t> is # of words in Corpus.</a:t>
+                </a:r>
+              </a:p>
+              <a:p>
+                <a:pPr lvl="1"/>
+                <a:r>
+                  <a:rPr lang="en-US" altLang="zh-CN" dirty="0" smtClean="0"/>
+                  <a:t>For </a:t>
+                </a:r>
+                <a:r>
+                  <a:rPr lang="en-US" altLang="zh-CN" dirty="0"/>
+                  <a:t>each </a:t>
+                </a:r>
+                <a:r>
+                  <a:rPr lang="en-US" altLang="zh-CN" b="1" i="1" dirty="0"/>
+                  <a:t>w</a:t>
+                </a:r>
+                <a:r>
+                  <a:rPr lang="en-US" altLang="zh-CN" dirty="0"/>
+                  <a:t> in</a:t>
+                </a:r>
+                <a:r>
+                  <a:rPr lang="en-US" altLang="zh-CN" i="1" dirty="0"/>
+                  <a:t> </a:t>
+                </a:r>
+                <a:r>
+                  <a:rPr lang="en-US" altLang="zh-CN" i="1" dirty="0" smtClean="0"/>
+                  <a:t>Corpus</a:t>
+                </a:r>
+                <a:r>
+                  <a:rPr lang="en-US" altLang="zh-CN" i="1" dirty="0"/>
+                  <a:t>:</a:t>
+                </a:r>
+              </a:p>
+              <a:p>
+                <a:pPr lvl="2"/>
+                <a14:m>
+                  <m:oMath xmlns:m="http://schemas.openxmlformats.org/officeDocument/2006/math">
+                    <m:r>
+                      <a:rPr lang="en-US" altLang="zh-CN" i="1">
+                        <a:latin typeface="Cambria Math" panose="02040503050406030204" pitchFamily="18" charset="0"/>
+                      </a:rPr>
+                      <m:t>𝑖𝑑</m:t>
+                    </m:r>
+                    <m:sSub>
+                      <m:sSubPr>
+                        <m:ctrlPr>
+                          <a:rPr lang="en-US" altLang="zh-CN" i="1">
+                            <a:latin typeface="Cambria Math" panose="02040503050406030204" pitchFamily="18" charset="0"/>
+                          </a:rPr>
+                        </m:ctrlPr>
+                      </m:sSubPr>
+                      <m:e>
+                        <m:r>
+                          <a:rPr lang="en-US" altLang="zh-CN" i="1">
+                            <a:latin typeface="Cambria Math" panose="02040503050406030204" pitchFamily="18" charset="0"/>
+                          </a:rPr>
+                          <m:t>𝑓</m:t>
+                        </m:r>
+                      </m:e>
+                      <m:sub>
+                        <m:r>
+                          <a:rPr lang="en-US" altLang="zh-CN" i="1">
+                            <a:latin typeface="Cambria Math" panose="02040503050406030204" pitchFamily="18" charset="0"/>
+                          </a:rPr>
+                          <m:t>𝑤</m:t>
+                        </m:r>
+                      </m:sub>
+                    </m:sSub>
+                    <m:r>
+                      <a:rPr lang="en-US" altLang="zh-CN" i="1">
+                        <a:latin typeface="Cambria Math" panose="02040503050406030204" pitchFamily="18" charset="0"/>
+                      </a:rPr>
+                      <m:t>=</m:t>
+                    </m:r>
+                    <m:r>
+                      <a:rPr lang="en-US" altLang="zh-CN" i="1">
+                        <a:latin typeface="Cambria Math" panose="02040503050406030204" pitchFamily="18" charset="0"/>
+                      </a:rPr>
+                      <m:t>𝑙𝑜𝑔</m:t>
+                    </m:r>
+                    <m:f>
+                      <m:fPr>
+                        <m:ctrlPr>
+                          <a:rPr lang="en-US" altLang="zh-CN" i="1" dirty="0">
+                            <a:latin typeface="Cambria Math" panose="02040503050406030204" pitchFamily="18" charset="0"/>
+                          </a:rPr>
+                        </m:ctrlPr>
+                      </m:fPr>
+                      <m:num>
+                        <m:r>
+                          <a:rPr lang="en-US" altLang="zh-CN" i="1">
+                            <a:latin typeface="Cambria Math" panose="02040503050406030204" pitchFamily="18" charset="0"/>
+                          </a:rPr>
+                          <m:t># </m:t>
+                        </m:r>
+                        <m:r>
+                          <a:rPr lang="en-US" altLang="zh-CN" i="1">
+                            <a:latin typeface="Cambria Math" panose="02040503050406030204" pitchFamily="18" charset="0"/>
+                          </a:rPr>
+                          <m:t>𝑜𝑓</m:t>
+                        </m:r>
+                        <m:r>
+                          <a:rPr lang="en-US" altLang="zh-CN" i="1">
+                            <a:latin typeface="Cambria Math" panose="02040503050406030204" pitchFamily="18" charset="0"/>
+                          </a:rPr>
+                          <m:t> </m:t>
+                        </m:r>
+                        <m:r>
+                          <a:rPr lang="en-US" altLang="zh-CN" i="1">
+                            <a:latin typeface="Cambria Math" panose="02040503050406030204" pitchFamily="18" charset="0"/>
+                          </a:rPr>
+                          <m:t>𝑑𝑜𝑐𝑠</m:t>
+                        </m:r>
+                        <m:r>
+                          <a:rPr lang="en-US" altLang="zh-CN" i="1">
+                            <a:latin typeface="Cambria Math" panose="02040503050406030204" pitchFamily="18" charset="0"/>
+                          </a:rPr>
+                          <m:t> </m:t>
+                        </m:r>
+                        <m:r>
+                          <a:rPr lang="en-US" altLang="zh-CN" i="1">
+                            <a:latin typeface="Cambria Math" panose="02040503050406030204" pitchFamily="18" charset="0"/>
+                          </a:rPr>
+                          <m:t>𝑐𝑜𝑛𝑡𝑎𝑖𝑛𝑔</m:t>
+                        </m:r>
+                        <m:r>
+                          <a:rPr lang="en-US" altLang="zh-CN" i="1">
+                            <a:latin typeface="Cambria Math" panose="02040503050406030204" pitchFamily="18" charset="0"/>
+                          </a:rPr>
+                          <m:t> </m:t>
+                        </m:r>
+                        <m:r>
+                          <a:rPr lang="en-US" altLang="zh-CN" i="1">
+                            <a:latin typeface="Cambria Math" panose="02040503050406030204" pitchFamily="18" charset="0"/>
+                          </a:rPr>
+                          <m:t>𝑤</m:t>
+                        </m:r>
+                      </m:num>
+                      <m:den>
+                        <m:r>
+                          <a:rPr lang="en-US" altLang="zh-CN" i="1">
+                            <a:latin typeface="Cambria Math" panose="02040503050406030204" pitchFamily="18" charset="0"/>
+                          </a:rPr>
+                          <m:t># </m:t>
+                        </m:r>
+                        <m:r>
+                          <a:rPr lang="en-US" altLang="zh-CN" i="1">
+                            <a:latin typeface="Cambria Math" panose="02040503050406030204" pitchFamily="18" charset="0"/>
+                          </a:rPr>
+                          <m:t>𝑜𝑓</m:t>
+                        </m:r>
+                        <m:r>
+                          <a:rPr lang="en-US" altLang="zh-CN" i="1">
+                            <a:latin typeface="Cambria Math" panose="02040503050406030204" pitchFamily="18" charset="0"/>
+                          </a:rPr>
+                          <m:t> </m:t>
+                        </m:r>
+                        <m:r>
+                          <a:rPr lang="en-US" altLang="zh-CN" i="1">
+                            <a:latin typeface="Cambria Math" panose="02040503050406030204" pitchFamily="18" charset="0"/>
+                          </a:rPr>
+                          <m:t>𝑑𝑜𝑐𝑠</m:t>
+                        </m:r>
+                        <m:r>
+                          <a:rPr lang="en-US" altLang="zh-CN" i="1">
+                            <a:latin typeface="Cambria Math" panose="02040503050406030204" pitchFamily="18" charset="0"/>
+                          </a:rPr>
+                          <m:t> </m:t>
+                        </m:r>
+                        <m:r>
+                          <a:rPr lang="en-US" altLang="zh-CN" i="1">
+                            <a:latin typeface="Cambria Math" panose="02040503050406030204" pitchFamily="18" charset="0"/>
+                          </a:rPr>
+                          <m:t>𝑖𝑛</m:t>
+                        </m:r>
+                        <m:r>
+                          <a:rPr lang="en-US" altLang="zh-CN" i="1">
+                            <a:latin typeface="Cambria Math" panose="02040503050406030204" pitchFamily="18" charset="0"/>
+                          </a:rPr>
+                          <m:t> </m:t>
+                        </m:r>
+                        <m:r>
+                          <a:rPr lang="en-US" altLang="zh-CN" i="1">
+                            <a:latin typeface="Cambria Math" panose="02040503050406030204" pitchFamily="18" charset="0"/>
+                          </a:rPr>
+                          <m:t>𝑐𝑜𝑟𝑝𝑢𝑠</m:t>
+                        </m:r>
+                      </m:den>
+                    </m:f>
+                  </m:oMath>
+                </a14:m>
+                <a:endParaRPr lang="en-US" altLang="zh-CN" i="1" dirty="0" smtClean="0"/>
+              </a:p>
+              <a:p>
+                <a:pPr lvl="1"/>
+                <a:r>
+                  <a:rPr lang="en-US" altLang="zh-CN" dirty="0" smtClean="0"/>
+                  <a:t>For each </a:t>
+                </a:r>
+                <a:r>
+                  <a:rPr lang="en-US" altLang="zh-CN" b="1" i="1" dirty="0" smtClean="0"/>
+                  <a:t>doc</a:t>
+                </a:r>
+                <a:r>
+                  <a:rPr lang="en-US" altLang="zh-CN" dirty="0" smtClean="0"/>
+                  <a:t> in </a:t>
+                </a:r>
+                <a:r>
+                  <a:rPr lang="en-US" altLang="zh-CN" i="1" dirty="0" smtClean="0"/>
+                  <a:t>Corpus</a:t>
+                </a:r>
+              </a:p>
+              <a:p>
+                <a:pPr lvl="2"/>
+                <a:r>
+                  <a:rPr lang="en-US" altLang="zh-CN" dirty="0" smtClean="0"/>
+                  <a:t>For each </a:t>
+                </a:r>
+                <a:r>
+                  <a:rPr lang="en-US" altLang="zh-CN" b="1" i="1" dirty="0" smtClean="0"/>
+                  <a:t>w</a:t>
+                </a:r>
+                <a:r>
+                  <a:rPr lang="en-US" altLang="zh-CN" dirty="0" smtClean="0"/>
+                  <a:t> in </a:t>
+                </a:r>
+                <a:r>
+                  <a:rPr lang="en-US" altLang="zh-CN" b="1" i="1" dirty="0" smtClean="0"/>
+                  <a:t>doc</a:t>
+                </a:r>
+                <a:r>
+                  <a:rPr lang="en-US" altLang="zh-CN" dirty="0" smtClean="0"/>
+                  <a:t>:</a:t>
+                </a:r>
+              </a:p>
+              <a:p>
+                <a:pPr lvl="3"/>
+                <a14:m>
+                  <m:oMath xmlns:m="http://schemas.openxmlformats.org/officeDocument/2006/math">
+                    <m:r>
+                      <a:rPr lang="en-US" altLang="zh-CN" b="0" i="1" smtClean="0">
+                        <a:latin typeface="Cambria Math" panose="02040503050406030204" pitchFamily="18" charset="0"/>
+                      </a:rPr>
+                      <m:t>𝑡</m:t>
+                    </m:r>
+                    <m:sSub>
+                      <m:sSubPr>
+                        <m:ctrlPr>
+                          <a:rPr lang="en-US" altLang="zh-CN" b="0" i="1" smtClean="0">
+                            <a:latin typeface="Cambria Math" panose="02040503050406030204" pitchFamily="18" charset="0"/>
+                          </a:rPr>
+                        </m:ctrlPr>
+                      </m:sSubPr>
+                      <m:e>
+                        <m:r>
+                          <a:rPr lang="en-US" altLang="zh-CN" b="0" i="1" smtClean="0">
+                            <a:latin typeface="Cambria Math" panose="02040503050406030204" pitchFamily="18" charset="0"/>
+                          </a:rPr>
+                          <m:t>𝑓</m:t>
+                        </m:r>
+                      </m:e>
+                      <m:sub>
+                        <m:r>
+                          <a:rPr lang="en-US" altLang="zh-CN" b="0" i="1" smtClean="0">
+                            <a:latin typeface="Cambria Math" panose="02040503050406030204" pitchFamily="18" charset="0"/>
+                          </a:rPr>
+                          <m:t>𝑤</m:t>
+                        </m:r>
+                        <m:r>
+                          <a:rPr lang="en-US" altLang="zh-CN" b="0" i="1" smtClean="0">
+                            <a:latin typeface="Cambria Math" panose="02040503050406030204" pitchFamily="18" charset="0"/>
+                          </a:rPr>
+                          <m:t>, </m:t>
+                        </m:r>
+                        <m:r>
+                          <a:rPr lang="en-US" altLang="zh-CN" b="0" i="1" smtClean="0">
+                            <a:latin typeface="Cambria Math" panose="02040503050406030204" pitchFamily="18" charset="0"/>
+                          </a:rPr>
+                          <m:t>𝑑𝑜𝑐</m:t>
+                        </m:r>
+                      </m:sub>
+                    </m:sSub>
+                    <m:r>
+                      <a:rPr lang="en-US" altLang="zh-CN" b="0" i="1" smtClean="0">
+                        <a:latin typeface="Cambria Math" panose="02040503050406030204" pitchFamily="18" charset="0"/>
+                      </a:rPr>
+                      <m:t>=</m:t>
+                    </m:r>
+                    <m:f>
+                      <m:fPr>
+                        <m:ctrlPr>
+                          <a:rPr lang="en-US" altLang="zh-CN" i="1" dirty="0" smtClean="0">
+                            <a:latin typeface="Cambria Math" panose="02040503050406030204" pitchFamily="18" charset="0"/>
+                          </a:rPr>
+                        </m:ctrlPr>
+                      </m:fPr>
+                      <m:num>
+                        <m:r>
+                          <a:rPr lang="en-US" altLang="zh-CN" i="1">
+                            <a:latin typeface="Cambria Math" panose="02040503050406030204" pitchFamily="18" charset="0"/>
+                          </a:rPr>
+                          <m:t># </m:t>
+                        </m:r>
+                        <m:r>
+                          <a:rPr lang="en-US" altLang="zh-CN" i="1">
+                            <a:latin typeface="Cambria Math" panose="02040503050406030204" pitchFamily="18" charset="0"/>
+                          </a:rPr>
+                          <m:t>𝑜𝑓</m:t>
+                        </m:r>
+                        <m:r>
+                          <a:rPr lang="en-US" altLang="zh-CN" i="1">
+                            <a:latin typeface="Cambria Math" panose="02040503050406030204" pitchFamily="18" charset="0"/>
+                          </a:rPr>
+                          <m:t> </m:t>
+                        </m:r>
+                        <m:r>
+                          <a:rPr lang="en-US" altLang="zh-CN" i="1">
+                            <a:latin typeface="Cambria Math" panose="02040503050406030204" pitchFamily="18" charset="0"/>
+                          </a:rPr>
+                          <m:t>𝑤</m:t>
+                        </m:r>
+                        <m:r>
+                          <a:rPr lang="en-US" altLang="zh-CN" i="1">
+                            <a:latin typeface="Cambria Math" panose="02040503050406030204" pitchFamily="18" charset="0"/>
+                          </a:rPr>
+                          <m:t> </m:t>
+                        </m:r>
+                        <m:r>
+                          <a:rPr lang="en-US" altLang="zh-CN" i="1">
+                            <a:latin typeface="Cambria Math" panose="02040503050406030204" pitchFamily="18" charset="0"/>
+                          </a:rPr>
+                          <m:t>𝑖𝑛</m:t>
+                        </m:r>
+                        <m:r>
+                          <a:rPr lang="en-US" altLang="zh-CN" i="1">
+                            <a:latin typeface="Cambria Math" panose="02040503050406030204" pitchFamily="18" charset="0"/>
+                          </a:rPr>
+                          <m:t> </m:t>
+                        </m:r>
+                        <m:r>
+                          <a:rPr lang="en-US" altLang="zh-CN" i="1">
+                            <a:latin typeface="Cambria Math" panose="02040503050406030204" pitchFamily="18" charset="0"/>
+                          </a:rPr>
+                          <m:t>𝑑𝑜𝑐</m:t>
+                        </m:r>
+                      </m:num>
+                      <m:den>
+                        <m:r>
+                          <a:rPr lang="en-US" altLang="zh-CN" b="0" i="1" dirty="0" smtClean="0">
+                            <a:latin typeface="Cambria Math" panose="02040503050406030204" pitchFamily="18" charset="0"/>
+                          </a:rPr>
+                          <m:t># </m:t>
+                        </m:r>
+                        <m:r>
+                          <a:rPr lang="en-US" altLang="zh-CN" b="0" i="1" dirty="0" smtClean="0">
+                            <a:latin typeface="Cambria Math" panose="02040503050406030204" pitchFamily="18" charset="0"/>
+                          </a:rPr>
+                          <m:t>𝑜𝑓</m:t>
+                        </m:r>
+                        <m:r>
+                          <a:rPr lang="en-US" altLang="zh-CN" b="0" i="1" dirty="0" smtClean="0">
+                            <a:latin typeface="Cambria Math" panose="02040503050406030204" pitchFamily="18" charset="0"/>
+                          </a:rPr>
+                          <m:t> </m:t>
+                        </m:r>
+                        <m:r>
+                          <a:rPr lang="en-US" altLang="zh-CN" b="0" i="1" dirty="0" smtClean="0">
+                            <a:latin typeface="Cambria Math" panose="02040503050406030204" pitchFamily="18" charset="0"/>
+                          </a:rPr>
+                          <m:t>𝑤𝑜𝑟𝑑𝑠</m:t>
+                        </m:r>
+                        <m:r>
+                          <a:rPr lang="en-US" altLang="zh-CN" b="0" i="1" dirty="0" smtClean="0">
+                            <a:latin typeface="Cambria Math" panose="02040503050406030204" pitchFamily="18" charset="0"/>
+                          </a:rPr>
+                          <m:t> </m:t>
+                        </m:r>
+                        <m:r>
+                          <a:rPr lang="en-US" altLang="zh-CN" b="0" i="1" dirty="0" smtClean="0">
+                            <a:latin typeface="Cambria Math" panose="02040503050406030204" pitchFamily="18" charset="0"/>
+                          </a:rPr>
+                          <m:t>𝑖𝑛</m:t>
+                        </m:r>
+                        <m:r>
+                          <a:rPr lang="en-US" altLang="zh-CN" b="0" i="1" dirty="0" smtClean="0">
+                            <a:latin typeface="Cambria Math" panose="02040503050406030204" pitchFamily="18" charset="0"/>
+                          </a:rPr>
+                          <m:t> </m:t>
+                        </m:r>
+                        <m:r>
+                          <a:rPr lang="en-US" altLang="zh-CN" b="0" i="1" dirty="0" smtClean="0">
+                            <a:latin typeface="Cambria Math" panose="02040503050406030204" pitchFamily="18" charset="0"/>
+                          </a:rPr>
+                          <m:t>𝑑𝑜𝑐</m:t>
+                        </m:r>
+                      </m:den>
+                    </m:f>
+                  </m:oMath>
+                </a14:m>
+                <a:endParaRPr lang="en-US" altLang="zh-CN" dirty="0" smtClean="0"/>
+              </a:p>
+              <a:p>
+                <a:pPr lvl="3"/>
+                <a14:m>
+                  <m:oMath xmlns:m="http://schemas.openxmlformats.org/officeDocument/2006/math">
+                    <m:r>
+                      <a:rPr lang="en-US" altLang="zh-CN" i="1">
+                        <a:latin typeface="Cambria Math" panose="02040503050406030204" pitchFamily="18" charset="0"/>
+                      </a:rPr>
+                      <m:t>𝑡</m:t>
+                    </m:r>
+                    <m:sSub>
+                      <m:sSubPr>
+                        <m:ctrlPr>
+                          <a:rPr lang="en-US" altLang="zh-CN" i="1">
+                            <a:latin typeface="Cambria Math" panose="02040503050406030204" pitchFamily="18" charset="0"/>
+                          </a:rPr>
+                        </m:ctrlPr>
+                      </m:sSubPr>
+                      <m:e>
+                        <m:r>
+                          <a:rPr lang="en-US" altLang="zh-CN" i="1">
+                            <a:latin typeface="Cambria Math" panose="02040503050406030204" pitchFamily="18" charset="0"/>
+                          </a:rPr>
+                          <m:t>𝑓</m:t>
+                        </m:r>
+                        <m:r>
+                          <a:rPr lang="en-US" altLang="zh-CN" b="0" i="1" smtClean="0">
+                            <a:latin typeface="Cambria Math" panose="02040503050406030204" pitchFamily="18" charset="0"/>
+                          </a:rPr>
+                          <m:t>_</m:t>
+                        </m:r>
+                        <m:r>
+                          <a:rPr lang="en-US" altLang="zh-CN" b="0" i="1" smtClean="0">
+                            <a:latin typeface="Cambria Math" panose="02040503050406030204" pitchFamily="18" charset="0"/>
+                          </a:rPr>
+                          <m:t>𝑖𝑑𝑓</m:t>
+                        </m:r>
+                      </m:e>
+                      <m:sub>
+                        <m:r>
+                          <a:rPr lang="en-US" altLang="zh-CN" i="1">
+                            <a:latin typeface="Cambria Math" panose="02040503050406030204" pitchFamily="18" charset="0"/>
+                          </a:rPr>
+                          <m:t>𝑤</m:t>
+                        </m:r>
+                        <m:r>
+                          <a:rPr lang="en-US" altLang="zh-CN" i="1">
+                            <a:latin typeface="Cambria Math" panose="02040503050406030204" pitchFamily="18" charset="0"/>
+                          </a:rPr>
+                          <m:t>, </m:t>
+                        </m:r>
+                        <m:r>
+                          <a:rPr lang="en-US" altLang="zh-CN" i="1">
+                            <a:latin typeface="Cambria Math" panose="02040503050406030204" pitchFamily="18" charset="0"/>
+                          </a:rPr>
+                          <m:t>𝑑𝑜𝑐</m:t>
+                        </m:r>
+                      </m:sub>
+                    </m:sSub>
+                    <m:r>
+                      <a:rPr lang="en-US" altLang="zh-CN" i="1">
+                        <a:latin typeface="Cambria Math" panose="02040503050406030204" pitchFamily="18" charset="0"/>
+                      </a:rPr>
+                      <m:t>=</m:t>
+                    </m:r>
+                    <m:r>
+                      <a:rPr lang="en-US" altLang="zh-CN" i="1">
+                        <a:latin typeface="Cambria Math" panose="02040503050406030204" pitchFamily="18" charset="0"/>
+                      </a:rPr>
+                      <m:t>𝑡</m:t>
+                    </m:r>
+                    <m:sSub>
+                      <m:sSubPr>
+                        <m:ctrlPr>
+                          <a:rPr lang="en-US" altLang="zh-CN" i="1">
+                            <a:latin typeface="Cambria Math" panose="02040503050406030204" pitchFamily="18" charset="0"/>
+                          </a:rPr>
+                        </m:ctrlPr>
+                      </m:sSubPr>
+                      <m:e>
+                        <m:r>
+                          <a:rPr lang="en-US" altLang="zh-CN" i="1">
+                            <a:latin typeface="Cambria Math" panose="02040503050406030204" pitchFamily="18" charset="0"/>
+                          </a:rPr>
+                          <m:t>𝑓</m:t>
+                        </m:r>
+                      </m:e>
+                      <m:sub>
+                        <m:r>
+                          <a:rPr lang="en-US" altLang="zh-CN" i="1">
+                            <a:latin typeface="Cambria Math" panose="02040503050406030204" pitchFamily="18" charset="0"/>
+                          </a:rPr>
+                          <m:t>𝑤</m:t>
+                        </m:r>
+                        <m:r>
+                          <a:rPr lang="en-US" altLang="zh-CN" i="1">
+                            <a:latin typeface="Cambria Math" panose="02040503050406030204" pitchFamily="18" charset="0"/>
+                          </a:rPr>
+                          <m:t>, </m:t>
+                        </m:r>
+                        <m:r>
+                          <a:rPr lang="en-US" altLang="zh-CN" i="1">
+                            <a:latin typeface="Cambria Math" panose="02040503050406030204" pitchFamily="18" charset="0"/>
+                          </a:rPr>
+                          <m:t>𝑑𝑜𝑐</m:t>
+                        </m:r>
+                      </m:sub>
+                    </m:sSub>
+                    <m:r>
+                      <a:rPr lang="en-US" altLang="zh-CN" b="0" i="1" smtClean="0">
+                        <a:latin typeface="Cambria Math" panose="02040503050406030204" pitchFamily="18" charset="0"/>
+                      </a:rPr>
+                      <m:t>∗</m:t>
+                    </m:r>
+                    <m:r>
+                      <a:rPr lang="en-US" altLang="zh-CN" i="1">
+                        <a:latin typeface="Cambria Math" panose="02040503050406030204" pitchFamily="18" charset="0"/>
+                      </a:rPr>
+                      <m:t>𝑖𝑑</m:t>
+                    </m:r>
+                    <m:sSub>
+                      <m:sSubPr>
+                        <m:ctrlPr>
+                          <a:rPr lang="en-US" altLang="zh-CN" i="1">
+                            <a:latin typeface="Cambria Math" panose="02040503050406030204" pitchFamily="18" charset="0"/>
+                          </a:rPr>
+                        </m:ctrlPr>
+                      </m:sSubPr>
+                      <m:e>
+                        <m:r>
+                          <a:rPr lang="en-US" altLang="zh-CN" i="1">
+                            <a:latin typeface="Cambria Math" panose="02040503050406030204" pitchFamily="18" charset="0"/>
+                          </a:rPr>
+                          <m:t>𝑓</m:t>
+                        </m:r>
+                      </m:e>
+                      <m:sub>
+                        <m:r>
+                          <a:rPr lang="en-US" altLang="zh-CN" i="1">
+                            <a:latin typeface="Cambria Math" panose="02040503050406030204" pitchFamily="18" charset="0"/>
+                          </a:rPr>
+                          <m:t>𝑤</m:t>
+                        </m:r>
+                      </m:sub>
+                    </m:sSub>
+                  </m:oMath>
+                </a14:m>
+                <a:endParaRPr lang="en-US" altLang="zh-CN" dirty="0" smtClean="0"/>
+              </a:p>
+              <a:p>
+                <a:r>
+                  <a:rPr lang="en-US" altLang="zh-CN" dirty="0" smtClean="0"/>
+                  <a:t>We can see the output is very sparse!</a:t>
+                </a:r>
+                <a:endParaRPr lang="zh-CN" altLang="en-US" dirty="0"/>
+              </a:p>
+            </p:txBody>
+          </p:sp>
+        </mc:Choice>
+        <mc:Fallback xmlns="">
+          <p:sp>
+            <p:nvSpPr>
+              <p:cNvPr id="3" name="内容占位符 2"/>
+              <p:cNvSpPr>
+                <a:spLocks noGrp="1" noRot="1" noChangeAspect="1" noMove="1" noResize="1" noEditPoints="1" noAdjustHandles="1" noChangeArrowheads="1" noChangeShapeType="1" noTextEdit="1"/>
+              </p:cNvSpPr>
+              <p:nvPr>
+                <p:ph idx="1"/>
+              </p:nvPr>
+            </p:nvSpPr>
+            <p:spPr>
+              <a:xfrm>
+                <a:off x="904613" y="1690688"/>
+                <a:ext cx="10515600" cy="4351338"/>
+              </a:xfrm>
+              <a:blipFill>
+                <a:blip r:embed="rId2"/>
+                <a:stretch>
+                  <a:fillRect l="-1043" t="-2241"/>
+                </a:stretch>
+              </a:blipFill>
+            </p:spPr>
+            <p:txBody>
+              <a:bodyPr/>
+              <a:lstStyle/>
+              <a:p>
+                <a:r>
+                  <a:rPr lang="en-US">
+                    <a:noFill/>
+                  </a:rPr>
+                  <a:t> </a:t>
+                </a:r>
+              </a:p>
+            </p:txBody>
+          </p:sp>
+        </mc:Fallback>
+      </mc:AlternateContent>
+    </p:spTree>
+    <p:extLst>
+      <p:ext uri="{BB962C8B-B14F-4D97-AF65-F5344CB8AC3E}">
+        <p14:creationId xmlns:p14="http://schemas.microsoft.com/office/powerpoint/2010/main" val="1768235971"/>
+      </p:ext>
+    </p:extLst>
+  </p:cSld>
+  <p:clrMapOvr>
+    <a:masterClrMapping/>
+  </p:clrMapOvr>
+  <p:timing>
+    <p:tnLst>
+      <p:par>
+        <p:cTn id="1" dur="indefinite" restart="never" nodeType="tmRoot"/>
+      </p:par>
+    </p:tnLst>
+  </p:timing>
 </p:sld>
 </file>
 

--- a/slides.pptx
+++ b/slides.pptx
@@ -5,7 +5,7 @@
     <p:sldMasterId id="2147483648" r:id="rId1"/>
   </p:sldMasterIdLst>
   <p:notesMasterIdLst>
-    <p:notesMasterId r:id="rId17"/>
+    <p:notesMasterId r:id="rId20"/>
   </p:notesMasterIdLst>
   <p:sldIdLst>
     <p:sldId id="260" r:id="rId2"/>
@@ -21,8 +21,11 @@
     <p:sldId id="267" r:id="rId12"/>
     <p:sldId id="270" r:id="rId13"/>
     <p:sldId id="268" r:id="rId14"/>
-    <p:sldId id="269" r:id="rId15"/>
-    <p:sldId id="259" r:id="rId16"/>
+    <p:sldId id="273" r:id="rId15"/>
+    <p:sldId id="274" r:id="rId16"/>
+    <p:sldId id="272" r:id="rId17"/>
+    <p:sldId id="269" r:id="rId18"/>
+    <p:sldId id="259" r:id="rId19"/>
   </p:sldIdLst>
   <p:sldSz cx="12192000" cy="6858000"/>
   <p:notesSz cx="6858000" cy="9144000"/>
@@ -554,6 +557,98 @@
     <p:extLst>
       <p:ext uri="{BB962C8B-B14F-4D97-AF65-F5344CB8AC3E}">
         <p14:creationId xmlns:p14="http://schemas.microsoft.com/office/powerpoint/2010/main" val="3079057444"/>
+      </p:ext>
+    </p:extLst>
+  </p:cSld>
+  <p:clrMapOvr>
+    <a:masterClrMapping/>
+  </p:clrMapOvr>
+</p:notes>
+</file>
+
+<file path=ppt/notesSlides/notesSlide2.xml><?xml version="1.0" encoding="utf-8"?>
+<p:notes xmlns:a="http://schemas.openxmlformats.org/drawingml/2006/main" xmlns:r="http://schemas.openxmlformats.org/officeDocument/2006/relationships" xmlns:p="http://schemas.openxmlformats.org/presentationml/2006/main">
+  <p:cSld>
+    <p:spTree>
+      <p:nvGrpSpPr>
+        <p:cNvPr id="1" name=""/>
+        <p:cNvGrpSpPr/>
+        <p:nvPr/>
+      </p:nvGrpSpPr>
+      <p:grpSpPr>
+        <a:xfrm>
+          <a:off x="0" y="0"/>
+          <a:ext cx="0" cy="0"/>
+          <a:chOff x="0" y="0"/>
+          <a:chExt cx="0" cy="0"/>
+        </a:xfrm>
+      </p:grpSpPr>
+      <p:sp>
+        <p:nvSpPr>
+          <p:cNvPr id="2" name="幻灯片图像占位符 1"/>
+          <p:cNvSpPr>
+            <a:spLocks noGrp="1" noRot="1" noChangeAspect="1"/>
+          </p:cNvSpPr>
+          <p:nvPr>
+            <p:ph type="sldImg"/>
+          </p:nvPr>
+        </p:nvSpPr>
+        <p:spPr/>
+      </p:sp>
+      <p:sp>
+        <p:nvSpPr>
+          <p:cNvPr id="3" name="备注占位符 2"/>
+          <p:cNvSpPr>
+            <a:spLocks noGrp="1"/>
+          </p:cNvSpPr>
+          <p:nvPr>
+            <p:ph type="body" idx="1"/>
+          </p:nvPr>
+        </p:nvSpPr>
+        <p:spPr/>
+        <p:txBody>
+          <a:bodyPr/>
+          <a:lstStyle/>
+          <a:p>
+            <a:r>
+              <a:rPr lang="en-US" altLang="zh-CN" dirty="0" smtClean="0"/>
+              <a:t>Evaluation: relation</a:t>
+            </a:r>
+            <a:r>
+              <a:rPr lang="en-US" altLang="zh-CN" baseline="0" dirty="0" smtClean="0"/>
+              <a:t> query</a:t>
+            </a:r>
+            <a:endParaRPr lang="zh-CN" altLang="en-US" dirty="0"/>
+          </a:p>
+        </p:txBody>
+      </p:sp>
+      <p:sp>
+        <p:nvSpPr>
+          <p:cNvPr id="4" name="灯片编号占位符 3"/>
+          <p:cNvSpPr>
+            <a:spLocks noGrp="1"/>
+          </p:cNvSpPr>
+          <p:nvPr>
+            <p:ph type="sldNum" sz="quarter" idx="10"/>
+          </p:nvPr>
+        </p:nvSpPr>
+        <p:spPr/>
+        <p:txBody>
+          <a:bodyPr/>
+          <a:lstStyle/>
+          <a:p>
+            <a:fld id="{5BC1B2AF-D148-4930-8C55-D7C7EE40D033}" type="slidenum">
+              <a:rPr lang="zh-CN" altLang="en-US" smtClean="0"/>
+              <a:t>15</a:t>
+            </a:fld>
+            <a:endParaRPr lang="zh-CN" altLang="en-US"/>
+          </a:p>
+        </p:txBody>
+      </p:sp>
+    </p:spTree>
+    <p:extLst>
+      <p:ext uri="{BB962C8B-B14F-4D97-AF65-F5344CB8AC3E}">
+        <p14:creationId xmlns:p14="http://schemas.microsoft.com/office/powerpoint/2010/main" val="2863346552"/>
       </p:ext>
     </p:extLst>
   </p:cSld>
@@ -3987,7 +4082,7 @@
         </p:blipFill>
         <p:spPr bwMode="auto">
           <a:xfrm>
-            <a:off x="2689051" y="3717925"/>
+            <a:off x="3182827" y="3717925"/>
             <a:ext cx="4705350" cy="2324101"/>
           </a:xfrm>
           <a:prstGeom prst="rect">
@@ -4109,11 +4204,7 @@
             <a:pPr lvl="1"/>
             <a:r>
               <a:rPr lang="en-US" altLang="zh-CN" dirty="0" smtClean="0"/>
-              <a:t>Input</a:t>
-            </a:r>
-            <a:r>
-              <a:rPr lang="en-US" altLang="zh-CN" dirty="0" smtClean="0"/>
-              <a:t>: BOW Matrix</a:t>
+              <a:t>Input: BOW Matrix</a:t>
             </a:r>
           </a:p>
           <a:p>
@@ -4299,14 +4390,20 @@
         </p:nvSpPr>
         <p:spPr/>
         <p:txBody>
-          <a:bodyPr/>
-          <a:lstStyle/>
-          <a:p>
-            <a:r>
-              <a:rPr lang="en-US" altLang="zh-CN" dirty="0" smtClean="0"/>
-              <a:t>Word2Vec I – Embedding Method</a:t>
-            </a:r>
-            <a:endParaRPr lang="zh-CN" altLang="en-US" dirty="0"/>
+          <a:bodyPr>
+            <a:normAutofit/>
+          </a:bodyPr>
+          <a:lstStyle/>
+          <a:p>
+            <a:r>
+              <a:rPr lang="en-US" altLang="zh-CN" sz="3600" dirty="0" smtClean="0"/>
+              <a:t>Word2Vec I – </a:t>
+            </a:r>
+            <a:r>
+              <a:rPr lang="en-US" altLang="zh-CN" sz="3600" dirty="0" smtClean="0"/>
+              <a:t>Co-occurrence Matrix Decomposition</a:t>
+            </a:r>
+            <a:endParaRPr lang="zh-CN" altLang="en-US" sz="3600" dirty="0"/>
           </a:p>
         </p:txBody>
       </p:sp>
@@ -4334,21 +4431,160 @@
             <a:pPr lvl="1"/>
             <a:r>
               <a:rPr lang="en-US" dirty="0" smtClean="0"/>
-              <a:t>unsupervised learning, co-occurrence modeling, mapping a word to a n-dimension vector.</a:t>
+              <a:t>unsupervised learning, co-occurrence modeling, mapping a word to a </a:t>
+            </a:r>
+            <a:r>
+              <a:rPr lang="en-US" dirty="0" smtClean="0"/>
+              <a:t>k-dimension </a:t>
+            </a:r>
+            <a:r>
+              <a:rPr lang="en-US" dirty="0" smtClean="0"/>
+              <a:t>vector.</a:t>
             </a:r>
           </a:p>
           <a:p>
             <a:pPr lvl="1"/>
-            <a:r>
-              <a:rPr lang="en-US" dirty="0" smtClean="0"/>
-              <a:t>CBOW</a:t>
-            </a:r>
+            <a:endParaRPr lang="en-US" dirty="0" smtClean="0"/>
           </a:p>
           <a:p>
             <a:pPr marL="0" indent="0">
               <a:buNone/>
             </a:pPr>
             <a:endParaRPr lang="en-US" dirty="0"/>
+          </a:p>
+        </p:txBody>
+      </p:sp>
+      <p:pic>
+        <p:nvPicPr>
+          <p:cNvPr id="5" name="图片 4"/>
+          <p:cNvPicPr>
+            <a:picLocks noChangeAspect="1"/>
+          </p:cNvPicPr>
+          <p:nvPr/>
+        </p:nvPicPr>
+        <p:blipFill>
+          <a:blip r:embed="rId2"/>
+          <a:stretch>
+            <a:fillRect/>
+          </a:stretch>
+        </p:blipFill>
+        <p:spPr>
+          <a:xfrm>
+            <a:off x="357378" y="3210370"/>
+            <a:ext cx="5101590" cy="3314064"/>
+          </a:xfrm>
+          <a:prstGeom prst="rect">
+            <a:avLst/>
+          </a:prstGeom>
+        </p:spPr>
+      </p:pic>
+      <p:pic>
+        <p:nvPicPr>
+          <p:cNvPr id="6" name="图片 5"/>
+          <p:cNvPicPr>
+            <a:picLocks noChangeAspect="1"/>
+          </p:cNvPicPr>
+          <p:nvPr/>
+        </p:nvPicPr>
+        <p:blipFill>
+          <a:blip r:embed="rId3"/>
+          <a:stretch>
+            <a:fillRect/>
+          </a:stretch>
+        </p:blipFill>
+        <p:spPr>
+          <a:xfrm>
+            <a:off x="5458968" y="4163772"/>
+            <a:ext cx="6583680" cy="1613002"/>
+          </a:xfrm>
+          <a:prstGeom prst="rect">
+            <a:avLst/>
+          </a:prstGeom>
+        </p:spPr>
+      </p:pic>
+      <p:sp>
+        <p:nvSpPr>
+          <p:cNvPr id="7" name="文本框 6"/>
+          <p:cNvSpPr txBox="1"/>
+          <p:nvPr/>
+        </p:nvSpPr>
+        <p:spPr>
+          <a:xfrm>
+            <a:off x="8491582" y="5740646"/>
+            <a:ext cx="562975" cy="369332"/>
+          </a:xfrm>
+          <a:prstGeom prst="rect">
+            <a:avLst/>
+          </a:prstGeom>
+          <a:noFill/>
+        </p:spPr>
+        <p:txBody>
+          <a:bodyPr wrap="none" rtlCol="0">
+            <a:spAutoFit/>
+          </a:bodyPr>
+          <a:lstStyle/>
+          <a:p>
+            <a:r>
+              <a:rPr lang="en-US" altLang="zh-CN" dirty="0" smtClean="0"/>
+              <a:t>SVD</a:t>
+            </a:r>
+            <a:endParaRPr lang="zh-CN" altLang="en-US" dirty="0"/>
+          </a:p>
+        </p:txBody>
+      </p:sp>
+      <p:sp>
+        <p:nvSpPr>
+          <p:cNvPr id="8" name="文本框 7"/>
+          <p:cNvSpPr txBox="1"/>
+          <p:nvPr/>
+        </p:nvSpPr>
+        <p:spPr>
+          <a:xfrm>
+            <a:off x="6007608" y="5925312"/>
+            <a:ext cx="184731" cy="369332"/>
+          </a:xfrm>
+          <a:prstGeom prst="rect">
+            <a:avLst/>
+          </a:prstGeom>
+          <a:noFill/>
+        </p:spPr>
+        <p:txBody>
+          <a:bodyPr wrap="none" rtlCol="0">
+            <a:spAutoFit/>
+          </a:bodyPr>
+          <a:lstStyle/>
+          <a:p>
+            <a:endParaRPr lang="zh-CN" altLang="en-US" dirty="0"/>
+          </a:p>
+        </p:txBody>
+      </p:sp>
+      <p:sp>
+        <p:nvSpPr>
+          <p:cNvPr id="10" name="文本框 9"/>
+          <p:cNvSpPr txBox="1"/>
+          <p:nvPr/>
+        </p:nvSpPr>
+        <p:spPr>
+          <a:xfrm>
+            <a:off x="7241432" y="6127234"/>
+            <a:ext cx="3063274" cy="369332"/>
+          </a:xfrm>
+          <a:prstGeom prst="rect">
+            <a:avLst/>
+          </a:prstGeom>
+          <a:noFill/>
+        </p:spPr>
+        <p:txBody>
+          <a:bodyPr wrap="none" rtlCol="0">
+            <a:spAutoFit/>
+          </a:bodyPr>
+          <a:lstStyle/>
+          <a:p>
+            <a:r>
+              <a:rPr lang="en-US" altLang="zh-CN" dirty="0" smtClean="0"/>
+              <a:t>Rows of U are the word vector.</a:t>
+            </a:r>
+            <a:endParaRPr lang="zh-CN" altLang="en-US" dirty="0"/>
           </a:p>
         </p:txBody>
       </p:sp>
@@ -4401,56 +4637,1136 @@
         </p:nvSpPr>
         <p:spPr/>
         <p:txBody>
+          <a:bodyPr>
+            <a:normAutofit/>
+          </a:bodyPr>
+          <a:lstStyle/>
+          <a:p>
+            <a:r>
+              <a:rPr lang="en-US" altLang="zh-CN" dirty="0" smtClean="0"/>
+              <a:t>Word2Vec </a:t>
+            </a:r>
+            <a:r>
+              <a:rPr lang="en-US" altLang="zh-CN" dirty="0" smtClean="0"/>
+              <a:t>II </a:t>
+            </a:r>
+            <a:r>
+              <a:rPr lang="en-US" altLang="zh-CN" dirty="0" smtClean="0"/>
+              <a:t>– </a:t>
+            </a:r>
+            <a:r>
+              <a:rPr lang="en-US" altLang="zh-CN" dirty="0" smtClean="0"/>
+              <a:t>CBOW, Skip-gram</a:t>
+            </a:r>
+            <a:endParaRPr lang="zh-CN" altLang="en-US" dirty="0"/>
+          </a:p>
+        </p:txBody>
+      </p:sp>
+      <p:sp>
+        <p:nvSpPr>
+          <p:cNvPr id="4" name="Content Placeholder 3"/>
+          <p:cNvSpPr>
+            <a:spLocks noGrp="1"/>
+          </p:cNvSpPr>
+          <p:nvPr>
+            <p:ph idx="1"/>
+          </p:nvPr>
+        </p:nvSpPr>
+        <p:spPr/>
+        <p:txBody>
           <a:bodyPr/>
           <a:lstStyle/>
           <a:p>
             <a:r>
-              <a:rPr lang="en-US" altLang="zh-CN" dirty="0" smtClean="0"/>
-              <a:t>Word2Vec II – Sequential Modeling</a:t>
-            </a:r>
-            <a:endParaRPr lang="zh-CN" altLang="en-US" dirty="0"/>
-          </a:p>
-        </p:txBody>
-      </p:sp>
-      <p:sp>
-        <p:nvSpPr>
-          <p:cNvPr id="4" name="Content Placeholder 3"/>
-          <p:cNvSpPr>
-            <a:spLocks noGrp="1"/>
-          </p:cNvSpPr>
-          <p:nvPr>
-            <p:ph idx="1"/>
-          </p:nvPr>
-        </p:nvSpPr>
-        <p:spPr/>
-        <p:txBody>
-          <a:bodyPr/>
-          <a:lstStyle/>
-          <a:p>
-            <a:r>
               <a:rPr lang="en-US" dirty="0" smtClean="0"/>
-              <a:t>Use unsupervised word </a:t>
-            </a:r>
-            <a:r>
-              <a:rPr lang="en-US" dirty="0" err="1" smtClean="0"/>
-              <a:t>vec</a:t>
-            </a:r>
+              <a:t>Word2Vec: </a:t>
+            </a:r>
+          </a:p>
+          <a:p>
+            <a:pPr lvl="1"/>
             <a:r>
               <a:rPr lang="en-US" dirty="0" smtClean="0"/>
-              <a:t> as input</a:t>
-            </a:r>
-          </a:p>
-          <a:p>
-            <a:r>
-              <a:rPr lang="en-US" dirty="0" smtClean="0"/>
-              <a:t>Apply RNN to model doc sequentially.</a:t>
-            </a:r>
+              <a:t>Predict Surrounding words in a window of length c of every word.</a:t>
+            </a:r>
+            <a:endParaRPr lang="en-US" dirty="0" smtClean="0"/>
+          </a:p>
+          <a:p>
+            <a:pPr lvl="1"/>
+            <a:endParaRPr lang="en-US" dirty="0" smtClean="0"/>
           </a:p>
           <a:p>
             <a:pPr marL="0" indent="0">
               <a:buNone/>
             </a:pPr>
             <a:endParaRPr lang="en-US" dirty="0"/>
+          </a:p>
+        </p:txBody>
+      </p:sp>
+      <p:sp>
+        <p:nvSpPr>
+          <p:cNvPr id="8" name="文本框 7"/>
+          <p:cNvSpPr txBox="1"/>
+          <p:nvPr/>
+        </p:nvSpPr>
+        <p:spPr>
+          <a:xfrm>
+            <a:off x="6007608" y="5925312"/>
+            <a:ext cx="184731" cy="369332"/>
+          </a:xfrm>
+          <a:prstGeom prst="rect">
+            <a:avLst/>
+          </a:prstGeom>
+          <a:noFill/>
+        </p:spPr>
+        <p:txBody>
+          <a:bodyPr wrap="none" rtlCol="0">
+            <a:spAutoFit/>
+          </a:bodyPr>
+          <a:lstStyle/>
+          <a:p>
+            <a:endParaRPr lang="zh-CN" altLang="en-US" dirty="0"/>
+          </a:p>
+        </p:txBody>
+      </p:sp>
+      <p:pic>
+        <p:nvPicPr>
+          <p:cNvPr id="3" name="图片 2"/>
+          <p:cNvPicPr>
+            <a:picLocks noChangeAspect="1"/>
+          </p:cNvPicPr>
+          <p:nvPr/>
+        </p:nvPicPr>
+        <p:blipFill>
+          <a:blip r:embed="rId2"/>
+          <a:stretch>
+            <a:fillRect/>
+          </a:stretch>
+        </p:blipFill>
+        <p:spPr>
+          <a:xfrm>
+            <a:off x="6215123" y="2890587"/>
+            <a:ext cx="4050322" cy="902643"/>
+          </a:xfrm>
+          <a:prstGeom prst="rect">
+            <a:avLst/>
+          </a:prstGeom>
+        </p:spPr>
+      </p:pic>
+      <p:pic>
+        <p:nvPicPr>
+          <p:cNvPr id="9" name="图片 8"/>
+          <p:cNvPicPr>
+            <a:picLocks noChangeAspect="1"/>
+          </p:cNvPicPr>
+          <p:nvPr/>
+        </p:nvPicPr>
+        <p:blipFill>
+          <a:blip r:embed="rId3"/>
+          <a:stretch>
+            <a:fillRect/>
+          </a:stretch>
+        </p:blipFill>
+        <p:spPr>
+          <a:xfrm>
+            <a:off x="6096000" y="4054639"/>
+            <a:ext cx="4468939" cy="1437211"/>
+          </a:xfrm>
+          <a:prstGeom prst="rect">
+            <a:avLst/>
+          </a:prstGeom>
+        </p:spPr>
+      </p:pic>
+      <mc:AlternateContent xmlns:mc="http://schemas.openxmlformats.org/markup-compatibility/2006">
+        <mc:Choice xmlns:a14="http://schemas.microsoft.com/office/drawing/2010/main" Requires="a14">
+          <p:sp>
+            <p:nvSpPr>
+              <p:cNvPr id="11" name="文本框 10"/>
+              <p:cNvSpPr txBox="1"/>
+              <p:nvPr/>
+            </p:nvSpPr>
+            <p:spPr>
+              <a:xfrm>
+                <a:off x="7821398" y="5648313"/>
+                <a:ext cx="1903342" cy="461665"/>
+              </a:xfrm>
+              <a:prstGeom prst="rect">
+                <a:avLst/>
+              </a:prstGeom>
+              <a:noFill/>
+            </p:spPr>
+            <p:txBody>
+              <a:bodyPr wrap="none" rtlCol="0">
+                <a:spAutoFit/>
+              </a:bodyPr>
+              <a:lstStyle/>
+              <a:p>
+                <a14:m>
+                  <m:oMathPara xmlns:m="http://schemas.openxmlformats.org/officeDocument/2006/math">
+                    <m:oMathParaPr>
+                      <m:jc m:val="centerGroup"/>
+                    </m:oMathParaPr>
+                    <m:oMath xmlns:m="http://schemas.openxmlformats.org/officeDocument/2006/math">
+                      <m:r>
+                        <a:rPr lang="en-US" altLang="zh-CN" sz="2400" b="0" i="1" smtClean="0">
+                          <a:latin typeface="Cambria Math" panose="02040503050406030204" pitchFamily="18" charset="0"/>
+                        </a:rPr>
+                        <m:t>𝑤</m:t>
+                      </m:r>
+                      <m:r>
+                        <a:rPr lang="en-US" altLang="zh-CN" sz="2400" b="0" i="1" smtClean="0">
+                          <a:latin typeface="Cambria Math" panose="02040503050406030204" pitchFamily="18" charset="0"/>
+                        </a:rPr>
+                        <m:t>=[</m:t>
+                      </m:r>
+                      <m:sSub>
+                        <m:sSubPr>
+                          <m:ctrlPr>
+                            <a:rPr lang="en-US" altLang="zh-CN" sz="2400" b="0" i="1" smtClean="0">
+                              <a:latin typeface="Cambria Math" panose="02040503050406030204" pitchFamily="18" charset="0"/>
+                            </a:rPr>
+                          </m:ctrlPr>
+                        </m:sSubPr>
+                        <m:e>
+                          <m:r>
+                            <a:rPr lang="en-US" altLang="zh-CN" sz="2400" b="0" i="1" smtClean="0">
+                              <a:latin typeface="Cambria Math" panose="02040503050406030204" pitchFamily="18" charset="0"/>
+                            </a:rPr>
+                            <m:t>𝑤</m:t>
+                          </m:r>
+                        </m:e>
+                        <m:sub>
+                          <m:r>
+                            <a:rPr lang="en-US" altLang="zh-CN" sz="2400" b="0" i="1" smtClean="0">
+                              <a:latin typeface="Cambria Math" panose="02040503050406030204" pitchFamily="18" charset="0"/>
+                            </a:rPr>
+                            <m:t>𝑜</m:t>
+                          </m:r>
+                        </m:sub>
+                      </m:sSub>
+                      <m:r>
+                        <a:rPr lang="en-US" altLang="zh-CN" sz="2400" b="0" i="1" smtClean="0">
+                          <a:latin typeface="Cambria Math" panose="02040503050406030204" pitchFamily="18" charset="0"/>
+                        </a:rPr>
+                        <m:t>, </m:t>
+                      </m:r>
+                      <m:sSub>
+                        <m:sSubPr>
+                          <m:ctrlPr>
+                            <a:rPr lang="en-US" altLang="zh-CN" sz="2400" b="0" i="1" smtClean="0">
+                              <a:latin typeface="Cambria Math" panose="02040503050406030204" pitchFamily="18" charset="0"/>
+                            </a:rPr>
+                          </m:ctrlPr>
+                        </m:sSubPr>
+                        <m:e>
+                          <m:r>
+                            <a:rPr lang="en-US" altLang="zh-CN" sz="2400" b="0" i="1" smtClean="0">
+                              <a:latin typeface="Cambria Math" panose="02040503050406030204" pitchFamily="18" charset="0"/>
+                            </a:rPr>
+                            <m:t>𝑤</m:t>
+                          </m:r>
+                        </m:e>
+                        <m:sub>
+                          <m:r>
+                            <a:rPr lang="en-US" altLang="zh-CN" sz="2400" b="0" i="1" smtClean="0">
+                              <a:latin typeface="Cambria Math" panose="02040503050406030204" pitchFamily="18" charset="0"/>
+                            </a:rPr>
+                            <m:t>𝐼</m:t>
+                          </m:r>
+                        </m:sub>
+                      </m:sSub>
+                      <m:r>
+                        <a:rPr lang="en-US" altLang="zh-CN" sz="2400" b="0" i="1" smtClean="0">
+                          <a:latin typeface="Cambria Math" panose="02040503050406030204" pitchFamily="18" charset="0"/>
+                        </a:rPr>
+                        <m:t>]</m:t>
+                      </m:r>
+                    </m:oMath>
+                  </m:oMathPara>
+                </a14:m>
+                <a:endParaRPr lang="zh-CN" altLang="en-US" sz="2400" dirty="0"/>
+              </a:p>
+            </p:txBody>
+          </p:sp>
+        </mc:Choice>
+        <mc:Fallback>
+          <p:sp>
+            <p:nvSpPr>
+              <p:cNvPr id="11" name="文本框 10"/>
+              <p:cNvSpPr txBox="1">
+                <a:spLocks noRot="1" noChangeAspect="1" noMove="1" noResize="1" noEditPoints="1" noAdjustHandles="1" noChangeArrowheads="1" noChangeShapeType="1" noTextEdit="1"/>
+              </p:cNvSpPr>
+              <p:nvPr/>
+            </p:nvSpPr>
+            <p:spPr>
+              <a:xfrm>
+                <a:off x="7821398" y="5648313"/>
+                <a:ext cx="1903342" cy="461665"/>
+              </a:xfrm>
+              <a:prstGeom prst="rect">
+                <a:avLst/>
+              </a:prstGeom>
+              <a:blipFill rotWithShape="0">
+                <a:blip r:embed="rId4"/>
+                <a:stretch>
+                  <a:fillRect r="-962" b="-18667"/>
+                </a:stretch>
+              </a:blipFill>
+            </p:spPr>
+            <p:txBody>
+              <a:bodyPr/>
+              <a:lstStyle/>
+              <a:p>
+                <a:r>
+                  <a:rPr lang="zh-CN" altLang="en-US">
+                    <a:noFill/>
+                  </a:rPr>
+                  <a:t> </a:t>
+                </a:r>
+              </a:p>
+            </p:txBody>
+          </p:sp>
+        </mc:Fallback>
+      </mc:AlternateContent>
+      <p:pic>
+        <p:nvPicPr>
+          <p:cNvPr id="1026" name="Picture 2" descr="http://img.blog.csdn.net/20140528170902546"/>
+          <p:cNvPicPr>
+            <a:picLocks noChangeAspect="1" noChangeArrowheads="1"/>
+          </p:cNvPicPr>
+          <p:nvPr/>
+        </p:nvPicPr>
+        <p:blipFill>
+          <a:blip r:embed="rId5">
+            <a:extLst>
+              <a:ext uri="{28A0092B-C50C-407E-A947-70E740481C1C}">
+                <a14:useLocalDpi xmlns:a14="http://schemas.microsoft.com/office/drawing/2010/main" val="0"/>
+              </a:ext>
+            </a:extLst>
+          </a:blip>
+          <a:srcRect/>
+          <a:stretch>
+            <a:fillRect/>
+          </a:stretch>
+        </p:blipFill>
+        <p:spPr bwMode="auto">
+          <a:xfrm>
+            <a:off x="227478" y="2890587"/>
+            <a:ext cx="2699105" cy="3692918"/>
+          </a:xfrm>
+          <a:prstGeom prst="rect">
+            <a:avLst/>
+          </a:prstGeom>
+          <a:noFill/>
+          <a:extLst>
+            <a:ext uri="{909E8E84-426E-40DD-AFC4-6F175D3DCCD1}">
+              <a14:hiddenFill xmlns:a14="http://schemas.microsoft.com/office/drawing/2010/main">
+                <a:solidFill>
+                  <a:srgbClr val="FFFFFF"/>
+                </a:solidFill>
+              </a14:hiddenFill>
+            </a:ext>
+          </a:extLst>
+        </p:spPr>
+      </p:pic>
+      <p:pic>
+        <p:nvPicPr>
+          <p:cNvPr id="12" name="图片 11"/>
+          <p:cNvPicPr>
+            <a:picLocks noChangeAspect="1"/>
+          </p:cNvPicPr>
+          <p:nvPr/>
+        </p:nvPicPr>
+        <p:blipFill>
+          <a:blip r:embed="rId6"/>
+          <a:stretch>
+            <a:fillRect/>
+          </a:stretch>
+        </p:blipFill>
+        <p:spPr>
+          <a:xfrm>
+            <a:off x="3110692" y="3054096"/>
+            <a:ext cx="2712496" cy="3328416"/>
+          </a:xfrm>
+          <a:prstGeom prst="rect">
+            <a:avLst/>
+          </a:prstGeom>
+        </p:spPr>
+      </p:pic>
+    </p:spTree>
+    <p:extLst>
+      <p:ext uri="{BB962C8B-B14F-4D97-AF65-F5344CB8AC3E}">
+        <p14:creationId xmlns:p14="http://schemas.microsoft.com/office/powerpoint/2010/main" val="618665443"/>
+      </p:ext>
+    </p:extLst>
+  </p:cSld>
+  <p:clrMapOvr>
+    <a:masterClrMapping/>
+  </p:clrMapOvr>
+  <p:timing>
+    <p:tnLst>
+      <p:par>
+        <p:cTn id="1" dur="indefinite" restart="never" nodeType="tmRoot"/>
+      </p:par>
+    </p:tnLst>
+  </p:timing>
+</p:sld>
+</file>
+
+<file path=ppt/slides/slide15.xml><?xml version="1.0" encoding="utf-8"?>
+<p:sld xmlns:a="http://schemas.openxmlformats.org/drawingml/2006/main" xmlns:r="http://schemas.openxmlformats.org/officeDocument/2006/relationships" xmlns:p="http://schemas.openxmlformats.org/presentationml/2006/main">
+  <p:cSld>
+    <p:spTree>
+      <p:nvGrpSpPr>
+        <p:cNvPr id="1" name=""/>
+        <p:cNvGrpSpPr/>
+        <p:nvPr/>
+      </p:nvGrpSpPr>
+      <p:grpSpPr>
+        <a:xfrm>
+          <a:off x="0" y="0"/>
+          <a:ext cx="0" cy="0"/>
+          <a:chOff x="0" y="0"/>
+          <a:chExt cx="0" cy="0"/>
+        </a:xfrm>
+      </p:grpSpPr>
+      <p:sp>
+        <p:nvSpPr>
+          <p:cNvPr id="2" name="标题 1"/>
+          <p:cNvSpPr>
+            <a:spLocks noGrp="1"/>
+          </p:cNvSpPr>
+          <p:nvPr>
+            <p:ph type="title"/>
+          </p:nvPr>
+        </p:nvSpPr>
+        <p:spPr/>
+        <p:txBody>
+          <a:bodyPr/>
+          <a:lstStyle/>
+          <a:p>
+            <a:r>
+              <a:rPr lang="en-US" altLang="zh-CN" dirty="0"/>
+              <a:t>Word2Vec </a:t>
+            </a:r>
+            <a:r>
+              <a:rPr lang="en-US" altLang="zh-CN" dirty="0" smtClean="0"/>
+              <a:t>III - Advantages</a:t>
+            </a:r>
+            <a:endParaRPr lang="zh-CN" altLang="en-US" dirty="0"/>
+          </a:p>
+        </p:txBody>
+      </p:sp>
+      <p:sp>
+        <p:nvSpPr>
+          <p:cNvPr id="3" name="内容占位符 2"/>
+          <p:cNvSpPr>
+            <a:spLocks noGrp="1"/>
+          </p:cNvSpPr>
+          <p:nvPr>
+            <p:ph idx="1"/>
+          </p:nvPr>
+        </p:nvSpPr>
+        <p:spPr/>
+        <p:txBody>
+          <a:bodyPr/>
+          <a:lstStyle/>
+          <a:p>
+            <a:r>
+              <a:rPr lang="en-US" altLang="zh-CN" dirty="0" smtClean="0"/>
+              <a:t>Capture Relations:</a:t>
+            </a:r>
+          </a:p>
+          <a:p>
+            <a:endParaRPr lang="en-US" altLang="zh-CN" dirty="0"/>
+          </a:p>
+          <a:p>
+            <a:endParaRPr lang="en-US" altLang="zh-CN" dirty="0" smtClean="0"/>
+          </a:p>
+          <a:p>
+            <a:pPr lvl="1"/>
+            <a:endParaRPr lang="en-US" altLang="zh-CN" dirty="0"/>
+          </a:p>
+          <a:p>
+            <a:endParaRPr lang="en-US" altLang="zh-CN" dirty="0" smtClean="0"/>
+          </a:p>
+          <a:p>
+            <a:r>
+              <a:rPr lang="en-US" altLang="zh-CN" dirty="0" smtClean="0"/>
+              <a:t>Can be initial values of other jobs, especially embedding work in many NN-based tasks.</a:t>
+            </a:r>
+          </a:p>
+          <a:p>
+            <a:endParaRPr lang="en-US" altLang="zh-CN" dirty="0"/>
+          </a:p>
+          <a:p>
+            <a:endParaRPr lang="zh-CN" altLang="en-US" dirty="0"/>
+          </a:p>
+        </p:txBody>
+      </p:sp>
+      <p:pic>
+        <p:nvPicPr>
+          <p:cNvPr id="4" name="图片 3"/>
+          <p:cNvPicPr>
+            <a:picLocks noChangeAspect="1"/>
+          </p:cNvPicPr>
+          <p:nvPr/>
+        </p:nvPicPr>
+        <p:blipFill>
+          <a:blip r:embed="rId3"/>
+          <a:stretch>
+            <a:fillRect/>
+          </a:stretch>
+        </p:blipFill>
+        <p:spPr>
+          <a:xfrm>
+            <a:off x="1110424" y="2269617"/>
+            <a:ext cx="4905375" cy="1276350"/>
+          </a:xfrm>
+          <a:prstGeom prst="rect">
+            <a:avLst/>
+          </a:prstGeom>
+        </p:spPr>
+      </p:pic>
+    </p:spTree>
+    <p:extLst>
+      <p:ext uri="{BB962C8B-B14F-4D97-AF65-F5344CB8AC3E}">
+        <p14:creationId xmlns:p14="http://schemas.microsoft.com/office/powerpoint/2010/main" val="2106129500"/>
+      </p:ext>
+    </p:extLst>
+  </p:cSld>
+  <p:clrMapOvr>
+    <a:masterClrMapping/>
+  </p:clrMapOvr>
+</p:sld>
+</file>
+
+<file path=ppt/slides/slide16.xml><?xml version="1.0" encoding="utf-8"?>
+<p:sld xmlns:a="http://schemas.openxmlformats.org/drawingml/2006/main" xmlns:r="http://schemas.openxmlformats.org/officeDocument/2006/relationships" xmlns:p="http://schemas.openxmlformats.org/presentationml/2006/main">
+  <p:cSld>
+    <p:spTree>
+      <p:nvGrpSpPr>
+        <p:cNvPr id="1" name=""/>
+        <p:cNvGrpSpPr/>
+        <p:nvPr/>
+      </p:nvGrpSpPr>
+      <p:grpSpPr>
+        <a:xfrm>
+          <a:off x="0" y="0"/>
+          <a:ext cx="0" cy="0"/>
+          <a:chOff x="0" y="0"/>
+          <a:chExt cx="0" cy="0"/>
+        </a:xfrm>
+      </p:grpSpPr>
+      <p:sp>
+        <p:nvSpPr>
+          <p:cNvPr id="2" name="标题 1"/>
+          <p:cNvSpPr>
+            <a:spLocks noGrp="1"/>
+          </p:cNvSpPr>
+          <p:nvPr>
+            <p:ph type="title"/>
+          </p:nvPr>
+        </p:nvSpPr>
+        <p:spPr/>
+        <p:txBody>
+          <a:bodyPr/>
+          <a:lstStyle/>
+          <a:p>
+            <a:r>
+              <a:rPr lang="en-US" altLang="zh-CN" dirty="0" smtClean="0"/>
+              <a:t>Word2Vec I – Embedding Method</a:t>
+            </a:r>
+            <a:endParaRPr lang="zh-CN" altLang="en-US" dirty="0"/>
+          </a:p>
+        </p:txBody>
+      </p:sp>
+      <p:sp>
+        <p:nvSpPr>
+          <p:cNvPr id="4" name="Content Placeholder 3"/>
+          <p:cNvSpPr>
+            <a:spLocks noGrp="1"/>
+          </p:cNvSpPr>
+          <p:nvPr>
+            <p:ph idx="1"/>
+          </p:nvPr>
+        </p:nvSpPr>
+        <p:spPr/>
+        <p:txBody>
+          <a:bodyPr/>
+          <a:lstStyle/>
+          <a:p>
+            <a:r>
+              <a:rPr lang="en-US" dirty="0" smtClean="0"/>
+              <a:t>Word2Vec: </a:t>
+            </a:r>
+          </a:p>
+          <a:p>
+            <a:pPr lvl="1"/>
+            <a:r>
+              <a:rPr lang="en-US" dirty="0" smtClean="0"/>
+              <a:t>unsupervised learning, co-occurrence modeling, mapping a word to a n-dimension vector.</a:t>
+            </a:r>
+          </a:p>
+          <a:p>
+            <a:pPr lvl="1"/>
+            <a:endParaRPr lang="en-US" dirty="0" smtClean="0"/>
+          </a:p>
+          <a:p>
+            <a:pPr marL="0" indent="0">
+              <a:buNone/>
+            </a:pPr>
+            <a:endParaRPr lang="en-US" dirty="0"/>
+          </a:p>
+        </p:txBody>
+      </p:sp>
+    </p:spTree>
+    <p:extLst>
+      <p:ext uri="{BB962C8B-B14F-4D97-AF65-F5344CB8AC3E}">
+        <p14:creationId xmlns:p14="http://schemas.microsoft.com/office/powerpoint/2010/main" val="846530862"/>
+      </p:ext>
+    </p:extLst>
+  </p:cSld>
+  <p:clrMapOvr>
+    <a:masterClrMapping/>
+  </p:clrMapOvr>
+  <p:timing>
+    <p:tnLst>
+      <p:par>
+        <p:cTn id="1" dur="indefinite" restart="never" nodeType="tmRoot"/>
+      </p:par>
+    </p:tnLst>
+  </p:timing>
+</p:sld>
+</file>
+
+<file path=ppt/slides/slide17.xml><?xml version="1.0" encoding="utf-8"?>
+<p:sld xmlns:a="http://schemas.openxmlformats.org/drawingml/2006/main" xmlns:r="http://schemas.openxmlformats.org/officeDocument/2006/relationships" xmlns:p="http://schemas.openxmlformats.org/presentationml/2006/main">
+  <p:cSld>
+    <p:spTree>
+      <p:nvGrpSpPr>
+        <p:cNvPr id="1" name=""/>
+        <p:cNvGrpSpPr/>
+        <p:nvPr/>
+      </p:nvGrpSpPr>
+      <p:grpSpPr>
+        <a:xfrm>
+          <a:off x="0" y="0"/>
+          <a:ext cx="0" cy="0"/>
+          <a:chOff x="0" y="0"/>
+          <a:chExt cx="0" cy="0"/>
+        </a:xfrm>
+      </p:grpSpPr>
+      <p:sp>
+        <p:nvSpPr>
+          <p:cNvPr id="2" name="标题 1"/>
+          <p:cNvSpPr>
+            <a:spLocks noGrp="1"/>
+          </p:cNvSpPr>
+          <p:nvPr>
+            <p:ph type="title"/>
+          </p:nvPr>
+        </p:nvSpPr>
+        <p:spPr/>
+        <p:txBody>
+          <a:bodyPr/>
+          <a:lstStyle/>
+          <a:p>
+            <a:r>
+              <a:rPr lang="en-US" altLang="zh-CN" dirty="0" smtClean="0"/>
+              <a:t>Word2Vec II – Sequential Modeling</a:t>
+            </a:r>
+            <a:endParaRPr lang="zh-CN" altLang="en-US" dirty="0"/>
+          </a:p>
+        </p:txBody>
+      </p:sp>
+      <p:sp>
+        <p:nvSpPr>
+          <p:cNvPr id="4" name="Content Placeholder 3"/>
+          <p:cNvSpPr>
+            <a:spLocks noGrp="1"/>
+          </p:cNvSpPr>
+          <p:nvPr>
+            <p:ph idx="1"/>
+          </p:nvPr>
+        </p:nvSpPr>
+        <p:spPr/>
+        <p:txBody>
+          <a:bodyPr/>
+          <a:lstStyle/>
+          <a:p>
+            <a:r>
+              <a:rPr lang="en-US" dirty="0" smtClean="0"/>
+              <a:t>Use unsupervised word </a:t>
+            </a:r>
+            <a:r>
+              <a:rPr lang="en-US" dirty="0" err="1" smtClean="0"/>
+              <a:t>vec</a:t>
+            </a:r>
+            <a:r>
+              <a:rPr lang="en-US" dirty="0" smtClean="0"/>
+              <a:t> as </a:t>
+            </a:r>
+            <a:r>
+              <a:rPr lang="en-US" dirty="0" smtClean="0"/>
+              <a:t>input.</a:t>
+            </a:r>
+            <a:endParaRPr lang="en-US" dirty="0" smtClean="0"/>
+          </a:p>
+          <a:p>
+            <a:r>
+              <a:rPr lang="en-US" dirty="0" smtClean="0"/>
+              <a:t>Apply </a:t>
+            </a:r>
+            <a:r>
+              <a:rPr lang="en-US" dirty="0" smtClean="0"/>
+              <a:t>RNN </a:t>
+            </a:r>
+            <a:r>
+              <a:rPr lang="en-US" dirty="0" smtClean="0"/>
+              <a:t>to model doc </a:t>
+            </a:r>
+            <a:r>
+              <a:rPr lang="en-US" dirty="0" smtClean="0"/>
+              <a:t>sequentially (very suitable to model short text).</a:t>
+            </a:r>
+          </a:p>
+          <a:p>
+            <a:endParaRPr lang="en-US" dirty="0" smtClean="0"/>
+          </a:p>
+          <a:p>
+            <a:pPr marL="0" indent="0">
+              <a:buNone/>
+            </a:pPr>
+            <a:endParaRPr lang="en-US" dirty="0"/>
+          </a:p>
+        </p:txBody>
+      </p:sp>
+      <p:pic>
+        <p:nvPicPr>
+          <p:cNvPr id="3" name="图片 2"/>
+          <p:cNvPicPr>
+            <a:picLocks noChangeAspect="1"/>
+          </p:cNvPicPr>
+          <p:nvPr/>
+        </p:nvPicPr>
+        <p:blipFill>
+          <a:blip r:embed="rId2"/>
+          <a:stretch>
+            <a:fillRect/>
+          </a:stretch>
+        </p:blipFill>
+        <p:spPr>
+          <a:xfrm>
+            <a:off x="838200" y="3233302"/>
+            <a:ext cx="5980176" cy="3078598"/>
+          </a:xfrm>
+          <a:prstGeom prst="rect">
+            <a:avLst/>
+          </a:prstGeom>
+        </p:spPr>
+      </p:pic>
+      <p:grpSp>
+        <p:nvGrpSpPr>
+          <p:cNvPr id="11" name="组合 10"/>
+          <p:cNvGrpSpPr/>
+          <p:nvPr/>
+        </p:nvGrpSpPr>
+        <p:grpSpPr>
+          <a:xfrm>
+            <a:off x="6891528" y="3776472"/>
+            <a:ext cx="551688" cy="1508760"/>
+            <a:chOff x="6891528" y="3776472"/>
+            <a:chExt cx="551688" cy="1508760"/>
+          </a:xfrm>
+        </p:grpSpPr>
+        <p:sp>
+          <p:nvSpPr>
+            <p:cNvPr id="5" name="矩形 4"/>
+            <p:cNvSpPr/>
+            <p:nvPr/>
+          </p:nvSpPr>
+          <p:spPr>
+            <a:xfrm>
+              <a:off x="6891528" y="3776472"/>
+              <a:ext cx="551688" cy="1508760"/>
+            </a:xfrm>
+            <a:prstGeom prst="rect">
+              <a:avLst/>
+            </a:prstGeom>
+          </p:spPr>
+          <p:style>
+            <a:lnRef idx="2">
+              <a:schemeClr val="dk1"/>
+            </a:lnRef>
+            <a:fillRef idx="1">
+              <a:schemeClr val="lt1"/>
+            </a:fillRef>
+            <a:effectRef idx="0">
+              <a:schemeClr val="dk1"/>
+            </a:effectRef>
+            <a:fontRef idx="minor">
+              <a:schemeClr val="dk1"/>
+            </a:fontRef>
+          </p:style>
+          <p:txBody>
+            <a:bodyPr rtlCol="0" anchor="ctr"/>
+            <a:lstStyle/>
+            <a:p>
+              <a:pPr algn="ctr"/>
+              <a:endParaRPr lang="zh-CN" altLang="en-US"/>
+            </a:p>
+          </p:txBody>
+        </p:sp>
+        <p:sp>
+          <p:nvSpPr>
+            <p:cNvPr id="7" name="椭圆 6"/>
+            <p:cNvSpPr/>
+            <p:nvPr/>
+          </p:nvSpPr>
+          <p:spPr>
+            <a:xfrm>
+              <a:off x="7039356" y="3913632"/>
+              <a:ext cx="246888" cy="246888"/>
+            </a:xfrm>
+            <a:prstGeom prst="ellipse">
+              <a:avLst/>
+            </a:prstGeom>
+          </p:spPr>
+          <p:style>
+            <a:lnRef idx="2">
+              <a:schemeClr val="accent2">
+                <a:shade val="50000"/>
+              </a:schemeClr>
+            </a:lnRef>
+            <a:fillRef idx="1">
+              <a:schemeClr val="accent2"/>
+            </a:fillRef>
+            <a:effectRef idx="0">
+              <a:schemeClr val="accent2"/>
+            </a:effectRef>
+            <a:fontRef idx="minor">
+              <a:schemeClr val="lt1"/>
+            </a:fontRef>
+          </p:style>
+          <p:txBody>
+            <a:bodyPr rtlCol="0" anchor="ctr"/>
+            <a:lstStyle/>
+            <a:p>
+              <a:pPr algn="ctr"/>
+              <a:endParaRPr lang="zh-CN" altLang="en-US"/>
+            </a:p>
+          </p:txBody>
+        </p:sp>
+        <p:sp>
+          <p:nvSpPr>
+            <p:cNvPr id="8" name="椭圆 7"/>
+            <p:cNvSpPr/>
+            <p:nvPr/>
+          </p:nvSpPr>
+          <p:spPr>
+            <a:xfrm>
+              <a:off x="7037832" y="4236815"/>
+              <a:ext cx="246888" cy="246888"/>
+            </a:xfrm>
+            <a:prstGeom prst="ellipse">
+              <a:avLst/>
+            </a:prstGeom>
+          </p:spPr>
+          <p:style>
+            <a:lnRef idx="2">
+              <a:schemeClr val="accent2">
+                <a:shade val="50000"/>
+              </a:schemeClr>
+            </a:lnRef>
+            <a:fillRef idx="1">
+              <a:schemeClr val="accent2"/>
+            </a:fillRef>
+            <a:effectRef idx="0">
+              <a:schemeClr val="accent2"/>
+            </a:effectRef>
+            <a:fontRef idx="minor">
+              <a:schemeClr val="lt1"/>
+            </a:fontRef>
+          </p:style>
+          <p:txBody>
+            <a:bodyPr rtlCol="0" anchor="ctr"/>
+            <a:lstStyle/>
+            <a:p>
+              <a:pPr algn="ctr"/>
+              <a:endParaRPr lang="zh-CN" altLang="en-US"/>
+            </a:p>
+          </p:txBody>
+        </p:sp>
+        <p:sp>
+          <p:nvSpPr>
+            <p:cNvPr id="9" name="椭圆 8"/>
+            <p:cNvSpPr/>
+            <p:nvPr/>
+          </p:nvSpPr>
+          <p:spPr>
+            <a:xfrm>
+              <a:off x="7037832" y="4543599"/>
+              <a:ext cx="246888" cy="246888"/>
+            </a:xfrm>
+            <a:prstGeom prst="ellipse">
+              <a:avLst/>
+            </a:prstGeom>
+          </p:spPr>
+          <p:style>
+            <a:lnRef idx="2">
+              <a:schemeClr val="accent2">
+                <a:shade val="50000"/>
+              </a:schemeClr>
+            </a:lnRef>
+            <a:fillRef idx="1">
+              <a:schemeClr val="accent2"/>
+            </a:fillRef>
+            <a:effectRef idx="0">
+              <a:schemeClr val="accent2"/>
+            </a:effectRef>
+            <a:fontRef idx="minor">
+              <a:schemeClr val="lt1"/>
+            </a:fontRef>
+          </p:style>
+          <p:txBody>
+            <a:bodyPr rtlCol="0" anchor="ctr"/>
+            <a:lstStyle/>
+            <a:p>
+              <a:pPr algn="ctr"/>
+              <a:endParaRPr lang="zh-CN" altLang="en-US"/>
+            </a:p>
+          </p:txBody>
+        </p:sp>
+        <p:sp>
+          <p:nvSpPr>
+            <p:cNvPr id="10" name="椭圆 9"/>
+            <p:cNvSpPr/>
+            <p:nvPr/>
+          </p:nvSpPr>
+          <p:spPr>
+            <a:xfrm>
+              <a:off x="7037832" y="4866020"/>
+              <a:ext cx="246888" cy="246888"/>
+            </a:xfrm>
+            <a:prstGeom prst="ellipse">
+              <a:avLst/>
+            </a:prstGeom>
+          </p:spPr>
+          <p:style>
+            <a:lnRef idx="2">
+              <a:schemeClr val="accent2">
+                <a:shade val="50000"/>
+              </a:schemeClr>
+            </a:lnRef>
+            <a:fillRef idx="1">
+              <a:schemeClr val="accent2"/>
+            </a:fillRef>
+            <a:effectRef idx="0">
+              <a:schemeClr val="accent2"/>
+            </a:effectRef>
+            <a:fontRef idx="minor">
+              <a:schemeClr val="lt1"/>
+            </a:fontRef>
+          </p:style>
+          <p:txBody>
+            <a:bodyPr rtlCol="0" anchor="ctr"/>
+            <a:lstStyle/>
+            <a:p>
+              <a:pPr algn="ctr"/>
+              <a:endParaRPr lang="zh-CN" altLang="en-US"/>
+            </a:p>
+          </p:txBody>
+        </p:sp>
+      </p:grpSp>
+      <p:sp>
+        <p:nvSpPr>
+          <p:cNvPr id="12" name="文本框 11"/>
+          <p:cNvSpPr txBox="1"/>
+          <p:nvPr/>
+        </p:nvSpPr>
+        <p:spPr>
+          <a:xfrm>
+            <a:off x="2962656" y="6360160"/>
+            <a:ext cx="953787" cy="369332"/>
+          </a:xfrm>
+          <a:prstGeom prst="rect">
+            <a:avLst/>
+          </a:prstGeom>
+        </p:spPr>
+        <p:style>
+          <a:lnRef idx="2">
+            <a:schemeClr val="dk1"/>
+          </a:lnRef>
+          <a:fillRef idx="1">
+            <a:schemeClr val="lt1"/>
+          </a:fillRef>
+          <a:effectRef idx="0">
+            <a:schemeClr val="dk1"/>
+          </a:effectRef>
+          <a:fontRef idx="minor">
+            <a:schemeClr val="dk1"/>
+          </a:fontRef>
+        </p:style>
+        <p:txBody>
+          <a:bodyPr wrap="none" rtlCol="0">
+            <a:spAutoFit/>
+          </a:bodyPr>
+          <a:lstStyle/>
+          <a:p>
+            <a:r>
+              <a:rPr lang="en-US" altLang="zh-CN" dirty="0" smtClean="0"/>
+              <a:t>Encoder</a:t>
+            </a:r>
+            <a:endParaRPr lang="zh-CN" altLang="en-US" dirty="0"/>
+          </a:p>
+        </p:txBody>
+      </p:sp>
+      <p:sp>
+        <p:nvSpPr>
+          <p:cNvPr id="13" name="文本框 12"/>
+          <p:cNvSpPr txBox="1"/>
+          <p:nvPr/>
+        </p:nvSpPr>
+        <p:spPr>
+          <a:xfrm>
+            <a:off x="6617088" y="6356731"/>
+            <a:ext cx="1088375" cy="369332"/>
+          </a:xfrm>
+          <a:prstGeom prst="rect">
+            <a:avLst/>
+          </a:prstGeom>
+        </p:spPr>
+        <p:style>
+          <a:lnRef idx="2">
+            <a:schemeClr val="dk1"/>
+          </a:lnRef>
+          <a:fillRef idx="1">
+            <a:schemeClr val="lt1"/>
+          </a:fillRef>
+          <a:effectRef idx="0">
+            <a:schemeClr val="dk1"/>
+          </a:effectRef>
+          <a:fontRef idx="minor">
+            <a:schemeClr val="dk1"/>
+          </a:fontRef>
+        </p:style>
+        <p:txBody>
+          <a:bodyPr wrap="none" rtlCol="0">
+            <a:spAutoFit/>
+          </a:bodyPr>
+          <a:lstStyle/>
+          <a:p>
+            <a:r>
+              <a:rPr lang="en-US" altLang="zh-CN" dirty="0" smtClean="0"/>
+              <a:t>Last State</a:t>
+            </a:r>
+            <a:endParaRPr lang="zh-CN" altLang="en-US" dirty="0"/>
+          </a:p>
+        </p:txBody>
+      </p:sp>
+      <p:sp>
+        <p:nvSpPr>
+          <p:cNvPr id="14" name="文本框 13"/>
+          <p:cNvSpPr txBox="1"/>
+          <p:nvPr/>
+        </p:nvSpPr>
+        <p:spPr>
+          <a:xfrm>
+            <a:off x="8884800" y="6364986"/>
+            <a:ext cx="977832" cy="369332"/>
+          </a:xfrm>
+          <a:prstGeom prst="rect">
+            <a:avLst/>
+          </a:prstGeom>
+        </p:spPr>
+        <p:style>
+          <a:lnRef idx="2">
+            <a:schemeClr val="dk1"/>
+          </a:lnRef>
+          <a:fillRef idx="1">
+            <a:schemeClr val="lt1"/>
+          </a:fillRef>
+          <a:effectRef idx="0">
+            <a:schemeClr val="dk1"/>
+          </a:effectRef>
+          <a:fontRef idx="minor">
+            <a:schemeClr val="dk1"/>
+          </a:fontRef>
+        </p:style>
+        <p:txBody>
+          <a:bodyPr wrap="none" rtlCol="0">
+            <a:spAutoFit/>
+          </a:bodyPr>
+          <a:lstStyle/>
+          <a:p>
+            <a:r>
+              <a:rPr lang="en-US" altLang="zh-CN" dirty="0" smtClean="0"/>
+              <a:t>Decoder</a:t>
+            </a:r>
+            <a:endParaRPr lang="zh-CN" altLang="en-US" dirty="0"/>
+          </a:p>
+        </p:txBody>
+      </p:sp>
+      <p:cxnSp>
+        <p:nvCxnSpPr>
+          <p:cNvPr id="16" name="直接箭头连接符 15"/>
+          <p:cNvCxnSpPr/>
+          <p:nvPr/>
+        </p:nvCxnSpPr>
+        <p:spPr>
+          <a:xfrm>
+            <a:off x="7705463" y="4543599"/>
+            <a:ext cx="533281" cy="0"/>
+          </a:xfrm>
+          <a:prstGeom prst="straightConnector1">
+            <a:avLst/>
+          </a:prstGeom>
+          <a:ln>
+            <a:tailEnd type="triangle"/>
+          </a:ln>
+        </p:spPr>
+        <p:style>
+          <a:lnRef idx="3">
+            <a:schemeClr val="dk1"/>
+          </a:lnRef>
+          <a:fillRef idx="0">
+            <a:schemeClr val="dk1"/>
+          </a:fillRef>
+          <a:effectRef idx="2">
+            <a:schemeClr val="dk1"/>
+          </a:effectRef>
+          <a:fontRef idx="minor">
+            <a:schemeClr val="tx1"/>
+          </a:fontRef>
+        </p:style>
+      </p:cxnSp>
+      <p:sp>
+        <p:nvSpPr>
+          <p:cNvPr id="17" name="文本框 16"/>
+          <p:cNvSpPr txBox="1"/>
+          <p:nvPr/>
+        </p:nvSpPr>
+        <p:spPr>
+          <a:xfrm>
+            <a:off x="9202034" y="4346186"/>
+            <a:ext cx="343364" cy="369332"/>
+          </a:xfrm>
+          <a:prstGeom prst="rect">
+            <a:avLst/>
+          </a:prstGeom>
+          <a:noFill/>
+        </p:spPr>
+        <p:txBody>
+          <a:bodyPr wrap="none" rtlCol="0">
+            <a:spAutoFit/>
+          </a:bodyPr>
+          <a:lstStyle/>
+          <a:p>
+            <a:r>
+              <a:rPr lang="en-US" altLang="zh-CN" dirty="0" smtClean="0"/>
+              <a:t>…</a:t>
+            </a:r>
+            <a:endParaRPr lang="zh-CN" altLang="en-US" dirty="0"/>
           </a:p>
         </p:txBody>
       </p:sp>
@@ -4474,7 +5790,7 @@
 </p:sld>
 </file>
 
-<file path=ppt/slides/slide15.xml><?xml version="1.0" encoding="utf-8"?>
+<file path=ppt/slides/slide18.xml><?xml version="1.0" encoding="utf-8"?>
 <p:sld xmlns:a="http://schemas.openxmlformats.org/drawingml/2006/main" xmlns:r="http://schemas.openxmlformats.org/officeDocument/2006/relationships" xmlns:p="http://schemas.openxmlformats.org/presentationml/2006/main">
   <p:cSld>
     <p:spTree>
@@ -6666,7 +7982,6 @@
               <a:rPr lang="en-US" altLang="zh-CN" dirty="0" smtClean="0"/>
               <a:t>Etc.</a:t>
             </a:r>
-            <a:endParaRPr lang="en-US" altLang="zh-CN" dirty="0" smtClean="0"/>
           </a:p>
         </p:txBody>
       </p:sp>
@@ -6724,11 +8039,7 @@
           <a:p>
             <a:r>
               <a:rPr lang="en-US" altLang="zh-CN" dirty="0" smtClean="0"/>
-              <a:t>Document </a:t>
-            </a:r>
-            <a:r>
-              <a:rPr lang="en-US" altLang="zh-CN" dirty="0" smtClean="0"/>
-              <a:t>Representation - Unsupervised</a:t>
+              <a:t>Document Representation - Unsupervised</a:t>
             </a:r>
             <a:endParaRPr lang="zh-CN" altLang="en-US" dirty="0"/>
           </a:p>
@@ -6765,11 +8076,7 @@
             <a:pPr lvl="1"/>
             <a:r>
               <a:rPr lang="en-US" altLang="zh-CN" dirty="0" smtClean="0"/>
-              <a:t>Importance </a:t>
-            </a:r>
-            <a:r>
-              <a:rPr lang="en-US" altLang="zh-CN" dirty="0" smtClean="0"/>
-              <a:t>modeling</a:t>
+              <a:t>Importance modeling</a:t>
             </a:r>
           </a:p>
           <a:p>
@@ -6777,7 +8084,6 @@
               <a:rPr lang="en-US" altLang="zh-CN" dirty="0" smtClean="0"/>
               <a:t>Random Project</a:t>
             </a:r>
-            <a:endParaRPr lang="en-US" altLang="zh-CN" dirty="0" smtClean="0"/>
           </a:p>
           <a:p>
             <a:r>

--- a/slides.pptx
+++ b/slides.pptx
@@ -5,7 +5,7 @@
     <p:sldMasterId id="2147483648" r:id="rId1"/>
   </p:sldMasterIdLst>
   <p:notesMasterIdLst>
-    <p:notesMasterId r:id="rId20"/>
+    <p:notesMasterId r:id="rId19"/>
   </p:notesMasterIdLst>
   <p:sldIdLst>
     <p:sldId id="260" r:id="rId2"/>
@@ -23,9 +23,8 @@
     <p:sldId id="268" r:id="rId14"/>
     <p:sldId id="273" r:id="rId15"/>
     <p:sldId id="274" r:id="rId16"/>
-    <p:sldId id="272" r:id="rId17"/>
-    <p:sldId id="269" r:id="rId18"/>
-    <p:sldId id="259" r:id="rId19"/>
+    <p:sldId id="269" r:id="rId17"/>
+    <p:sldId id="259" r:id="rId18"/>
   </p:sldIdLst>
   <p:sldSz cx="12192000" cy="6858000"/>
   <p:notesSz cx="6858000" cy="9144000"/>
@@ -214,7 +213,7 @@
           <a:p>
             <a:fld id="{8E5D3A64-E959-4F90-AD01-F8E1EE1B842A}" type="datetimeFigureOut">
               <a:rPr lang="zh-CN" altLang="en-US" smtClean="0"/>
-              <a:t>2017/6/28</a:t>
+              <a:t>2017/6/29</a:t>
             </a:fld>
             <a:endParaRPr lang="zh-CN" altLang="en-US"/>
           </a:p>
@@ -789,7 +788,7 @@
           <a:p>
             <a:fld id="{A5EBEF2F-8C84-4272-A28C-84516FD5E291}" type="datetimeFigureOut">
               <a:rPr lang="zh-CN" altLang="en-US" smtClean="0"/>
-              <a:t>2017/6/28</a:t>
+              <a:t>2017/6/29</a:t>
             </a:fld>
             <a:endParaRPr lang="zh-CN" altLang="en-US"/>
           </a:p>
@@ -959,7 +958,7 @@
           <a:p>
             <a:fld id="{A5EBEF2F-8C84-4272-A28C-84516FD5E291}" type="datetimeFigureOut">
               <a:rPr lang="zh-CN" altLang="en-US" smtClean="0"/>
-              <a:t>2017/6/28</a:t>
+              <a:t>2017/6/29</a:t>
             </a:fld>
             <a:endParaRPr lang="zh-CN" altLang="en-US"/>
           </a:p>
@@ -1139,7 +1138,7 @@
           <a:p>
             <a:fld id="{A5EBEF2F-8C84-4272-A28C-84516FD5E291}" type="datetimeFigureOut">
               <a:rPr lang="zh-CN" altLang="en-US" smtClean="0"/>
-              <a:t>2017/6/28</a:t>
+              <a:t>2017/6/29</a:t>
             </a:fld>
             <a:endParaRPr lang="zh-CN" altLang="en-US"/>
           </a:p>
@@ -1309,7 +1308,7 @@
           <a:p>
             <a:fld id="{A5EBEF2F-8C84-4272-A28C-84516FD5E291}" type="datetimeFigureOut">
               <a:rPr lang="zh-CN" altLang="en-US" smtClean="0"/>
-              <a:t>2017/6/28</a:t>
+              <a:t>2017/6/29</a:t>
             </a:fld>
             <a:endParaRPr lang="zh-CN" altLang="en-US"/>
           </a:p>
@@ -1555,7 +1554,7 @@
           <a:p>
             <a:fld id="{A5EBEF2F-8C84-4272-A28C-84516FD5E291}" type="datetimeFigureOut">
               <a:rPr lang="zh-CN" altLang="en-US" smtClean="0"/>
-              <a:t>2017/6/28</a:t>
+              <a:t>2017/6/29</a:t>
             </a:fld>
             <a:endParaRPr lang="zh-CN" altLang="en-US"/>
           </a:p>
@@ -1787,7 +1786,7 @@
           <a:p>
             <a:fld id="{A5EBEF2F-8C84-4272-A28C-84516FD5E291}" type="datetimeFigureOut">
               <a:rPr lang="zh-CN" altLang="en-US" smtClean="0"/>
-              <a:t>2017/6/28</a:t>
+              <a:t>2017/6/29</a:t>
             </a:fld>
             <a:endParaRPr lang="zh-CN" altLang="en-US"/>
           </a:p>
@@ -2154,7 +2153,7 @@
           <a:p>
             <a:fld id="{A5EBEF2F-8C84-4272-A28C-84516FD5E291}" type="datetimeFigureOut">
               <a:rPr lang="zh-CN" altLang="en-US" smtClean="0"/>
-              <a:t>2017/6/28</a:t>
+              <a:t>2017/6/29</a:t>
             </a:fld>
             <a:endParaRPr lang="zh-CN" altLang="en-US"/>
           </a:p>
@@ -2272,7 +2271,7 @@
           <a:p>
             <a:fld id="{A5EBEF2F-8C84-4272-A28C-84516FD5E291}" type="datetimeFigureOut">
               <a:rPr lang="zh-CN" altLang="en-US" smtClean="0"/>
-              <a:t>2017/6/28</a:t>
+              <a:t>2017/6/29</a:t>
             </a:fld>
             <a:endParaRPr lang="zh-CN" altLang="en-US"/>
           </a:p>
@@ -2367,7 +2366,7 @@
           <a:p>
             <a:fld id="{A5EBEF2F-8C84-4272-A28C-84516FD5E291}" type="datetimeFigureOut">
               <a:rPr lang="zh-CN" altLang="en-US" smtClean="0"/>
-              <a:t>2017/6/28</a:t>
+              <a:t>2017/6/29</a:t>
             </a:fld>
             <a:endParaRPr lang="zh-CN" altLang="en-US"/>
           </a:p>
@@ -2644,7 +2643,7 @@
           <a:p>
             <a:fld id="{A5EBEF2F-8C84-4272-A28C-84516FD5E291}" type="datetimeFigureOut">
               <a:rPr lang="zh-CN" altLang="en-US" smtClean="0"/>
-              <a:t>2017/6/28</a:t>
+              <a:t>2017/6/29</a:t>
             </a:fld>
             <a:endParaRPr lang="zh-CN" altLang="en-US"/>
           </a:p>
@@ -2897,7 +2896,7 @@
           <a:p>
             <a:fld id="{A5EBEF2F-8C84-4272-A28C-84516FD5E291}" type="datetimeFigureOut">
               <a:rPr lang="zh-CN" altLang="en-US" smtClean="0"/>
-              <a:t>2017/6/28</a:t>
+              <a:t>2017/6/29</a:t>
             </a:fld>
             <a:endParaRPr lang="zh-CN" altLang="en-US"/>
           </a:p>
@@ -3110,7 +3109,7 @@
           <a:p>
             <a:fld id="{A5EBEF2F-8C84-4272-A28C-84516FD5E291}" type="datetimeFigureOut">
               <a:rPr lang="zh-CN" altLang="en-US" smtClean="0"/>
-              <a:t>2017/6/28</a:t>
+              <a:t>2017/6/29</a:t>
             </a:fld>
             <a:endParaRPr lang="zh-CN" altLang="en-US"/>
           </a:p>
@@ -3532,7 +3531,15 @@
           <a:p>
             <a:r>
               <a:rPr lang="en-US" altLang="zh-CN" dirty="0" smtClean="0"/>
-              <a:t>Basic Task in NLP</a:t>
+              <a:t>Basic </a:t>
+            </a:r>
+            <a:r>
+              <a:rPr lang="en-US" altLang="zh-CN" dirty="0" smtClean="0"/>
+              <a:t>Applications </a:t>
+            </a:r>
+            <a:r>
+              <a:rPr lang="en-US" altLang="zh-CN" dirty="0" smtClean="0"/>
+              <a:t>in NLP</a:t>
             </a:r>
             <a:endParaRPr lang="zh-CN" altLang="en-US" dirty="0"/>
           </a:p>
@@ -3557,7 +3564,11 @@
           <a:p>
             <a:r>
               <a:rPr lang="en-US" altLang="zh-CN" dirty="0" smtClean="0"/>
-              <a:t>Machine Translation</a:t>
+              <a:t>Machine </a:t>
+            </a:r>
+            <a:r>
+              <a:rPr lang="en-US" altLang="zh-CN" dirty="0" smtClean="0"/>
+              <a:t>Translation</a:t>
             </a:r>
           </a:p>
           <a:p>
@@ -4192,12 +4203,12 @@
               <a:t>Restricted </a:t>
             </a:r>
             <a:r>
-              <a:rPr lang="en-US" altLang="zh-CN" dirty="0" err="1" smtClean="0"/>
-              <a:t>Bolzman</a:t>
-            </a:r>
-            <a:r>
-              <a:rPr lang="en-US" altLang="zh-CN" dirty="0" smtClean="0"/>
-              <a:t> Machine (RBM) </a:t>
+              <a:rPr lang="en-US" altLang="zh-CN" dirty="0" smtClean="0"/>
+              <a:t>Boltzmann </a:t>
+            </a:r>
+            <a:r>
+              <a:rPr lang="en-US" altLang="zh-CN" dirty="0" smtClean="0"/>
+              <a:t>Machine (RBM) </a:t>
             </a:r>
           </a:p>
           <a:p>
@@ -4397,11 +4408,7 @@
           <a:p>
             <a:r>
               <a:rPr lang="en-US" altLang="zh-CN" sz="3600" dirty="0" smtClean="0"/>
-              <a:t>Word2Vec I – </a:t>
-            </a:r>
-            <a:r>
-              <a:rPr lang="en-US" altLang="zh-CN" sz="3600" dirty="0" smtClean="0"/>
-              <a:t>Co-occurrence Matrix Decomposition</a:t>
+              <a:t>Word2Vec I – Co-occurrence Matrix Decomposition</a:t>
             </a:r>
             <a:endParaRPr lang="zh-CN" altLang="en-US" sz="3600" dirty="0"/>
           </a:p>
@@ -4431,15 +4438,7 @@
             <a:pPr lvl="1"/>
             <a:r>
               <a:rPr lang="en-US" dirty="0" smtClean="0"/>
-              <a:t>unsupervised learning, co-occurrence modeling, mapping a word to a </a:t>
-            </a:r>
-            <a:r>
-              <a:rPr lang="en-US" dirty="0" smtClean="0"/>
-              <a:t>k-dimension </a:t>
-            </a:r>
-            <a:r>
-              <a:rPr lang="en-US" dirty="0" smtClean="0"/>
-              <a:t>vector.</a:t>
+              <a:t>unsupervised learning, co-occurrence modeling, mapping a word to a k-dimension vector.</a:t>
             </a:r>
           </a:p>
           <a:p>
@@ -4644,19 +4643,7 @@
           <a:p>
             <a:r>
               <a:rPr lang="en-US" altLang="zh-CN" dirty="0" smtClean="0"/>
-              <a:t>Word2Vec </a:t>
-            </a:r>
-            <a:r>
-              <a:rPr lang="en-US" altLang="zh-CN" dirty="0" smtClean="0"/>
-              <a:t>II </a:t>
-            </a:r>
-            <a:r>
-              <a:rPr lang="en-US" altLang="zh-CN" dirty="0" smtClean="0"/>
-              <a:t>– </a:t>
-            </a:r>
-            <a:r>
-              <a:rPr lang="en-US" altLang="zh-CN" dirty="0" smtClean="0"/>
-              <a:t>CBOW, Skip-gram</a:t>
+              <a:t>Word2Vec II – CBOW, Skip-gram</a:t>
             </a:r>
             <a:endParaRPr lang="zh-CN" altLang="en-US" dirty="0"/>
           </a:p>
@@ -4688,7 +4675,6 @@
               <a:rPr lang="en-US" dirty="0" smtClean="0"/>
               <a:t>Predict Surrounding words in a window of length c of every word.</a:t>
             </a:r>
-            <a:endParaRPr lang="en-US" dirty="0" smtClean="0"/>
           </a:p>
           <a:p>
             <a:pPr lvl="1"/>
@@ -4776,8 +4762,8 @@
           </a:prstGeom>
         </p:spPr>
       </p:pic>
-      <mc:AlternateContent xmlns:mc="http://schemas.openxmlformats.org/markup-compatibility/2006">
-        <mc:Choice xmlns:a14="http://schemas.microsoft.com/office/drawing/2010/main" Requires="a14">
+      <mc:AlternateContent xmlns:mc="http://schemas.openxmlformats.org/markup-compatibility/2006" xmlns:a14="http://schemas.microsoft.com/office/drawing/2010/main">
+        <mc:Choice Requires="a14">
           <p:sp>
             <p:nvSpPr>
               <p:cNvPr id="11" name="文本框 10"/>
@@ -4800,6 +4786,7 @@
               </a:bodyPr>
               <a:lstStyle/>
               <a:p>
+                <a:pPr/>
                 <a14:m>
                   <m:oMathPara xmlns:m="http://schemas.openxmlformats.org/officeDocument/2006/math">
                     <m:oMathParaPr>
@@ -4888,7 +4875,7 @@
             </p:txBody>
           </p:sp>
         </mc:Choice>
-        <mc:Fallback>
+        <mc:Fallback xmlns="">
           <p:sp>
             <p:nvSpPr>
               <p:cNvPr id="11" name="文本框 10"/>
@@ -5137,6 +5124,13 @@
   <p:clrMapOvr>
     <a:masterClrMapping/>
   </p:clrMapOvr>
+  <p:timing>
+    <p:tnLst>
+      <p:par>
+        <p:cTn id="1" dur="indefinite" restart="never" nodeType="tmRoot"/>
+      </p:par>
+    </p:tnLst>
+  </p:timing>
 </p:sld>
 </file>
 
@@ -5174,106 +5168,15 @@
           <a:p>
             <a:r>
               <a:rPr lang="en-US" altLang="zh-CN" dirty="0" smtClean="0"/>
-              <a:t>Word2Vec I – Embedding Method</a:t>
-            </a:r>
-            <a:endParaRPr lang="zh-CN" altLang="en-US" dirty="0"/>
-          </a:p>
-        </p:txBody>
-      </p:sp>
-      <p:sp>
-        <p:nvSpPr>
-          <p:cNvPr id="4" name="Content Placeholder 3"/>
-          <p:cNvSpPr>
-            <a:spLocks noGrp="1"/>
-          </p:cNvSpPr>
-          <p:nvPr>
-            <p:ph idx="1"/>
-          </p:nvPr>
-        </p:nvSpPr>
-        <p:spPr/>
-        <p:txBody>
-          <a:bodyPr/>
-          <a:lstStyle/>
-          <a:p>
-            <a:r>
-              <a:rPr lang="en-US" dirty="0" smtClean="0"/>
-              <a:t>Word2Vec: </a:t>
-            </a:r>
-          </a:p>
-          <a:p>
-            <a:pPr lvl="1"/>
-            <a:r>
-              <a:rPr lang="en-US" dirty="0" smtClean="0"/>
-              <a:t>unsupervised learning, co-occurrence modeling, mapping a word to a n-dimension vector.</a:t>
-            </a:r>
-          </a:p>
-          <a:p>
-            <a:pPr lvl="1"/>
-            <a:endParaRPr lang="en-US" dirty="0" smtClean="0"/>
-          </a:p>
-          <a:p>
-            <a:pPr marL="0" indent="0">
-              <a:buNone/>
-            </a:pPr>
-            <a:endParaRPr lang="en-US" dirty="0"/>
-          </a:p>
-        </p:txBody>
-      </p:sp>
-    </p:spTree>
-    <p:extLst>
-      <p:ext uri="{BB962C8B-B14F-4D97-AF65-F5344CB8AC3E}">
-        <p14:creationId xmlns:p14="http://schemas.microsoft.com/office/powerpoint/2010/main" val="846530862"/>
-      </p:ext>
-    </p:extLst>
-  </p:cSld>
-  <p:clrMapOvr>
-    <a:masterClrMapping/>
-  </p:clrMapOvr>
-  <p:timing>
-    <p:tnLst>
-      <p:par>
-        <p:cTn id="1" dur="indefinite" restart="never" nodeType="tmRoot"/>
-      </p:par>
-    </p:tnLst>
-  </p:timing>
-</p:sld>
-</file>
-
-<file path=ppt/slides/slide17.xml><?xml version="1.0" encoding="utf-8"?>
-<p:sld xmlns:a="http://schemas.openxmlformats.org/drawingml/2006/main" xmlns:r="http://schemas.openxmlformats.org/officeDocument/2006/relationships" xmlns:p="http://schemas.openxmlformats.org/presentationml/2006/main">
-  <p:cSld>
-    <p:spTree>
-      <p:nvGrpSpPr>
-        <p:cNvPr id="1" name=""/>
-        <p:cNvGrpSpPr/>
-        <p:nvPr/>
-      </p:nvGrpSpPr>
-      <p:grpSpPr>
-        <a:xfrm>
-          <a:off x="0" y="0"/>
-          <a:ext cx="0" cy="0"/>
-          <a:chOff x="0" y="0"/>
-          <a:chExt cx="0" cy="0"/>
-        </a:xfrm>
-      </p:grpSpPr>
-      <p:sp>
-        <p:nvSpPr>
-          <p:cNvPr id="2" name="标题 1"/>
-          <p:cNvSpPr>
-            <a:spLocks noGrp="1"/>
-          </p:cNvSpPr>
-          <p:nvPr>
-            <p:ph type="title"/>
-          </p:nvPr>
-        </p:nvSpPr>
-        <p:spPr/>
-        <p:txBody>
-          <a:bodyPr/>
-          <a:lstStyle/>
-          <a:p>
-            <a:r>
-              <a:rPr lang="en-US" altLang="zh-CN" dirty="0" smtClean="0"/>
-              <a:t>Word2Vec II – Sequential Modeling</a:t>
+              <a:t>Word2Vec </a:t>
+            </a:r>
+            <a:r>
+              <a:rPr lang="en-US" altLang="zh-CN" dirty="0" smtClean="0"/>
+              <a:t>IV </a:t>
+            </a:r>
+            <a:r>
+              <a:rPr lang="en-US" altLang="zh-CN" dirty="0" smtClean="0"/>
+              <a:t>– Sequential Modeling</a:t>
             </a:r>
             <a:endParaRPr lang="zh-CN" altLang="en-US" dirty="0"/>
           </a:p>
@@ -5304,30 +5207,13 @@
             </a:r>
             <a:r>
               <a:rPr lang="en-US" dirty="0" smtClean="0"/>
-              <a:t> as </a:t>
-            </a:r>
+              <a:t> as input.</a:t>
+            </a:r>
+          </a:p>
+          <a:p>
             <a:r>
               <a:rPr lang="en-US" dirty="0" smtClean="0"/>
-              <a:t>input.</a:t>
-            </a:r>
-            <a:endParaRPr lang="en-US" dirty="0" smtClean="0"/>
-          </a:p>
-          <a:p>
-            <a:r>
-              <a:rPr lang="en-US" dirty="0" smtClean="0"/>
-              <a:t>Apply </a:t>
-            </a:r>
-            <a:r>
-              <a:rPr lang="en-US" dirty="0" smtClean="0"/>
-              <a:t>RNN </a:t>
-            </a:r>
-            <a:r>
-              <a:rPr lang="en-US" dirty="0" smtClean="0"/>
-              <a:t>to model doc </a:t>
-            </a:r>
-            <a:r>
-              <a:rPr lang="en-US" dirty="0" smtClean="0"/>
-              <a:t>sequentially (very suitable to model short text).</a:t>
+              <a:t>Apply RNN to model doc sequentially (very suitable to model short text).</a:t>
             </a:r>
           </a:p>
           <a:p>
@@ -5790,7 +5676,7 @@
 </p:sld>
 </file>
 
-<file path=ppt/slides/slide18.xml><?xml version="1.0" encoding="utf-8"?>
+<file path=ppt/slides/slide17.xml><?xml version="1.0" encoding="utf-8"?>
 <p:sld xmlns:a="http://schemas.openxmlformats.org/drawingml/2006/main" xmlns:r="http://schemas.openxmlformats.org/officeDocument/2006/relationships" xmlns:p="http://schemas.openxmlformats.org/presentationml/2006/main">
   <p:cSld>
     <p:spTree>
@@ -5958,8 +5844,12 @@
           <a:lstStyle/>
           <a:p>
             <a:r>
-              <a:rPr lang="en-US" altLang="zh-CN" dirty="0" smtClean="0"/>
-              <a:t>Basic Task in NLP</a:t>
+              <a:rPr lang="en-US" altLang="zh-CN" dirty="0"/>
+              <a:t>Basic Applications </a:t>
+            </a:r>
+            <a:r>
+              <a:rPr lang="en-US" altLang="zh-CN" dirty="0" smtClean="0"/>
+              <a:t>in NLP</a:t>
             </a:r>
             <a:endParaRPr lang="zh-CN" altLang="en-US" dirty="0"/>
           </a:p>
@@ -6872,8 +6762,8 @@
           </a:p>
         </p:txBody>
       </p:sp>
-      <mc:AlternateContent xmlns:mc="http://schemas.openxmlformats.org/markup-compatibility/2006" xmlns:a14="http://schemas.microsoft.com/office/drawing/2010/main">
-        <mc:Choice Requires="a14">
+      <mc:AlternateContent xmlns:mc="http://schemas.openxmlformats.org/markup-compatibility/2006">
+        <mc:Choice xmlns:a14="http://schemas.microsoft.com/office/drawing/2010/main" Requires="a14">
           <p:sp>
             <p:nvSpPr>
               <p:cNvPr id="3" name="内容占位符 2"/>
@@ -7398,7 +7288,11 @@
                 <a:pPr lvl="1"/>
                 <a:r>
                   <a:rPr lang="en-US" altLang="zh-CN" dirty="0" smtClean="0"/>
-                  <a:t>1-gram model: Markov Assumption:</a:t>
+                  <a:t>2-gram </a:t>
+                </a:r>
+                <a:r>
+                  <a:rPr lang="en-US" altLang="zh-CN" dirty="0" smtClean="0"/>
+                  <a:t>model: Markov Assumption:</a:t>
                 </a:r>
               </a:p>
               <a:p>
@@ -7632,7 +7526,7 @@
             </p:txBody>
           </p:sp>
         </mc:Choice>
-        <mc:Fallback xmlns="">
+        <mc:Fallback>
           <p:sp>
             <p:nvSpPr>
               <p:cNvPr id="3" name="内容占位符 2"/>
@@ -7955,20 +7849,13 @@
             </a:r>
           </a:p>
           <a:p>
-            <a:pPr lvl="1"/>
-            <a:r>
-              <a:rPr lang="en-US" altLang="zh-CN" dirty="0"/>
-              <a:t>[</a:t>
-            </a:r>
-            <a:r>
-              <a:rPr lang="en-US" altLang="zh-CN" dirty="0" smtClean="0"/>
-              <a:t>X-E(X)]/E(X)</a:t>
-            </a:r>
-          </a:p>
-          <a:p>
-            <a:r>
-              <a:rPr lang="en-US" altLang="zh-CN" dirty="0" smtClean="0"/>
-              <a:t>Mutual Information</a:t>
+            <a:r>
+              <a:rPr lang="en-US" altLang="zh-CN" dirty="0" smtClean="0"/>
+              <a:t>Mutual </a:t>
+            </a:r>
+            <a:r>
+              <a:rPr lang="en-US" altLang="zh-CN" dirty="0" smtClean="0"/>
+              <a:t>Information</a:t>
             </a:r>
           </a:p>
           <a:p>
